--- a/trunk/Immagini/LABHCI-Pagine.pptx
+++ b/trunk/Immagini/LABHCI-Pagine.pptx
@@ -14,15 +14,19 @@
     <p:sldId id="262" r:id="rId8"/>
     <p:sldId id="263" r:id="rId9"/>
     <p:sldId id="264" r:id="rId10"/>
-    <p:sldId id="265" r:id="rId11"/>
-    <p:sldId id="266" r:id="rId12"/>
-    <p:sldId id="267" r:id="rId13"/>
-    <p:sldId id="268" r:id="rId14"/>
-    <p:sldId id="269" r:id="rId15"/>
-    <p:sldId id="270" r:id="rId16"/>
-    <p:sldId id="271" r:id="rId17"/>
-    <p:sldId id="272" r:id="rId18"/>
-    <p:sldId id="273" r:id="rId19"/>
+    <p:sldId id="276" r:id="rId11"/>
+    <p:sldId id="277" r:id="rId12"/>
+    <p:sldId id="265" r:id="rId13"/>
+    <p:sldId id="266" r:id="rId14"/>
+    <p:sldId id="267" r:id="rId15"/>
+    <p:sldId id="268" r:id="rId16"/>
+    <p:sldId id="269" r:id="rId17"/>
+    <p:sldId id="270" r:id="rId18"/>
+    <p:sldId id="271" r:id="rId19"/>
+    <p:sldId id="272" r:id="rId20"/>
+    <p:sldId id="273" r:id="rId21"/>
+    <p:sldId id="274" r:id="rId22"/>
+    <p:sldId id="275" r:id="rId23"/>
   </p:sldIdLst>
   <p:sldSz cx="9144000" cy="6858000" type="screen4x3"/>
   <p:notesSz cx="6858000" cy="9144000"/>
@@ -305,7 +309,8 @@
           <a:p>
             <a:fld id="{C4323EF3-058F-46A2-83C8-B1485068ED3A}" type="datetimeFigureOut">
               <a:rPr lang="it-IT" smtClean="0"/>
-              <a:t>26/04/09</a:t>
+              <a:pPr/>
+              <a:t>27/04/2009</a:t>
             </a:fld>
             <a:endParaRPr lang="it-IT"/>
           </a:p>
@@ -347,6 +352,7 @@
           <a:p>
             <a:fld id="{5F40531B-4001-41BC-B84B-76B465B50133}" type="slidenum">
               <a:rPr lang="it-IT" smtClean="0"/>
+              <a:pPr/>
               <a:t>‹N›</a:t>
             </a:fld>
             <a:endParaRPr lang="it-IT"/>
@@ -358,6 +364,7 @@
   <p:clrMapOvr>
     <a:masterClrMapping/>
   </p:clrMapOvr>
+  <p:transition advClick="0"/>
 </p:sldLayout>
 </file>
 
@@ -470,7 +477,8 @@
           <a:p>
             <a:fld id="{C4323EF3-058F-46A2-83C8-B1485068ED3A}" type="datetimeFigureOut">
               <a:rPr lang="it-IT" smtClean="0"/>
-              <a:t>26/04/09</a:t>
+              <a:pPr/>
+              <a:t>27/04/2009</a:t>
             </a:fld>
             <a:endParaRPr lang="it-IT"/>
           </a:p>
@@ -512,6 +520,7 @@
           <a:p>
             <a:fld id="{5F40531B-4001-41BC-B84B-76B465B50133}" type="slidenum">
               <a:rPr lang="it-IT" smtClean="0"/>
+              <a:pPr/>
               <a:t>‹N›</a:t>
             </a:fld>
             <a:endParaRPr lang="it-IT"/>
@@ -523,6 +532,7 @@
   <p:clrMapOvr>
     <a:masterClrMapping/>
   </p:clrMapOvr>
+  <p:transition advClick="0"/>
 </p:sldLayout>
 </file>
 
@@ -645,7 +655,8 @@
           <a:p>
             <a:fld id="{C4323EF3-058F-46A2-83C8-B1485068ED3A}" type="datetimeFigureOut">
               <a:rPr lang="it-IT" smtClean="0"/>
-              <a:t>26/04/09</a:t>
+              <a:pPr/>
+              <a:t>27/04/2009</a:t>
             </a:fld>
             <a:endParaRPr lang="it-IT"/>
           </a:p>
@@ -687,6 +698,7 @@
           <a:p>
             <a:fld id="{5F40531B-4001-41BC-B84B-76B465B50133}" type="slidenum">
               <a:rPr lang="it-IT" smtClean="0"/>
+              <a:pPr/>
               <a:t>‹N›</a:t>
             </a:fld>
             <a:endParaRPr lang="it-IT"/>
@@ -698,6 +710,7 @@
   <p:clrMapOvr>
     <a:masterClrMapping/>
   </p:clrMapOvr>
+  <p:transition advClick="0"/>
 </p:sldLayout>
 </file>
 
@@ -810,7 +823,8 @@
           <a:p>
             <a:fld id="{C4323EF3-058F-46A2-83C8-B1485068ED3A}" type="datetimeFigureOut">
               <a:rPr lang="it-IT" smtClean="0"/>
-              <a:t>26/04/09</a:t>
+              <a:pPr/>
+              <a:t>27/04/2009</a:t>
             </a:fld>
             <a:endParaRPr lang="it-IT"/>
           </a:p>
@@ -852,6 +866,7 @@
           <a:p>
             <a:fld id="{5F40531B-4001-41BC-B84B-76B465B50133}" type="slidenum">
               <a:rPr lang="it-IT" smtClean="0"/>
+              <a:pPr/>
               <a:t>‹N›</a:t>
             </a:fld>
             <a:endParaRPr lang="it-IT"/>
@@ -863,6 +878,7 @@
   <p:clrMapOvr>
     <a:masterClrMapping/>
   </p:clrMapOvr>
+  <p:transition advClick="0"/>
 </p:sldLayout>
 </file>
 
@@ -1051,7 +1067,8 @@
           <a:p>
             <a:fld id="{C4323EF3-058F-46A2-83C8-B1485068ED3A}" type="datetimeFigureOut">
               <a:rPr lang="it-IT" smtClean="0"/>
-              <a:t>26/04/09</a:t>
+              <a:pPr/>
+              <a:t>27/04/2009</a:t>
             </a:fld>
             <a:endParaRPr lang="it-IT"/>
           </a:p>
@@ -1093,6 +1110,7 @@
           <a:p>
             <a:fld id="{5F40531B-4001-41BC-B84B-76B465B50133}" type="slidenum">
               <a:rPr lang="it-IT" smtClean="0"/>
+              <a:pPr/>
               <a:t>‹N›</a:t>
             </a:fld>
             <a:endParaRPr lang="it-IT"/>
@@ -1104,6 +1122,7 @@
   <p:clrMapOvr>
     <a:masterClrMapping/>
   </p:clrMapOvr>
+  <p:transition advClick="0"/>
 </p:sldLayout>
 </file>
 
@@ -1334,7 +1353,8 @@
           <a:p>
             <a:fld id="{C4323EF3-058F-46A2-83C8-B1485068ED3A}" type="datetimeFigureOut">
               <a:rPr lang="it-IT" smtClean="0"/>
-              <a:t>26/04/09</a:t>
+              <a:pPr/>
+              <a:t>27/04/2009</a:t>
             </a:fld>
             <a:endParaRPr lang="it-IT"/>
           </a:p>
@@ -1376,6 +1396,7 @@
           <a:p>
             <a:fld id="{5F40531B-4001-41BC-B84B-76B465B50133}" type="slidenum">
               <a:rPr lang="it-IT" smtClean="0"/>
+              <a:pPr/>
               <a:t>‹N›</a:t>
             </a:fld>
             <a:endParaRPr lang="it-IT"/>
@@ -1387,6 +1408,7 @@
   <p:clrMapOvr>
     <a:masterClrMapping/>
   </p:clrMapOvr>
+  <p:transition advClick="0"/>
 </p:sldLayout>
 </file>
 
@@ -1751,7 +1773,8 @@
           <a:p>
             <a:fld id="{C4323EF3-058F-46A2-83C8-B1485068ED3A}" type="datetimeFigureOut">
               <a:rPr lang="it-IT" smtClean="0"/>
-              <a:t>26/04/09</a:t>
+              <a:pPr/>
+              <a:t>27/04/2009</a:t>
             </a:fld>
             <a:endParaRPr lang="it-IT"/>
           </a:p>
@@ -1793,6 +1816,7 @@
           <a:p>
             <a:fld id="{5F40531B-4001-41BC-B84B-76B465B50133}" type="slidenum">
               <a:rPr lang="it-IT" smtClean="0"/>
+              <a:pPr/>
               <a:t>‹N›</a:t>
             </a:fld>
             <a:endParaRPr lang="it-IT"/>
@@ -1804,6 +1828,7 @@
   <p:clrMapOvr>
     <a:masterClrMapping/>
   </p:clrMapOvr>
+  <p:transition advClick="0"/>
 </p:sldLayout>
 </file>
 
@@ -1864,7 +1889,8 @@
           <a:p>
             <a:fld id="{C4323EF3-058F-46A2-83C8-B1485068ED3A}" type="datetimeFigureOut">
               <a:rPr lang="it-IT" smtClean="0"/>
-              <a:t>26/04/09</a:t>
+              <a:pPr/>
+              <a:t>27/04/2009</a:t>
             </a:fld>
             <a:endParaRPr lang="it-IT"/>
           </a:p>
@@ -1906,6 +1932,7 @@
           <a:p>
             <a:fld id="{5F40531B-4001-41BC-B84B-76B465B50133}" type="slidenum">
               <a:rPr lang="it-IT" smtClean="0"/>
+              <a:pPr/>
               <a:t>‹N›</a:t>
             </a:fld>
             <a:endParaRPr lang="it-IT"/>
@@ -1917,6 +1944,7 @@
   <p:clrMapOvr>
     <a:masterClrMapping/>
   </p:clrMapOvr>
+  <p:transition advClick="0"/>
 </p:sldLayout>
 </file>
 
@@ -1954,7 +1982,8 @@
           <a:p>
             <a:fld id="{C4323EF3-058F-46A2-83C8-B1485068ED3A}" type="datetimeFigureOut">
               <a:rPr lang="it-IT" smtClean="0"/>
-              <a:t>26/04/09</a:t>
+              <a:pPr/>
+              <a:t>27/04/2009</a:t>
             </a:fld>
             <a:endParaRPr lang="it-IT"/>
           </a:p>
@@ -1996,6 +2025,7 @@
           <a:p>
             <a:fld id="{5F40531B-4001-41BC-B84B-76B465B50133}" type="slidenum">
               <a:rPr lang="it-IT" smtClean="0"/>
+              <a:pPr/>
               <a:t>‹N›</a:t>
             </a:fld>
             <a:endParaRPr lang="it-IT"/>
@@ -2007,6 +2037,7 @@
   <p:clrMapOvr>
     <a:masterClrMapping/>
   </p:clrMapOvr>
+  <p:transition advClick="0"/>
 </p:sldLayout>
 </file>
 
@@ -2226,7 +2257,8 @@
           <a:p>
             <a:fld id="{C4323EF3-058F-46A2-83C8-B1485068ED3A}" type="datetimeFigureOut">
               <a:rPr lang="it-IT" smtClean="0"/>
-              <a:t>26/04/09</a:t>
+              <a:pPr/>
+              <a:t>27/04/2009</a:t>
             </a:fld>
             <a:endParaRPr lang="it-IT"/>
           </a:p>
@@ -2268,6 +2300,7 @@
           <a:p>
             <a:fld id="{5F40531B-4001-41BC-B84B-76B465B50133}" type="slidenum">
               <a:rPr lang="it-IT" smtClean="0"/>
+              <a:pPr/>
               <a:t>‹N›</a:t>
             </a:fld>
             <a:endParaRPr lang="it-IT"/>
@@ -2279,6 +2312,7 @@
   <p:clrMapOvr>
     <a:masterClrMapping/>
   </p:clrMapOvr>
+  <p:transition advClick="0"/>
 </p:sldLayout>
 </file>
 
@@ -2474,7 +2508,8 @@
           <a:p>
             <a:fld id="{C4323EF3-058F-46A2-83C8-B1485068ED3A}" type="datetimeFigureOut">
               <a:rPr lang="it-IT" smtClean="0"/>
-              <a:t>26/04/09</a:t>
+              <a:pPr/>
+              <a:t>27/04/2009</a:t>
             </a:fld>
             <a:endParaRPr lang="it-IT"/>
           </a:p>
@@ -2516,6 +2551,7 @@
           <a:p>
             <a:fld id="{5F40531B-4001-41BC-B84B-76B465B50133}" type="slidenum">
               <a:rPr lang="it-IT" smtClean="0"/>
+              <a:pPr/>
               <a:t>‹N›</a:t>
             </a:fld>
             <a:endParaRPr lang="it-IT"/>
@@ -2527,6 +2563,7 @@
   <p:clrMapOvr>
     <a:masterClrMapping/>
   </p:clrMapOvr>
+  <p:transition advClick="0"/>
 </p:sldLayout>
 </file>
 
@@ -2682,7 +2719,8 @@
           <a:p>
             <a:fld id="{C4323EF3-058F-46A2-83C8-B1485068ED3A}" type="datetimeFigureOut">
               <a:rPr lang="it-IT" smtClean="0"/>
-              <a:t>26/04/09</a:t>
+              <a:pPr/>
+              <a:t>27/04/2009</a:t>
             </a:fld>
             <a:endParaRPr lang="it-IT"/>
           </a:p>
@@ -2760,6 +2798,7 @@
           <a:p>
             <a:fld id="{5F40531B-4001-41BC-B84B-76B465B50133}" type="slidenum">
               <a:rPr lang="it-IT" smtClean="0"/>
+              <a:pPr/>
               <a:t>‹N›</a:t>
             </a:fld>
             <a:endParaRPr lang="it-IT"/>
@@ -2782,6 +2821,7 @@
     <p:sldLayoutId id="2147483658" r:id="rId10"/>
     <p:sldLayoutId id="2147483659" r:id="rId11"/>
   </p:sldLayoutIdLst>
+  <p:transition advClick="0"/>
   <p:txStyles>
     <p:titleStyle>
       <a:lvl1pPr algn="ctr" defTabSz="914400" rtl="0" eaLnBrk="1" latinLnBrk="0" hangingPunct="1">
@@ -3090,7 +3130,7 @@
         </p:nvGraphicFramePr>
         <p:xfrm>
           <a:off x="1981200" y="2057400"/>
-          <a:ext cx="6096000" cy="365760"/>
+          <a:ext cx="3657600" cy="365760"/>
         </p:xfrm>
         <a:graphic>
           <a:graphicData uri="http://schemas.openxmlformats.org/drawingml/2006/table">
@@ -3099,7 +3139,7 @@
                 <a:tableStyleId>{5C22544A-7EE6-4342-B048-85BDC9FD1C3A}</a:tableStyleId>
               </a:tblPr>
               <a:tblGrid>
-                <a:gridCol w="6096000"/>
+                <a:gridCol w="3657600"/>
               </a:tblGrid>
               <a:tr h="294640">
                 <a:tc>
@@ -3127,7 +3167,7 @@
         </p:nvGraphicFramePr>
         <p:xfrm>
           <a:off x="1981200" y="2667000"/>
-          <a:ext cx="6096000" cy="365760"/>
+          <a:ext cx="3657600" cy="365760"/>
         </p:xfrm>
         <a:graphic>
           <a:graphicData uri="http://schemas.openxmlformats.org/drawingml/2006/table">
@@ -3136,7 +3176,7 @@
                 <a:tableStyleId>{5C22544A-7EE6-4342-B048-85BDC9FD1C3A}</a:tableStyleId>
               </a:tblPr>
               <a:tblGrid>
-                <a:gridCol w="6096000"/>
+                <a:gridCol w="3657600"/>
               </a:tblGrid>
               <a:tr h="294640">
                 <a:tc>
@@ -3222,7 +3262,7 @@
         </p:nvSpPr>
         <p:spPr>
           <a:xfrm>
-            <a:off x="457200" y="3810000"/>
+            <a:off x="533400" y="4114800"/>
             <a:ext cx="2650469" cy="369332"/>
           </a:xfrm>
           <a:prstGeom prst="rect">
@@ -3253,7 +3293,7 @@
         <p:spPr>
           <a:xfrm>
             <a:off x="533400" y="1371600"/>
-            <a:ext cx="4715393" cy="523220"/>
+            <a:ext cx="4226093" cy="369332"/>
           </a:xfrm>
           <a:prstGeom prst="rect">
             <a:avLst/>
@@ -3268,25 +3308,27 @@
           <a:p>
             <a:r>
               <a:rPr lang="it-IT" dirty="0" smtClean="0"/>
-              <a:t>SE SEI GIA’ REGISTRATO EFFETTUA IL    </a:t>
-            </a:r>
-            <a:r>
-              <a:rPr lang="it-IT" sz="2800" dirty="0" smtClean="0"/>
-              <a:t>LOGIN</a:t>
-            </a:r>
-            <a:endParaRPr lang="it-IT" dirty="0"/>
-          </a:p>
-        </p:txBody>
-      </p:sp>
-      <p:sp>
-        <p:nvSpPr>
-          <p:cNvPr id="12" name="Ovale 11"/>
+              <a:t>SE SEI GIA’ REGISTRATO EFFETTUA </a:t>
+            </a:r>
+            <a:r>
+              <a:rPr lang="it-IT" dirty="0" smtClean="0"/>
+              <a:t>IL LOGIN</a:t>
+            </a:r>
+            <a:endParaRPr lang="it-IT" dirty="0"/>
+          </a:p>
+        </p:txBody>
+      </p:sp>
+      <p:sp>
+        <p:nvSpPr>
+          <p:cNvPr id="12" name="Ovale 11">
+            <a:hlinkClick r:id="rId2" action="ppaction://hlinksldjump"/>
+          </p:cNvPr>
           <p:cNvSpPr/>
           <p:nvPr/>
         </p:nvSpPr>
         <p:spPr>
           <a:xfrm>
-            <a:off x="3581400" y="3505200"/>
+            <a:off x="3657600" y="3810000"/>
             <a:ext cx="2667000" cy="914400"/>
           </a:xfrm>
           <a:prstGeom prst="ellipse">
@@ -3322,7 +3364,9 @@
       </p:sp>
       <p:sp>
         <p:nvSpPr>
-          <p:cNvPr id="13" name="Per 12"/>
+          <p:cNvPr id="13" name="Per 12">
+            <a:hlinkClick r:id="" action="ppaction://hlinkshowjump?jump=endshow"/>
+          </p:cNvPr>
           <p:cNvSpPr/>
           <p:nvPr/>
         </p:nvSpPr>
@@ -3396,11 +3440,63 @@
           </a:p>
         </p:txBody>
       </p:sp>
+      <p:sp>
+        <p:nvSpPr>
+          <p:cNvPr id="15" name="Ovale 14">
+            <a:hlinkClick r:id="rId3" action="ppaction://hlinksldjump"/>
+          </p:cNvPr>
+          <p:cNvSpPr/>
+          <p:nvPr/>
+        </p:nvSpPr>
+        <p:spPr>
+          <a:xfrm>
+            <a:off x="6248400" y="2057400"/>
+            <a:ext cx="2667000" cy="914400"/>
+          </a:xfrm>
+          <a:prstGeom prst="ellipse">
+            <a:avLst/>
+          </a:prstGeom>
+        </p:spPr>
+        <p:style>
+          <a:lnRef idx="2">
+            <a:schemeClr val="accent6"/>
+          </a:lnRef>
+          <a:fillRef idx="1">
+            <a:schemeClr val="lt1"/>
+          </a:fillRef>
+          <a:effectRef idx="0">
+            <a:schemeClr val="accent6"/>
+          </a:effectRef>
+          <a:fontRef idx="minor">
+            <a:schemeClr val="dk1"/>
+          </a:fontRef>
+        </p:style>
+        <p:txBody>
+          <a:bodyPr rtlCol="0" anchor="ctr"/>
+          <a:lstStyle/>
+          <a:p>
+            <a:pPr algn="ctr"/>
+            <a:r>
+              <a:rPr lang="it-IT" dirty="0" smtClean="0"/>
+              <a:t>LOGIN</a:t>
+            </a:r>
+            <a:endParaRPr lang="it-IT" dirty="0"/>
+          </a:p>
+        </p:txBody>
+      </p:sp>
     </p:spTree>
   </p:cSld>
   <p:clrMapOvr>
     <a:masterClrMapping/>
   </p:clrMapOvr>
+  <p:transition advClick="0"/>
+  <p:timing>
+    <p:tnLst>
+      <p:par>
+        <p:cTn id="1" dur="indefinite" restart="never" nodeType="tmRoot"/>
+      </p:par>
+    </p:tnLst>
+  </p:timing>
 </p:sld>
 </file>
 
@@ -3438,24 +3534,129 @@
           <a:p>
             <a:r>
               <a:rPr lang="it-IT" dirty="0" smtClean="0"/>
-              <a:t>CHILD HOME</a:t>
-            </a:r>
-            <a:endParaRPr lang="it-IT" dirty="0"/>
-          </a:p>
-        </p:txBody>
-      </p:sp>
-      <p:sp>
-        <p:nvSpPr>
-          <p:cNvPr id="4" name="Pergamena 1 3"/>
+              <a:t>LISTA GRIGLIE</a:t>
+            </a:r>
+            <a:endParaRPr lang="it-IT" dirty="0"/>
+          </a:p>
+        </p:txBody>
+      </p:sp>
+      <p:sp>
+        <p:nvSpPr>
+          <p:cNvPr id="4" name="CasellaDiTesto 3"/>
+          <p:cNvSpPr txBox="1"/>
+          <p:nvPr/>
+        </p:nvSpPr>
+        <p:spPr>
+          <a:xfrm>
+            <a:off x="457200" y="2209800"/>
+            <a:ext cx="8001000" cy="1477328"/>
+          </a:xfrm>
+          <a:prstGeom prst="rect">
+            <a:avLst/>
+          </a:prstGeom>
+          <a:noFill/>
+        </p:spPr>
+        <p:txBody>
+          <a:bodyPr wrap="square" rtlCol="0">
+            <a:spAutoFit/>
+          </a:bodyPr>
+          <a:lstStyle/>
+          <a:p>
+            <a:pPr marL="342900" indent="-342900">
+              <a:buFont typeface="Wingdings" pitchFamily="2" charset="2"/>
+              <a:buChar char="Ø"/>
+            </a:pPr>
+            <a:r>
+              <a:rPr lang="it-IT" dirty="0" smtClean="0"/>
+              <a:t>1</a:t>
+            </a:r>
+          </a:p>
+          <a:p>
+            <a:pPr marL="342900" indent="-342900">
+              <a:buFont typeface="Wingdings" pitchFamily="2" charset="2"/>
+              <a:buChar char="Ø"/>
+            </a:pPr>
+            <a:r>
+              <a:rPr lang="it-IT" dirty="0" smtClean="0"/>
+              <a:t>2</a:t>
+            </a:r>
+          </a:p>
+          <a:p>
+            <a:pPr marL="342900" indent="-342900">
+              <a:buFont typeface="Wingdings" pitchFamily="2" charset="2"/>
+              <a:buChar char="Ø"/>
+            </a:pPr>
+            <a:r>
+              <a:rPr lang="it-IT" dirty="0" smtClean="0"/>
+              <a:t>3</a:t>
+            </a:r>
+          </a:p>
+          <a:p>
+            <a:pPr marL="342900" indent="-342900">
+              <a:buFont typeface="Wingdings" pitchFamily="2" charset="2"/>
+              <a:buChar char="Ø"/>
+            </a:pPr>
+            <a:r>
+              <a:rPr lang="it-IT" dirty="0" smtClean="0"/>
+              <a:t>4</a:t>
+            </a:r>
+          </a:p>
+          <a:p>
+            <a:pPr marL="342900" indent="-342900">
+              <a:buFont typeface="Wingdings" pitchFamily="2" charset="2"/>
+              <a:buChar char="Ø"/>
+            </a:pPr>
+            <a:r>
+              <a:rPr lang="it-IT" dirty="0" smtClean="0"/>
+              <a:t>5</a:t>
+            </a:r>
+          </a:p>
+        </p:txBody>
+      </p:sp>
+      <p:sp>
+        <p:nvSpPr>
+          <p:cNvPr id="5" name="CasellaDiTesto 4"/>
+          <p:cNvSpPr txBox="1"/>
+          <p:nvPr/>
+        </p:nvSpPr>
+        <p:spPr>
+          <a:xfrm>
+            <a:off x="609600" y="1371600"/>
+            <a:ext cx="8077200" cy="381000"/>
+          </a:xfrm>
+          <a:prstGeom prst="rect">
+            <a:avLst/>
+          </a:prstGeom>
+          <a:noFill/>
+        </p:spPr>
+        <p:txBody>
+          <a:bodyPr wrap="square" rtlCol="0">
+            <a:spAutoFit/>
+          </a:bodyPr>
+          <a:lstStyle/>
+          <a:p>
+            <a:r>
+              <a:rPr lang="it-IT" dirty="0" smtClean="0"/>
+              <a:t>SELEZIONA LA GRIGLIA DALLA LISTA CHE DESIDERI MODIFICARE.</a:t>
+            </a:r>
+            <a:endParaRPr lang="it-IT" dirty="0"/>
+          </a:p>
+        </p:txBody>
+      </p:sp>
+      <p:sp>
+        <p:nvSpPr>
+          <p:cNvPr id="6" name="Freccia a sinistra 5">
+            <a:hlinkClick r:id="rId2" action="ppaction://hlinksldjump"/>
+          </p:cNvPr>
           <p:cNvSpPr/>
           <p:nvPr/>
         </p:nvSpPr>
         <p:spPr>
           <a:xfrm>
-            <a:off x="990600" y="1752600"/>
-            <a:ext cx="1905000" cy="1600200"/>
-          </a:xfrm>
-          <a:prstGeom prst="verticalScroll">
+            <a:off x="5562600" y="5181600"/>
+            <a:ext cx="1371600" cy="685800"/>
+          </a:xfrm>
+          <a:prstGeom prst="leftArrow">
             <a:avLst/>
           </a:prstGeom>
         </p:spPr>
@@ -3482,24 +3683,26 @@
             <a:pPr algn="ctr"/>
             <a:r>
               <a:rPr lang="it-IT" dirty="0" smtClean="0"/>
-              <a:t>CARTELLONE GRIGLIA</a:t>
-            </a:r>
-            <a:endParaRPr lang="it-IT" dirty="0"/>
-          </a:p>
-        </p:txBody>
-      </p:sp>
-      <p:sp>
-        <p:nvSpPr>
-          <p:cNvPr id="5" name="Pergamena 1 4"/>
+              <a:t>INDIETRO</a:t>
+            </a:r>
+            <a:endParaRPr lang="it-IT" dirty="0"/>
+          </a:p>
+        </p:txBody>
+      </p:sp>
+      <p:sp>
+        <p:nvSpPr>
+          <p:cNvPr id="7" name="Ovale 6">
+            <a:hlinkClick r:id="rId2" action="ppaction://hlinksldjump"/>
+          </p:cNvPr>
           <p:cNvSpPr/>
           <p:nvPr/>
         </p:nvSpPr>
         <p:spPr>
           <a:xfrm>
-            <a:off x="990600" y="3733800"/>
-            <a:ext cx="1905000" cy="1600200"/>
-          </a:xfrm>
-          <a:prstGeom prst="verticalScroll">
+            <a:off x="1905000" y="5181600"/>
+            <a:ext cx="1905000" cy="685800"/>
+          </a:xfrm>
+          <a:prstGeom prst="ellipse">
             <a:avLst/>
           </a:prstGeom>
         </p:spPr>
@@ -3526,93 +3729,7 @@
             <a:pPr algn="ctr"/>
             <a:r>
               <a:rPr lang="it-IT" dirty="0" smtClean="0"/>
-              <a:t>CARTELLONE LIBERO</a:t>
-            </a:r>
-            <a:endParaRPr lang="it-IT" dirty="0"/>
-          </a:p>
-        </p:txBody>
-      </p:sp>
-      <p:sp>
-        <p:nvSpPr>
-          <p:cNvPr id="6" name="Rettangolo 5"/>
-          <p:cNvSpPr/>
-          <p:nvPr/>
-        </p:nvSpPr>
-        <p:spPr>
-          <a:xfrm>
-            <a:off x="7391400" y="533400"/>
-            <a:ext cx="1219200" cy="609600"/>
-          </a:xfrm>
-          <a:prstGeom prst="rect">
-            <a:avLst/>
-          </a:prstGeom>
-        </p:spPr>
-        <p:style>
-          <a:lnRef idx="2">
-            <a:schemeClr val="accent1">
-              <a:shade val="50000"/>
-            </a:schemeClr>
-          </a:lnRef>
-          <a:fillRef idx="1">
-            <a:schemeClr val="accent1"/>
-          </a:fillRef>
-          <a:effectRef idx="0">
-            <a:schemeClr val="accent1"/>
-          </a:effectRef>
-          <a:fontRef idx="minor">
-            <a:schemeClr val="lt1"/>
-          </a:fontRef>
-        </p:style>
-        <p:txBody>
-          <a:bodyPr rtlCol="0" anchor="ctr"/>
-          <a:lstStyle/>
-          <a:p>
-            <a:pPr algn="ctr"/>
-            <a:r>
-              <a:rPr lang="it-IT" dirty="0" smtClean="0"/>
-              <a:t>LOGOUT</a:t>
-            </a:r>
-            <a:endParaRPr lang="it-IT" dirty="0"/>
-          </a:p>
-        </p:txBody>
-      </p:sp>
-      <p:sp>
-        <p:nvSpPr>
-          <p:cNvPr id="7" name="Pergamena 1 6"/>
-          <p:cNvSpPr/>
-          <p:nvPr/>
-        </p:nvSpPr>
-        <p:spPr>
-          <a:xfrm>
-            <a:off x="5029200" y="2743200"/>
-            <a:ext cx="1905000" cy="1524000"/>
-          </a:xfrm>
-          <a:prstGeom prst="verticalScroll">
-            <a:avLst/>
-          </a:prstGeom>
-        </p:spPr>
-        <p:style>
-          <a:lnRef idx="2">
-            <a:schemeClr val="accent6"/>
-          </a:lnRef>
-          <a:fillRef idx="1">
-            <a:schemeClr val="lt1"/>
-          </a:fillRef>
-          <a:effectRef idx="0">
-            <a:schemeClr val="accent6"/>
-          </a:effectRef>
-          <a:fontRef idx="minor">
-            <a:schemeClr val="dk1"/>
-          </a:fontRef>
-        </p:style>
-        <p:txBody>
-          <a:bodyPr rtlCol="0" anchor="ctr"/>
-          <a:lstStyle/>
-          <a:p>
-            <a:pPr algn="ctr"/>
-            <a:r>
-              <a:rPr lang="it-IT" dirty="0" smtClean="0"/>
-              <a:t>FAI PARLARE UN CARTELLONE</a:t>
+              <a:t>ELIMINA</a:t>
             </a:r>
             <a:endParaRPr lang="it-IT" dirty="0"/>
           </a:p>
@@ -3623,6 +3740,14 @@
   <p:clrMapOvr>
     <a:masterClrMapping/>
   </p:clrMapOvr>
+  <p:transition advClick="0"/>
+  <p:timing>
+    <p:tnLst>
+      <p:par>
+        <p:cTn id="1" dur="indefinite" restart="never" nodeType="tmRoot"/>
+      </p:par>
+    </p:tnLst>
+  </p:timing>
 </p:sld>
 </file>
 
@@ -3660,7 +3785,11 @@
           <a:p>
             <a:r>
               <a:rPr lang="it-IT" dirty="0" smtClean="0"/>
-              <a:t>PARLA CARTELLONE</a:t>
+              <a:t>LISTA </a:t>
+            </a:r>
+            <a:r>
+              <a:rPr lang="it-IT" dirty="0" smtClean="0"/>
+              <a:t>POSTER</a:t>
             </a:r>
             <a:endParaRPr lang="it-IT" dirty="0"/>
           </a:p>
@@ -3747,7 +3876,7 @@
         </p:nvSpPr>
         <p:spPr>
           <a:xfrm>
-            <a:off x="609600" y="1447800"/>
+            <a:off x="609600" y="1371600"/>
             <a:ext cx="8077200" cy="381000"/>
           </a:xfrm>
           <a:prstGeom prst="rect">
@@ -3763,15 +3892,29 @@
           <a:p>
             <a:r>
               <a:rPr lang="it-IT" dirty="0" smtClean="0"/>
-              <a:t>SELEZIONA IL CARTELLONE DALLA LISTA CHE DESIDERI FAR PARLARE.</a:t>
-            </a:r>
-            <a:endParaRPr lang="it-IT" dirty="0"/>
-          </a:p>
-        </p:txBody>
-      </p:sp>
-      <p:sp>
-        <p:nvSpPr>
-          <p:cNvPr id="6" name="Freccia a sinistra 5"/>
+              <a:t>SELEZIONA </a:t>
+            </a:r>
+            <a:r>
+              <a:rPr lang="it-IT" dirty="0" smtClean="0"/>
+              <a:t>IL POSTER </a:t>
+            </a:r>
+            <a:r>
+              <a:rPr lang="it-IT" dirty="0" smtClean="0"/>
+              <a:t>DALLA </a:t>
+            </a:r>
+            <a:r>
+              <a:rPr lang="it-IT" dirty="0" smtClean="0"/>
+              <a:t>LISTA CHE DESIDERI MODIFICARE.</a:t>
+            </a:r>
+            <a:endParaRPr lang="it-IT" dirty="0"/>
+          </a:p>
+        </p:txBody>
+      </p:sp>
+      <p:sp>
+        <p:nvSpPr>
+          <p:cNvPr id="6" name="Freccia a sinistra 5">
+            <a:hlinkClick r:id="rId2" action="ppaction://hlinksldjump"/>
+          </p:cNvPr>
           <p:cNvSpPr/>
           <p:nvPr/>
         </p:nvSpPr>
@@ -3815,7 +3958,9 @@
       </p:sp>
       <p:sp>
         <p:nvSpPr>
-          <p:cNvPr id="7" name="Ovale 6"/>
+          <p:cNvPr id="7" name="Ovale 6">
+            <a:hlinkClick r:id="rId2" action="ppaction://hlinksldjump"/>
+          </p:cNvPr>
           <p:cNvSpPr/>
           <p:nvPr/>
         </p:nvSpPr>
@@ -3851,7 +3996,7 @@
             <a:pPr algn="ctr"/>
             <a:r>
               <a:rPr lang="it-IT" dirty="0" smtClean="0"/>
-              <a:t>SCEGLI</a:t>
+              <a:t>ELIMINA</a:t>
             </a:r>
             <a:endParaRPr lang="it-IT" dirty="0"/>
           </a:p>
@@ -3862,6 +4007,14 @@
   <p:clrMapOvr>
     <a:masterClrMapping/>
   </p:clrMapOvr>
+  <p:transition advClick="0"/>
+  <p:timing>
+    <p:tnLst>
+      <p:par>
+        <p:cTn id="1" dur="indefinite" restart="never" nodeType="tmRoot"/>
+      </p:par>
+    </p:tnLst>
+  </p:timing>
 </p:sld>
 </file>
 
@@ -3892,36 +4045,33 @@
             <p:ph type="title"/>
           </p:nvPr>
         </p:nvSpPr>
-        <p:spPr>
-          <a:xfrm>
-            <a:off x="228600" y="304800"/>
-            <a:ext cx="8229600" cy="1143000"/>
-          </a:xfrm>
-        </p:spPr>
+        <p:spPr/>
         <p:txBody>
           <a:bodyPr/>
           <a:lstStyle/>
           <a:p>
             <a:r>
               <a:rPr lang="it-IT" dirty="0" smtClean="0"/>
-              <a:t>ESECUZIONE CARTELLONE</a:t>
-            </a:r>
-            <a:endParaRPr lang="it-IT" dirty="0"/>
-          </a:p>
-        </p:txBody>
-      </p:sp>
-      <p:sp>
-        <p:nvSpPr>
-          <p:cNvPr id="5" name="Freccia a sinistra 4"/>
+              <a:t>CHILD HOME</a:t>
+            </a:r>
+            <a:endParaRPr lang="it-IT" dirty="0"/>
+          </a:p>
+        </p:txBody>
+      </p:sp>
+      <p:sp>
+        <p:nvSpPr>
+          <p:cNvPr id="4" name="Pergamena 1 3">
+            <a:hlinkClick r:id="rId2" action="ppaction://hlinksldjump"/>
+          </p:cNvPr>
           <p:cNvSpPr/>
           <p:nvPr/>
         </p:nvSpPr>
         <p:spPr>
           <a:xfrm>
-            <a:off x="3124200" y="5334000"/>
-            <a:ext cx="2590800" cy="914400"/>
-          </a:xfrm>
-          <a:prstGeom prst="leftArrow">
+            <a:off x="1066800" y="2743200"/>
+            <a:ext cx="1905000" cy="1600200"/>
+          </a:xfrm>
+          <a:prstGeom prst="verticalScroll">
             <a:avLst/>
           </a:prstGeom>
         </p:spPr>
@@ -3948,26 +4098,26 @@
             <a:pPr algn="ctr"/>
             <a:r>
               <a:rPr lang="it-IT" dirty="0" smtClean="0"/>
-              <a:t>INDIETRO</a:t>
-            </a:r>
-            <a:endParaRPr lang="it-IT" dirty="0"/>
-          </a:p>
-        </p:txBody>
-      </p:sp>
-      <p:sp>
-        <p:nvSpPr>
-          <p:cNvPr id="7" name="Pagina iniziale 6">
-            <a:hlinkClick r:id="" action="ppaction://noaction" highlightClick="1"/>
+              <a:t>CARTELLONE GRIGLIA</a:t>
+            </a:r>
+            <a:endParaRPr lang="it-IT" dirty="0"/>
+          </a:p>
+        </p:txBody>
+      </p:sp>
+      <p:sp>
+        <p:nvSpPr>
+          <p:cNvPr id="6" name="Rettangolo 5">
+            <a:hlinkClick r:id="" action="ppaction://hlinkshowjump?jump=firstslide"/>
           </p:cNvPr>
           <p:cNvSpPr/>
           <p:nvPr/>
         </p:nvSpPr>
         <p:spPr>
           <a:xfrm>
-            <a:off x="7696200" y="228600"/>
-            <a:ext cx="1042416" cy="1042416"/>
-          </a:xfrm>
-          <a:prstGeom prst="actionButtonHome">
+            <a:off x="7467600" y="533400"/>
+            <a:ext cx="1219200" cy="609600"/>
+          </a:xfrm>
+          <a:prstGeom prst="rect">
             <a:avLst/>
           </a:prstGeom>
         </p:spPr>
@@ -3994,38 +4144,84 @@
             <a:pPr algn="ctr"/>
             <a:r>
               <a:rPr lang="it-IT" dirty="0" smtClean="0"/>
-              <a:t>HOME</a:t>
-            </a:r>
-            <a:endParaRPr lang="it-IT" dirty="0"/>
-          </a:p>
-        </p:txBody>
-      </p:sp>
-      <p:sp>
-        <p:nvSpPr>
-          <p:cNvPr id="8" name="Smile 7"/>
+              <a:t>LOGOUT</a:t>
+            </a:r>
+            <a:endParaRPr lang="it-IT" dirty="0"/>
+          </a:p>
+        </p:txBody>
+      </p:sp>
+      <p:sp>
+        <p:nvSpPr>
+          <p:cNvPr id="7" name="Pergamena 1 6">
+            <a:hlinkClick r:id="rId3" action="ppaction://hlinksldjump"/>
+          </p:cNvPr>
           <p:cNvSpPr/>
           <p:nvPr/>
         </p:nvSpPr>
         <p:spPr>
           <a:xfrm>
-            <a:off x="2895600" y="1981200"/>
-            <a:ext cx="3124200" cy="2362200"/>
-          </a:xfrm>
-          <a:prstGeom prst="smileyFace">
+            <a:off x="5029200" y="2743200"/>
+            <a:ext cx="1905000" cy="1524000"/>
+          </a:xfrm>
+          <a:prstGeom prst="verticalScroll">
             <a:avLst/>
           </a:prstGeom>
         </p:spPr>
         <p:style>
           <a:lnRef idx="2">
-            <a:schemeClr val="accent3">
+            <a:schemeClr val="accent6"/>
+          </a:lnRef>
+          <a:fillRef idx="1">
+            <a:schemeClr val="lt1"/>
+          </a:fillRef>
+          <a:effectRef idx="0">
+            <a:schemeClr val="accent6"/>
+          </a:effectRef>
+          <a:fontRef idx="minor">
+            <a:schemeClr val="dk1"/>
+          </a:fontRef>
+        </p:style>
+        <p:txBody>
+          <a:bodyPr rtlCol="0" anchor="ctr"/>
+          <a:lstStyle/>
+          <a:p>
+            <a:pPr algn="ctr"/>
+            <a:r>
+              <a:rPr lang="it-IT" dirty="0" smtClean="0"/>
+              <a:t>FAI PARLARE UN CARTELLONE</a:t>
+            </a:r>
+            <a:endParaRPr lang="it-IT" dirty="0"/>
+          </a:p>
+        </p:txBody>
+      </p:sp>
+      <p:sp>
+        <p:nvSpPr>
+          <p:cNvPr id="8" name="? 7">
+            <a:hlinkClick r:id="" action="ppaction://noaction" highlightClick="1"/>
+          </p:cNvPr>
+          <p:cNvSpPr/>
+          <p:nvPr/>
+        </p:nvSpPr>
+        <p:spPr>
+          <a:xfrm>
+            <a:off x="6781800" y="381000"/>
+            <a:ext cx="609600" cy="838200"/>
+          </a:xfrm>
+          <a:prstGeom prst="actionButtonHelp">
+            <a:avLst/>
+          </a:prstGeom>
+        </p:spPr>
+        <p:style>
+          <a:lnRef idx="2">
+            <a:schemeClr val="accent1">
               <a:shade val="50000"/>
             </a:schemeClr>
           </a:lnRef>
           <a:fillRef idx="1">
-            <a:schemeClr val="accent3"/>
+            <a:schemeClr val="accent1"/>
           </a:fillRef>
           <a:effectRef idx="0">
-            <a:schemeClr val="accent3"/>
+            <a:schemeClr val="accent1"/>
           </a:effectRef>
           <a:fontRef idx="minor">
             <a:schemeClr val="lt1"/>
@@ -4045,6 +4241,14 @@
   <p:clrMapOvr>
     <a:masterClrMapping/>
   </p:clrMapOvr>
+  <p:transition advClick="0"/>
+  <p:timing>
+    <p:tnLst>
+      <p:par>
+        <p:cTn id="1" dur="indefinite" restart="never" nodeType="tmRoot"/>
+      </p:par>
+    </p:tnLst>
+  </p:timing>
 </p:sld>
 </file>
 
@@ -4067,7 +4271,7 @@
       </p:grpSpPr>
       <p:sp>
         <p:nvSpPr>
-          <p:cNvPr id="16" name="Titolo 1"/>
+          <p:cNvPr id="2" name="Titolo 1"/>
           <p:cNvSpPr>
             <a:spLocks noGrp="1"/>
           </p:cNvSpPr>
@@ -4075,34 +4279,138 @@
             <p:ph type="title"/>
           </p:nvPr>
         </p:nvSpPr>
-        <p:spPr>
-          <a:xfrm>
-            <a:off x="457200" y="274638"/>
-            <a:ext cx="8229600" cy="1143000"/>
-          </a:xfrm>
-        </p:spPr>
+        <p:spPr/>
         <p:txBody>
           <a:bodyPr/>
           <a:lstStyle/>
           <a:p>
             <a:r>
               <a:rPr lang="it-IT" dirty="0" smtClean="0"/>
-              <a:t>CARTELLONE GRIGLIA</a:t>
-            </a:r>
-            <a:endParaRPr lang="it-IT" dirty="0"/>
-          </a:p>
-        </p:txBody>
-      </p:sp>
-      <p:sp>
-        <p:nvSpPr>
-          <p:cNvPr id="17" name="Freccia a sinistra 16"/>
+              <a:t>FAI PARLARE </a:t>
+            </a:r>
+            <a:r>
+              <a:rPr lang="it-IT" dirty="0" smtClean="0"/>
+              <a:t>CARTELLONE</a:t>
+            </a:r>
+            <a:endParaRPr lang="it-IT" dirty="0"/>
+          </a:p>
+        </p:txBody>
+      </p:sp>
+      <p:sp>
+        <p:nvSpPr>
+          <p:cNvPr id="4" name="CasellaDiTesto 3"/>
+          <p:cNvSpPr txBox="1"/>
+          <p:nvPr/>
+        </p:nvSpPr>
+        <p:spPr>
+          <a:xfrm>
+            <a:off x="457200" y="2209800"/>
+            <a:ext cx="8001000" cy="1477328"/>
+          </a:xfrm>
+          <a:prstGeom prst="rect">
+            <a:avLst/>
+          </a:prstGeom>
+          <a:noFill/>
+        </p:spPr>
+        <p:txBody>
+          <a:bodyPr wrap="square" rtlCol="0">
+            <a:spAutoFit/>
+          </a:bodyPr>
+          <a:lstStyle/>
+          <a:p>
+            <a:pPr marL="342900" indent="-342900">
+              <a:buFont typeface="Wingdings" pitchFamily="2" charset="2"/>
+              <a:buChar char="Ø"/>
+            </a:pPr>
+            <a:r>
+              <a:rPr lang="it-IT" dirty="0" smtClean="0"/>
+              <a:t>1</a:t>
+            </a:r>
+          </a:p>
+          <a:p>
+            <a:pPr marL="342900" indent="-342900">
+              <a:buFont typeface="Wingdings" pitchFamily="2" charset="2"/>
+              <a:buChar char="Ø"/>
+            </a:pPr>
+            <a:r>
+              <a:rPr lang="it-IT" dirty="0" smtClean="0"/>
+              <a:t>2</a:t>
+            </a:r>
+          </a:p>
+          <a:p>
+            <a:pPr marL="342900" indent="-342900">
+              <a:buFont typeface="Wingdings" pitchFamily="2" charset="2"/>
+              <a:buChar char="Ø"/>
+            </a:pPr>
+            <a:r>
+              <a:rPr lang="it-IT" dirty="0" smtClean="0"/>
+              <a:t>3</a:t>
+            </a:r>
+          </a:p>
+          <a:p>
+            <a:pPr marL="342900" indent="-342900">
+              <a:buFont typeface="Wingdings" pitchFamily="2" charset="2"/>
+              <a:buChar char="Ø"/>
+            </a:pPr>
+            <a:r>
+              <a:rPr lang="it-IT" dirty="0" smtClean="0"/>
+              <a:t>4</a:t>
+            </a:r>
+          </a:p>
+          <a:p>
+            <a:pPr marL="342900" indent="-342900">
+              <a:buFont typeface="Wingdings" pitchFamily="2" charset="2"/>
+              <a:buChar char="Ø"/>
+            </a:pPr>
+            <a:r>
+              <a:rPr lang="it-IT" dirty="0" smtClean="0"/>
+              <a:t>5</a:t>
+            </a:r>
+          </a:p>
+        </p:txBody>
+      </p:sp>
+      <p:sp>
+        <p:nvSpPr>
+          <p:cNvPr id="5" name="CasellaDiTesto 4"/>
+          <p:cNvSpPr txBox="1"/>
+          <p:nvPr/>
+        </p:nvSpPr>
+        <p:spPr>
+          <a:xfrm>
+            <a:off x="609600" y="1447800"/>
+            <a:ext cx="8077200" cy="381000"/>
+          </a:xfrm>
+          <a:prstGeom prst="rect">
+            <a:avLst/>
+          </a:prstGeom>
+          <a:noFill/>
+        </p:spPr>
+        <p:txBody>
+          <a:bodyPr wrap="square" rtlCol="0">
+            <a:spAutoFit/>
+          </a:bodyPr>
+          <a:lstStyle/>
+          <a:p>
+            <a:r>
+              <a:rPr lang="it-IT" dirty="0" smtClean="0"/>
+              <a:t>SELEZIONA IL CARTELLONE DALLA LISTA CHE DESIDERI FAR PARLARE.</a:t>
+            </a:r>
+            <a:endParaRPr lang="it-IT" dirty="0"/>
+          </a:p>
+        </p:txBody>
+      </p:sp>
+      <p:sp>
+        <p:nvSpPr>
+          <p:cNvPr id="6" name="Freccia a sinistra 5">
+            <a:hlinkClick r:id="rId2" action="ppaction://hlinksldjump"/>
+          </p:cNvPr>
           <p:cNvSpPr/>
           <p:nvPr/>
         </p:nvSpPr>
         <p:spPr>
           <a:xfrm>
-            <a:off x="3352800" y="5181600"/>
-            <a:ext cx="1905000" cy="990600"/>
+            <a:off x="5562600" y="5181600"/>
+            <a:ext cx="1371600" cy="685800"/>
           </a:xfrm>
           <a:prstGeom prst="leftArrow">
             <a:avLst/>
@@ -4139,16 +4447,18 @@
       </p:sp>
       <p:sp>
         <p:nvSpPr>
-          <p:cNvPr id="28" name="Pergamena 1 27"/>
+          <p:cNvPr id="7" name="Ovale 6">
+            <a:hlinkClick r:id="rId3" action="ppaction://hlinksldjump"/>
+          </p:cNvPr>
           <p:cNvSpPr/>
           <p:nvPr/>
         </p:nvSpPr>
         <p:spPr>
           <a:xfrm>
-            <a:off x="1676400" y="2286000"/>
-            <a:ext cx="1828800" cy="1752600"/>
-          </a:xfrm>
-          <a:prstGeom prst="verticalScroll">
+            <a:off x="1905000" y="5181600"/>
+            <a:ext cx="1905000" cy="685800"/>
+          </a:xfrm>
+          <a:prstGeom prst="ellipse">
             <a:avLst/>
           </a:prstGeom>
         </p:spPr>
@@ -4175,51 +4485,7 @@
             <a:pPr algn="ctr"/>
             <a:r>
               <a:rPr lang="it-IT" dirty="0" smtClean="0"/>
-              <a:t>NUOVO CARTELLONE</a:t>
-            </a:r>
-            <a:endParaRPr lang="it-IT" dirty="0"/>
-          </a:p>
-        </p:txBody>
-      </p:sp>
-      <p:sp>
-        <p:nvSpPr>
-          <p:cNvPr id="29" name="Pergamena 1 28"/>
-          <p:cNvSpPr/>
-          <p:nvPr/>
-        </p:nvSpPr>
-        <p:spPr>
-          <a:xfrm>
-            <a:off x="5105400" y="2286000"/>
-            <a:ext cx="1828800" cy="1752600"/>
-          </a:xfrm>
-          <a:prstGeom prst="verticalScroll">
-            <a:avLst/>
-          </a:prstGeom>
-        </p:spPr>
-        <p:style>
-          <a:lnRef idx="2">
-            <a:schemeClr val="accent1">
-              <a:shade val="50000"/>
-            </a:schemeClr>
-          </a:lnRef>
-          <a:fillRef idx="1">
-            <a:schemeClr val="accent1"/>
-          </a:fillRef>
-          <a:effectRef idx="0">
-            <a:schemeClr val="accent1"/>
-          </a:effectRef>
-          <a:fontRef idx="minor">
-            <a:schemeClr val="lt1"/>
-          </a:fontRef>
-        </p:style>
-        <p:txBody>
-          <a:bodyPr rtlCol="0" anchor="ctr"/>
-          <a:lstStyle/>
-          <a:p>
-            <a:pPr algn="ctr"/>
-            <a:r>
-              <a:rPr lang="it-IT" dirty="0" smtClean="0"/>
-              <a:t>MODIFICA CARTELLONE</a:t>
+              <a:t>OK</a:t>
             </a:r>
             <a:endParaRPr lang="it-IT" dirty="0"/>
           </a:p>
@@ -4230,6 +4496,14 @@
   <p:clrMapOvr>
     <a:masterClrMapping/>
   </p:clrMapOvr>
+  <p:transition advClick="0"/>
+  <p:timing>
+    <p:tnLst>
+      <p:par>
+        <p:cTn id="1" dur="indefinite" restart="never" nodeType="tmRoot"/>
+      </p:par>
+    </p:tnLst>
+  </p:timing>
 </p:sld>
 </file>
 
@@ -4260,29 +4534,36 @@
             <p:ph type="title"/>
           </p:nvPr>
         </p:nvSpPr>
-        <p:spPr/>
+        <p:spPr>
+          <a:xfrm>
+            <a:off x="228600" y="304800"/>
+            <a:ext cx="8229600" cy="1143000"/>
+          </a:xfrm>
+        </p:spPr>
         <p:txBody>
           <a:bodyPr/>
           <a:lstStyle/>
           <a:p>
             <a:r>
               <a:rPr lang="it-IT" dirty="0" smtClean="0"/>
-              <a:t>NUOVO CARTELLONE</a:t>
-            </a:r>
-            <a:endParaRPr lang="it-IT" dirty="0"/>
-          </a:p>
-        </p:txBody>
-      </p:sp>
-      <p:sp>
-        <p:nvSpPr>
-          <p:cNvPr id="4" name="Freccia a sinistra 3"/>
+              <a:t>ESECUZIONE CARTELLONE</a:t>
+            </a:r>
+            <a:endParaRPr lang="it-IT" dirty="0"/>
+          </a:p>
+        </p:txBody>
+      </p:sp>
+      <p:sp>
+        <p:nvSpPr>
+          <p:cNvPr id="5" name="Freccia a sinistra 4">
+            <a:hlinkClick r:id="rId2" action="ppaction://hlinksldjump"/>
+          </p:cNvPr>
           <p:cNvSpPr/>
           <p:nvPr/>
         </p:nvSpPr>
         <p:spPr>
           <a:xfrm>
-            <a:off x="5562600" y="5181600"/>
-            <a:ext cx="1371600" cy="685800"/>
+            <a:off x="3124200" y="5334000"/>
+            <a:ext cx="2590800" cy="914400"/>
           </a:xfrm>
           <a:prstGeom prst="leftArrow">
             <a:avLst/>
@@ -4319,16 +4600,18 @@
       </p:sp>
       <p:sp>
         <p:nvSpPr>
-          <p:cNvPr id="5" name="Ovale 4"/>
+          <p:cNvPr id="7" name="Pagina iniziale 6">
+            <a:hlinkClick r:id="rId3" action="ppaction://hlinksldjump" highlightClick="1"/>
+          </p:cNvPr>
           <p:cNvSpPr/>
           <p:nvPr/>
         </p:nvSpPr>
         <p:spPr>
           <a:xfrm>
-            <a:off x="1905000" y="5181600"/>
-            <a:ext cx="1905000" cy="685800"/>
-          </a:xfrm>
-          <a:prstGeom prst="ellipse">
+            <a:off x="7696200" y="228600"/>
+            <a:ext cx="1042416" cy="1042416"/>
+          </a:xfrm>
+          <a:prstGeom prst="actionButtonHome">
             <a:avLst/>
           </a:prstGeom>
         </p:spPr>
@@ -4355,26 +4638,127 @@
             <a:pPr algn="ctr"/>
             <a:r>
               <a:rPr lang="it-IT" dirty="0" smtClean="0"/>
-              <a:t>CONFERMA</a:t>
-            </a:r>
-            <a:endParaRPr lang="it-IT" dirty="0"/>
-          </a:p>
-        </p:txBody>
-      </p:sp>
-      <p:sp>
-        <p:nvSpPr>
-          <p:cNvPr id="6" name="Pagina iniziale 5">
-            <a:hlinkClick r:id="" action="ppaction://noaction" highlightClick="1"/>
+              <a:t>HOME</a:t>
+            </a:r>
+            <a:endParaRPr lang="it-IT" dirty="0"/>
+          </a:p>
+        </p:txBody>
+      </p:sp>
+      <p:sp>
+        <p:nvSpPr>
+          <p:cNvPr id="8" name="Smile 7"/>
+          <p:cNvSpPr/>
+          <p:nvPr/>
+        </p:nvSpPr>
+        <p:spPr>
+          <a:xfrm>
+            <a:off x="2895600" y="1981200"/>
+            <a:ext cx="3124200" cy="2362200"/>
+          </a:xfrm>
+          <a:prstGeom prst="smileyFace">
+            <a:avLst/>
+          </a:prstGeom>
+        </p:spPr>
+        <p:style>
+          <a:lnRef idx="2">
+            <a:schemeClr val="accent3">
+              <a:shade val="50000"/>
+            </a:schemeClr>
+          </a:lnRef>
+          <a:fillRef idx="1">
+            <a:schemeClr val="accent3"/>
+          </a:fillRef>
+          <a:effectRef idx="0">
+            <a:schemeClr val="accent3"/>
+          </a:effectRef>
+          <a:fontRef idx="minor">
+            <a:schemeClr val="lt1"/>
+          </a:fontRef>
+        </p:style>
+        <p:txBody>
+          <a:bodyPr rtlCol="0" anchor="ctr"/>
+          <a:lstStyle/>
+          <a:p>
+            <a:pPr algn="ctr"/>
+            <a:endParaRPr lang="it-IT"/>
+          </a:p>
+        </p:txBody>
+      </p:sp>
+    </p:spTree>
+  </p:cSld>
+  <p:clrMapOvr>
+    <a:masterClrMapping/>
+  </p:clrMapOvr>
+  <p:transition advClick="0"/>
+  <p:timing>
+    <p:tnLst>
+      <p:par>
+        <p:cTn id="1" dur="indefinite" restart="never" nodeType="tmRoot"/>
+      </p:par>
+    </p:tnLst>
+  </p:timing>
+</p:sld>
+</file>
+
+<file path=ppt/slides/slide15.xml><?xml version="1.0" encoding="utf-8"?>
+<p:sld xmlns:a="http://schemas.openxmlformats.org/drawingml/2006/main" xmlns:r="http://schemas.openxmlformats.org/officeDocument/2006/relationships" xmlns:p="http://schemas.openxmlformats.org/presentationml/2006/main">
+  <p:cSld>
+    <p:spTree>
+      <p:nvGrpSpPr>
+        <p:cNvPr id="1" name=""/>
+        <p:cNvGrpSpPr/>
+        <p:nvPr/>
+      </p:nvGrpSpPr>
+      <p:grpSpPr>
+        <a:xfrm>
+          <a:off x="0" y="0"/>
+          <a:ext cx="0" cy="0"/>
+          <a:chOff x="0" y="0"/>
+          <a:chExt cx="0" cy="0"/>
+        </a:xfrm>
+      </p:grpSpPr>
+      <p:sp>
+        <p:nvSpPr>
+          <p:cNvPr id="16" name="Titolo 1"/>
+          <p:cNvSpPr>
+            <a:spLocks noGrp="1"/>
+          </p:cNvSpPr>
+          <p:nvPr>
+            <p:ph type="title"/>
+          </p:nvPr>
+        </p:nvSpPr>
+        <p:spPr>
+          <a:xfrm>
+            <a:off x="457200" y="274638"/>
+            <a:ext cx="8229600" cy="1143000"/>
+          </a:xfrm>
+        </p:spPr>
+        <p:txBody>
+          <a:bodyPr/>
+          <a:lstStyle/>
+          <a:p>
+            <a:r>
+              <a:rPr lang="it-IT" dirty="0" smtClean="0"/>
+              <a:t>CARTELLONE GRIGLIA</a:t>
+            </a:r>
+            <a:endParaRPr lang="it-IT" dirty="0"/>
+          </a:p>
+        </p:txBody>
+      </p:sp>
+      <p:sp>
+        <p:nvSpPr>
+          <p:cNvPr id="17" name="Freccia a sinistra 16">
+            <a:hlinkClick r:id="rId2" action="ppaction://hlinksldjump"/>
           </p:cNvPr>
           <p:cNvSpPr/>
           <p:nvPr/>
         </p:nvSpPr>
         <p:spPr>
           <a:xfrm>
-            <a:off x="7696200" y="228600"/>
-            <a:ext cx="1042416" cy="1042416"/>
-          </a:xfrm>
-          <a:prstGeom prst="actionButtonHome">
+            <a:off x="3352800" y="5181600"/>
+            <a:ext cx="1905000" cy="990600"/>
+          </a:xfrm>
+          <a:prstGeom prst="leftArrow">
             <a:avLst/>
           </a:prstGeom>
         </p:spPr>
@@ -4401,6 +4785,294 @@
             <a:pPr algn="ctr"/>
             <a:r>
               <a:rPr lang="it-IT" dirty="0" smtClean="0"/>
+              <a:t>INDIETRO</a:t>
+            </a:r>
+            <a:endParaRPr lang="it-IT" dirty="0"/>
+          </a:p>
+        </p:txBody>
+      </p:sp>
+      <p:sp>
+        <p:nvSpPr>
+          <p:cNvPr id="28" name="Pergamena 1 27">
+            <a:hlinkClick r:id="rId3" action="ppaction://hlinksldjump"/>
+          </p:cNvPr>
+          <p:cNvSpPr/>
+          <p:nvPr/>
+        </p:nvSpPr>
+        <p:spPr>
+          <a:xfrm>
+            <a:off x="1676400" y="2286000"/>
+            <a:ext cx="1828800" cy="1752600"/>
+          </a:xfrm>
+          <a:prstGeom prst="verticalScroll">
+            <a:avLst/>
+          </a:prstGeom>
+        </p:spPr>
+        <p:style>
+          <a:lnRef idx="2">
+            <a:schemeClr val="accent1">
+              <a:shade val="50000"/>
+            </a:schemeClr>
+          </a:lnRef>
+          <a:fillRef idx="1">
+            <a:schemeClr val="accent1"/>
+          </a:fillRef>
+          <a:effectRef idx="0">
+            <a:schemeClr val="accent1"/>
+          </a:effectRef>
+          <a:fontRef idx="minor">
+            <a:schemeClr val="lt1"/>
+          </a:fontRef>
+        </p:style>
+        <p:txBody>
+          <a:bodyPr rtlCol="0" anchor="ctr"/>
+          <a:lstStyle/>
+          <a:p>
+            <a:pPr algn="ctr"/>
+            <a:r>
+              <a:rPr lang="it-IT" dirty="0" smtClean="0"/>
+              <a:t>NUOVO CARTELLONE</a:t>
+            </a:r>
+            <a:endParaRPr lang="it-IT" dirty="0"/>
+          </a:p>
+        </p:txBody>
+      </p:sp>
+      <p:sp>
+        <p:nvSpPr>
+          <p:cNvPr id="29" name="Pergamena 1 28">
+            <a:hlinkClick r:id="rId4" action="ppaction://hlinksldjump"/>
+          </p:cNvPr>
+          <p:cNvSpPr/>
+          <p:nvPr/>
+        </p:nvSpPr>
+        <p:spPr>
+          <a:xfrm>
+            <a:off x="5105400" y="2286000"/>
+            <a:ext cx="1828800" cy="1752600"/>
+          </a:xfrm>
+          <a:prstGeom prst="verticalScroll">
+            <a:avLst/>
+          </a:prstGeom>
+        </p:spPr>
+        <p:style>
+          <a:lnRef idx="2">
+            <a:schemeClr val="accent1">
+              <a:shade val="50000"/>
+            </a:schemeClr>
+          </a:lnRef>
+          <a:fillRef idx="1">
+            <a:schemeClr val="accent1"/>
+          </a:fillRef>
+          <a:effectRef idx="0">
+            <a:schemeClr val="accent1"/>
+          </a:effectRef>
+          <a:fontRef idx="minor">
+            <a:schemeClr val="lt1"/>
+          </a:fontRef>
+        </p:style>
+        <p:txBody>
+          <a:bodyPr rtlCol="0" anchor="ctr"/>
+          <a:lstStyle/>
+          <a:p>
+            <a:pPr algn="ctr"/>
+            <a:r>
+              <a:rPr lang="it-IT" dirty="0" smtClean="0"/>
+              <a:t>MODIFICA CARTELLONE</a:t>
+            </a:r>
+            <a:endParaRPr lang="it-IT" dirty="0"/>
+          </a:p>
+        </p:txBody>
+      </p:sp>
+    </p:spTree>
+  </p:cSld>
+  <p:clrMapOvr>
+    <a:masterClrMapping/>
+  </p:clrMapOvr>
+  <p:transition advClick="0"/>
+  <p:timing>
+    <p:tnLst>
+      <p:par>
+        <p:cTn id="1" dur="indefinite" restart="never" nodeType="tmRoot"/>
+      </p:par>
+    </p:tnLst>
+  </p:timing>
+</p:sld>
+</file>
+
+<file path=ppt/slides/slide16.xml><?xml version="1.0" encoding="utf-8"?>
+<p:sld xmlns:a="http://schemas.openxmlformats.org/drawingml/2006/main" xmlns:r="http://schemas.openxmlformats.org/officeDocument/2006/relationships" xmlns:p="http://schemas.openxmlformats.org/presentationml/2006/main">
+  <p:cSld>
+    <p:spTree>
+      <p:nvGrpSpPr>
+        <p:cNvPr id="1" name=""/>
+        <p:cNvGrpSpPr/>
+        <p:nvPr/>
+      </p:nvGrpSpPr>
+      <p:grpSpPr>
+        <a:xfrm>
+          <a:off x="0" y="0"/>
+          <a:ext cx="0" cy="0"/>
+          <a:chOff x="0" y="0"/>
+          <a:chExt cx="0" cy="0"/>
+        </a:xfrm>
+      </p:grpSpPr>
+      <p:sp>
+        <p:nvSpPr>
+          <p:cNvPr id="2" name="Titolo 1"/>
+          <p:cNvSpPr>
+            <a:spLocks noGrp="1"/>
+          </p:cNvSpPr>
+          <p:nvPr>
+            <p:ph type="title"/>
+          </p:nvPr>
+        </p:nvSpPr>
+        <p:spPr/>
+        <p:txBody>
+          <a:bodyPr/>
+          <a:lstStyle/>
+          <a:p>
+            <a:r>
+              <a:rPr lang="it-IT" dirty="0" smtClean="0"/>
+              <a:t>NUOVO CARTELLONE</a:t>
+            </a:r>
+            <a:endParaRPr lang="it-IT" dirty="0"/>
+          </a:p>
+        </p:txBody>
+      </p:sp>
+      <p:sp>
+        <p:nvSpPr>
+          <p:cNvPr id="4" name="Freccia a sinistra 3">
+            <a:hlinkClick r:id="rId2" action="ppaction://hlinksldjump"/>
+          </p:cNvPr>
+          <p:cNvSpPr/>
+          <p:nvPr/>
+        </p:nvSpPr>
+        <p:spPr>
+          <a:xfrm>
+            <a:off x="5562600" y="5181600"/>
+            <a:ext cx="1371600" cy="685800"/>
+          </a:xfrm>
+          <a:prstGeom prst="leftArrow">
+            <a:avLst/>
+          </a:prstGeom>
+        </p:spPr>
+        <p:style>
+          <a:lnRef idx="2">
+            <a:schemeClr val="accent1">
+              <a:shade val="50000"/>
+            </a:schemeClr>
+          </a:lnRef>
+          <a:fillRef idx="1">
+            <a:schemeClr val="accent1"/>
+          </a:fillRef>
+          <a:effectRef idx="0">
+            <a:schemeClr val="accent1"/>
+          </a:effectRef>
+          <a:fontRef idx="minor">
+            <a:schemeClr val="lt1"/>
+          </a:fontRef>
+        </p:style>
+        <p:txBody>
+          <a:bodyPr rtlCol="0" anchor="ctr"/>
+          <a:lstStyle/>
+          <a:p>
+            <a:pPr algn="ctr"/>
+            <a:r>
+              <a:rPr lang="it-IT" dirty="0" smtClean="0"/>
+              <a:t>INDIETRO</a:t>
+            </a:r>
+            <a:endParaRPr lang="it-IT" dirty="0"/>
+          </a:p>
+        </p:txBody>
+      </p:sp>
+      <p:sp>
+        <p:nvSpPr>
+          <p:cNvPr id="5" name="Ovale 4">
+            <a:hlinkClick r:id="rId3" action="ppaction://hlinksldjump"/>
+          </p:cNvPr>
+          <p:cNvSpPr/>
+          <p:nvPr/>
+        </p:nvSpPr>
+        <p:spPr>
+          <a:xfrm>
+            <a:off x="1905000" y="5181600"/>
+            <a:ext cx="1905000" cy="685800"/>
+          </a:xfrm>
+          <a:prstGeom prst="ellipse">
+            <a:avLst/>
+          </a:prstGeom>
+        </p:spPr>
+        <p:style>
+          <a:lnRef idx="2">
+            <a:schemeClr val="accent1">
+              <a:shade val="50000"/>
+            </a:schemeClr>
+          </a:lnRef>
+          <a:fillRef idx="1">
+            <a:schemeClr val="accent1"/>
+          </a:fillRef>
+          <a:effectRef idx="0">
+            <a:schemeClr val="accent1"/>
+          </a:effectRef>
+          <a:fontRef idx="minor">
+            <a:schemeClr val="lt1"/>
+          </a:fontRef>
+        </p:style>
+        <p:txBody>
+          <a:bodyPr rtlCol="0" anchor="ctr"/>
+          <a:lstStyle/>
+          <a:p>
+            <a:pPr algn="ctr"/>
+            <a:r>
+              <a:rPr lang="it-IT" dirty="0" smtClean="0"/>
+              <a:t>OK</a:t>
+            </a:r>
+            <a:endParaRPr lang="it-IT" dirty="0"/>
+          </a:p>
+        </p:txBody>
+      </p:sp>
+      <p:sp>
+        <p:nvSpPr>
+          <p:cNvPr id="6" name="Pagina iniziale 5">
+            <a:hlinkClick r:id="" action="ppaction://noaction" highlightClick="1"/>
+          </p:cNvPr>
+          <p:cNvSpPr/>
+          <p:nvPr/>
+        </p:nvSpPr>
+        <p:spPr>
+          <a:xfrm>
+            <a:off x="7696200" y="228600"/>
+            <a:ext cx="1042416" cy="1042416"/>
+          </a:xfrm>
+          <a:prstGeom prst="actionButtonHome">
+            <a:avLst/>
+          </a:prstGeom>
+        </p:spPr>
+        <p:style>
+          <a:lnRef idx="2">
+            <a:schemeClr val="accent1">
+              <a:shade val="50000"/>
+            </a:schemeClr>
+          </a:lnRef>
+          <a:fillRef idx="1">
+            <a:schemeClr val="accent1"/>
+          </a:fillRef>
+          <a:effectRef idx="0">
+            <a:schemeClr val="accent1"/>
+          </a:effectRef>
+          <a:fontRef idx="minor">
+            <a:schemeClr val="lt1"/>
+          </a:fontRef>
+        </p:style>
+        <p:txBody>
+          <a:bodyPr rtlCol="0" anchor="ctr"/>
+          <a:lstStyle/>
+          <a:p>
+            <a:pPr algn="ctr"/>
+            <a:r>
+              <a:rPr lang="it-IT" dirty="0" smtClean="0">
+                <a:hlinkClick r:id="rId4" action="ppaction://hlinksldjump"/>
+              </a:rPr>
               <a:t>HOME</a:t>
             </a:r>
             <a:endParaRPr lang="it-IT" dirty="0"/>
@@ -4576,10 +5248,18 @@
   <p:clrMapOvr>
     <a:masterClrMapping/>
   </p:clrMapOvr>
+  <p:transition advClick="0"/>
+  <p:timing>
+    <p:tnLst>
+      <p:par>
+        <p:cTn id="1" dur="indefinite" restart="never" nodeType="tmRoot"/>
+      </p:par>
+    </p:tnLst>
+  </p:timing>
 </p:sld>
 </file>
 
-<file path=ppt/slides/slide15.xml><?xml version="1.0" encoding="utf-8"?>
+<file path=ppt/slides/slide17.xml><?xml version="1.0" encoding="utf-8"?>
 <p:sld xmlns:a="http://schemas.openxmlformats.org/drawingml/2006/main" xmlns:r="http://schemas.openxmlformats.org/officeDocument/2006/relationships" xmlns:p="http://schemas.openxmlformats.org/presentationml/2006/main">
   <p:cSld>
     <p:spTree>
@@ -4621,7 +5301,9 @@
       </p:sp>
       <p:sp>
         <p:nvSpPr>
-          <p:cNvPr id="4" name="Freccia a sinistra 3"/>
+          <p:cNvPr id="4" name="Freccia a sinistra 3">
+            <a:hlinkClick r:id="rId2" action="ppaction://hlinksldjump"/>
+          </p:cNvPr>
           <p:cNvSpPr/>
           <p:nvPr/>
         </p:nvSpPr>
@@ -4665,7 +5347,9 @@
       </p:sp>
       <p:sp>
         <p:nvSpPr>
-          <p:cNvPr id="5" name="Ovale 4"/>
+          <p:cNvPr id="5" name="Ovale 4">
+            <a:hlinkClick r:id="rId3" action="ppaction://hlinksldjump"/>
+          </p:cNvPr>
           <p:cNvSpPr/>
           <p:nvPr/>
         </p:nvSpPr>
@@ -4701,7 +5385,7 @@
             <a:pPr algn="ctr"/>
             <a:r>
               <a:rPr lang="it-IT" dirty="0" smtClean="0"/>
-              <a:t>SCEGLI</a:t>
+              <a:t>OK</a:t>
             </a:r>
             <a:endParaRPr lang="it-IT" dirty="0"/>
           </a:p>
@@ -4710,7 +5394,7 @@
       <p:sp>
         <p:nvSpPr>
           <p:cNvPr id="6" name="Pagina iniziale 5">
-            <a:hlinkClick r:id="" action="ppaction://noaction" highlightClick="1"/>
+            <a:hlinkClick r:id="rId4" action="ppaction://hlinksldjump" highlightClick="1"/>
           </p:cNvPr>
           <p:cNvSpPr/>
           <p:nvPr/>
@@ -4861,10 +5545,18 @@
   <p:clrMapOvr>
     <a:masterClrMapping/>
   </p:clrMapOvr>
+  <p:transition advClick="0"/>
+  <p:timing>
+    <p:tnLst>
+      <p:par>
+        <p:cTn id="1" dur="indefinite" restart="never" nodeType="tmRoot"/>
+      </p:par>
+    </p:tnLst>
+  </p:timing>
 </p:sld>
 </file>
 
-<file path=ppt/slides/slide16.xml><?xml version="1.0" encoding="utf-8"?>
+<file path=ppt/slides/slide18.xml><?xml version="1.0" encoding="utf-8"?>
 <p:sld xmlns:a="http://schemas.openxmlformats.org/drawingml/2006/main" xmlns:r="http://schemas.openxmlformats.org/officeDocument/2006/relationships" xmlns:p="http://schemas.openxmlformats.org/presentationml/2006/main">
   <p:cSld>
     <p:spTree>
@@ -4891,7 +5583,12 @@
             <p:ph type="title"/>
           </p:nvPr>
         </p:nvSpPr>
-        <p:spPr/>
+        <p:spPr>
+          <a:xfrm>
+            <a:off x="-685800" y="152400"/>
+            <a:ext cx="8229600" cy="1143000"/>
+          </a:xfrm>
+        </p:spPr>
         <p:txBody>
           <a:bodyPr/>
           <a:lstStyle/>
@@ -4907,7 +5604,7 @@
       <p:sp>
         <p:nvSpPr>
           <p:cNvPr id="5" name="Pagina iniziale 4">
-            <a:hlinkClick r:id="" action="ppaction://noaction" highlightClick="1"/>
+            <a:hlinkClick r:id="rId2" action="ppaction://hlinksldjump" highlightClick="1"/>
           </p:cNvPr>
           <p:cNvSpPr/>
           <p:nvPr/>
@@ -4952,7 +5649,9 @@
       </p:sp>
       <p:sp>
         <p:nvSpPr>
-          <p:cNvPr id="9" name="Freccia a sinistra 8"/>
+          <p:cNvPr id="9" name="Freccia a sinistra 8">
+            <a:hlinkClick r:id="rId3" action="ppaction://hlinksldjump"/>
+          </p:cNvPr>
           <p:cNvSpPr/>
           <p:nvPr/>
         </p:nvSpPr>
@@ -4996,7 +5695,9 @@
       </p:sp>
       <p:sp>
         <p:nvSpPr>
-          <p:cNvPr id="10" name="Ovale 9"/>
+          <p:cNvPr id="10" name="Ovale 9">
+            <a:hlinkClick r:id="rId4" action="ppaction://hlinksldjump"/>
+          </p:cNvPr>
           <p:cNvSpPr/>
           <p:nvPr/>
         </p:nvSpPr>
@@ -5032,7 +5733,7 @@
             <a:pPr algn="ctr"/>
             <a:r>
               <a:rPr lang="it-IT" dirty="0" smtClean="0"/>
-              <a:t>CONFERMA</a:t>
+              <a:t>OK</a:t>
             </a:r>
             <a:endParaRPr lang="it-IT" dirty="0"/>
           </a:p>
@@ -5506,7 +6207,9 @@
       </p:sp>
       <p:sp>
         <p:nvSpPr>
-          <p:cNvPr id="23" name="Ovale 22"/>
+          <p:cNvPr id="23" name="Ovale 22">
+            <a:hlinkClick r:id="rId5" action="ppaction://hlinksldjump"/>
+          </p:cNvPr>
           <p:cNvSpPr/>
           <p:nvPr/>
         </p:nvSpPr>
@@ -5548,15 +6251,65 @@
           </a:p>
         </p:txBody>
       </p:sp>
+      <p:sp>
+        <p:nvSpPr>
+          <p:cNvPr id="20" name="? 19">
+            <a:hlinkClick r:id="" action="ppaction://noaction" highlightClick="1"/>
+          </p:cNvPr>
+          <p:cNvSpPr/>
+          <p:nvPr/>
+        </p:nvSpPr>
+        <p:spPr>
+          <a:xfrm>
+            <a:off x="7010400" y="304800"/>
+            <a:ext cx="609600" cy="838200"/>
+          </a:xfrm>
+          <a:prstGeom prst="actionButtonHelp">
+            <a:avLst/>
+          </a:prstGeom>
+        </p:spPr>
+        <p:style>
+          <a:lnRef idx="2">
+            <a:schemeClr val="accent1">
+              <a:shade val="50000"/>
+            </a:schemeClr>
+          </a:lnRef>
+          <a:fillRef idx="1">
+            <a:schemeClr val="accent1"/>
+          </a:fillRef>
+          <a:effectRef idx="0">
+            <a:schemeClr val="accent1"/>
+          </a:effectRef>
+          <a:fontRef idx="minor">
+            <a:schemeClr val="lt1"/>
+          </a:fontRef>
+        </p:style>
+        <p:txBody>
+          <a:bodyPr rtlCol="0" anchor="ctr"/>
+          <a:lstStyle/>
+          <a:p>
+            <a:pPr algn="ctr"/>
+            <a:endParaRPr lang="it-IT"/>
+          </a:p>
+        </p:txBody>
+      </p:sp>
     </p:spTree>
   </p:cSld>
   <p:clrMapOvr>
     <a:masterClrMapping/>
   </p:clrMapOvr>
+  <p:transition advClick="0"/>
+  <p:timing>
+    <p:tnLst>
+      <p:par>
+        <p:cTn id="1" dur="indefinite" restart="never" nodeType="tmRoot"/>
+      </p:par>
+    </p:tnLst>
+  </p:timing>
 </p:sld>
 </file>
 
-<file path=ppt/slides/slide17.xml><?xml version="1.0" encoding="utf-8"?>
+<file path=ppt/slides/slide19.xml><?xml version="1.0" encoding="utf-8"?>
 <p:sld xmlns:a="http://schemas.openxmlformats.org/drawingml/2006/main" xmlns:r="http://schemas.openxmlformats.org/officeDocument/2006/relationships" xmlns:p="http://schemas.openxmlformats.org/presentationml/2006/main">
   <p:cSld>
     <p:spTree>
@@ -5583,7 +6336,12 @@
             <p:ph type="title"/>
           </p:nvPr>
         </p:nvSpPr>
-        <p:spPr/>
+        <p:spPr>
+          <a:xfrm>
+            <a:off x="-838200" y="152400"/>
+            <a:ext cx="8229600" cy="1143000"/>
+          </a:xfrm>
+        </p:spPr>
         <p:txBody>
           <a:bodyPr/>
           <a:lstStyle/>
@@ -5964,7 +6722,7 @@
       <p:sp>
         <p:nvSpPr>
           <p:cNvPr id="17" name="Pagina iniziale 16">
-            <a:hlinkClick r:id="" action="ppaction://noaction" highlightClick="1"/>
+            <a:hlinkClick r:id="rId2" action="ppaction://hlinksldjump" highlightClick="1"/>
           </p:cNvPr>
           <p:cNvSpPr/>
           <p:nvPr/>
@@ -6009,7 +6767,9 @@
       </p:sp>
       <p:sp>
         <p:nvSpPr>
-          <p:cNvPr id="18" name="Freccia a sinistra 17"/>
+          <p:cNvPr id="18" name="Freccia a sinistra 17">
+            <a:hlinkClick r:id="rId3" action="ppaction://hlinksldjump"/>
+          </p:cNvPr>
           <p:cNvSpPr/>
           <p:nvPr/>
         </p:nvSpPr>
@@ -6053,7 +6813,9 @@
       </p:sp>
       <p:sp>
         <p:nvSpPr>
-          <p:cNvPr id="19" name="Ovale 18"/>
+          <p:cNvPr id="19" name="Ovale 18">
+            <a:hlinkClick r:id="rId3" action="ppaction://hlinksldjump"/>
+          </p:cNvPr>
           <p:cNvSpPr/>
           <p:nvPr/>
         </p:nvSpPr>
@@ -6089,166 +6851,15 @@
             <a:pPr algn="ctr"/>
             <a:r>
               <a:rPr lang="it-IT" dirty="0" smtClean="0"/>
-              <a:t>CONFERMA</a:t>
-            </a:r>
-            <a:endParaRPr lang="it-IT" dirty="0"/>
-          </a:p>
-        </p:txBody>
-      </p:sp>
-    </p:spTree>
-  </p:cSld>
-  <p:clrMapOvr>
-    <a:masterClrMapping/>
-  </p:clrMapOvr>
-</p:sld>
-</file>
-
-<file path=ppt/slides/slide18.xml><?xml version="1.0" encoding="utf-8"?>
-<p:sld xmlns:a="http://schemas.openxmlformats.org/drawingml/2006/main" xmlns:r="http://schemas.openxmlformats.org/officeDocument/2006/relationships" xmlns:p="http://schemas.openxmlformats.org/presentationml/2006/main">
-  <p:cSld>
-    <p:spTree>
-      <p:nvGrpSpPr>
-        <p:cNvPr id="1" name=""/>
-        <p:cNvGrpSpPr/>
-        <p:nvPr/>
-      </p:nvGrpSpPr>
-      <p:grpSpPr>
-        <a:xfrm>
-          <a:off x="0" y="0"/>
-          <a:ext cx="0" cy="0"/>
-          <a:chOff x="0" y="0"/>
-          <a:chExt cx="0" cy="0"/>
-        </a:xfrm>
-      </p:grpSpPr>
-      <p:sp>
-        <p:nvSpPr>
-          <p:cNvPr id="2" name="Titolo 1"/>
-          <p:cNvSpPr>
-            <a:spLocks noGrp="1"/>
-          </p:cNvSpPr>
-          <p:nvPr>
-            <p:ph type="title"/>
-          </p:nvPr>
-        </p:nvSpPr>
-        <p:spPr/>
-        <p:txBody>
-          <a:bodyPr/>
-          <a:lstStyle/>
-          <a:p>
-            <a:r>
-              <a:rPr lang="it-IT" dirty="0" smtClean="0"/>
-              <a:t>MODIFICA CARTELLONE</a:t>
-            </a:r>
-            <a:endParaRPr lang="it-IT" dirty="0"/>
-          </a:p>
-        </p:txBody>
-      </p:sp>
-      <p:sp>
-        <p:nvSpPr>
-          <p:cNvPr id="4" name="CasellaDiTesto 3"/>
-          <p:cNvSpPr txBox="1"/>
-          <p:nvPr/>
-        </p:nvSpPr>
-        <p:spPr>
-          <a:xfrm>
-            <a:off x="457200" y="2209800"/>
-            <a:ext cx="8001000" cy="1477328"/>
-          </a:xfrm>
-          <a:prstGeom prst="rect">
-            <a:avLst/>
-          </a:prstGeom>
-          <a:noFill/>
-        </p:spPr>
-        <p:txBody>
-          <a:bodyPr wrap="square" rtlCol="0">
-            <a:spAutoFit/>
-          </a:bodyPr>
-          <a:lstStyle/>
-          <a:p>
-            <a:pPr marL="342900" indent="-342900">
-              <a:buFont typeface="Wingdings" pitchFamily="2" charset="2"/>
-              <a:buChar char="Ø"/>
-            </a:pPr>
-            <a:r>
-              <a:rPr lang="it-IT" dirty="0" smtClean="0"/>
-              <a:t>1</a:t>
-            </a:r>
-          </a:p>
-          <a:p>
-            <a:pPr marL="342900" indent="-342900">
-              <a:buFont typeface="Wingdings" pitchFamily="2" charset="2"/>
-              <a:buChar char="Ø"/>
-            </a:pPr>
-            <a:r>
-              <a:rPr lang="it-IT" dirty="0" smtClean="0"/>
-              <a:t>2</a:t>
-            </a:r>
-          </a:p>
-          <a:p>
-            <a:pPr marL="342900" indent="-342900">
-              <a:buFont typeface="Wingdings" pitchFamily="2" charset="2"/>
-              <a:buChar char="Ø"/>
-            </a:pPr>
-            <a:r>
-              <a:rPr lang="it-IT" dirty="0" smtClean="0"/>
-              <a:t>3</a:t>
-            </a:r>
-          </a:p>
-          <a:p>
-            <a:pPr marL="342900" indent="-342900">
-              <a:buFont typeface="Wingdings" pitchFamily="2" charset="2"/>
-              <a:buChar char="Ø"/>
-            </a:pPr>
-            <a:r>
-              <a:rPr lang="it-IT" dirty="0" smtClean="0"/>
-              <a:t>4</a:t>
-            </a:r>
-          </a:p>
-          <a:p>
-            <a:pPr marL="342900" indent="-342900">
-              <a:buFont typeface="Wingdings" pitchFamily="2" charset="2"/>
-              <a:buChar char="Ø"/>
-            </a:pPr>
-            <a:r>
-              <a:rPr lang="it-IT" dirty="0" smtClean="0"/>
-              <a:t>5</a:t>
-            </a:r>
-          </a:p>
-        </p:txBody>
-      </p:sp>
-      <p:sp>
-        <p:nvSpPr>
-          <p:cNvPr id="5" name="CasellaDiTesto 4"/>
-          <p:cNvSpPr txBox="1"/>
-          <p:nvPr/>
-        </p:nvSpPr>
-        <p:spPr>
-          <a:xfrm>
-            <a:off x="609600" y="1447800"/>
-            <a:ext cx="8077200" cy="381000"/>
-          </a:xfrm>
-          <a:prstGeom prst="rect">
-            <a:avLst/>
-          </a:prstGeom>
-          <a:noFill/>
-        </p:spPr>
-        <p:txBody>
-          <a:bodyPr wrap="square" rtlCol="0">
-            <a:spAutoFit/>
-          </a:bodyPr>
-          <a:lstStyle/>
-          <a:p>
-            <a:r>
-              <a:rPr lang="it-IT" dirty="0" smtClean="0"/>
-              <a:t>SELEZIONA IL CARTELLONE DA MODIFICARE.</a:t>
-            </a:r>
-            <a:endParaRPr lang="it-IT" dirty="0"/>
-          </a:p>
-        </p:txBody>
-      </p:sp>
-      <p:sp>
-        <p:nvSpPr>
-          <p:cNvPr id="6" name="Pagina iniziale 5">
+              <a:t>OK</a:t>
+            </a:r>
+            <a:endParaRPr lang="it-IT" dirty="0"/>
+          </a:p>
+        </p:txBody>
+      </p:sp>
+      <p:sp>
+        <p:nvSpPr>
+          <p:cNvPr id="20" name="? 19">
             <a:hlinkClick r:id="" action="ppaction://noaction" highlightClick="1"/>
           </p:cNvPr>
           <p:cNvSpPr/>
@@ -6256,10 +6867,10 @@
         </p:nvSpPr>
         <p:spPr>
           <a:xfrm>
-            <a:off x="7696200" y="228600"/>
-            <a:ext cx="1042416" cy="1042416"/>
-          </a:xfrm>
-          <a:prstGeom prst="actionButtonHome">
+            <a:off x="7010400" y="304800"/>
+            <a:ext cx="609600" cy="838200"/>
+          </a:xfrm>
+          <a:prstGeom prst="actionButtonHelp">
             <a:avLst/>
           </a:prstGeom>
         </p:spPr>
@@ -6284,99 +6895,7 @@
           <a:lstStyle/>
           <a:p>
             <a:pPr algn="ctr"/>
-            <a:r>
-              <a:rPr lang="it-IT" dirty="0" smtClean="0"/>
-              <a:t>HOME</a:t>
-            </a:r>
-            <a:endParaRPr lang="it-IT" dirty="0"/>
-          </a:p>
-        </p:txBody>
-      </p:sp>
-      <p:sp>
-        <p:nvSpPr>
-          <p:cNvPr id="7" name="Freccia a sinistra 6"/>
-          <p:cNvSpPr/>
-          <p:nvPr/>
-        </p:nvSpPr>
-        <p:spPr>
-          <a:xfrm>
-            <a:off x="5638800" y="5638800"/>
-            <a:ext cx="1371600" cy="685800"/>
-          </a:xfrm>
-          <a:prstGeom prst="leftArrow">
-            <a:avLst/>
-          </a:prstGeom>
-        </p:spPr>
-        <p:style>
-          <a:lnRef idx="2">
-            <a:schemeClr val="accent1">
-              <a:shade val="50000"/>
-            </a:schemeClr>
-          </a:lnRef>
-          <a:fillRef idx="1">
-            <a:schemeClr val="accent1"/>
-          </a:fillRef>
-          <a:effectRef idx="0">
-            <a:schemeClr val="accent1"/>
-          </a:effectRef>
-          <a:fontRef idx="minor">
-            <a:schemeClr val="lt1"/>
-          </a:fontRef>
-        </p:style>
-        <p:txBody>
-          <a:bodyPr rtlCol="0" anchor="ctr"/>
-          <a:lstStyle/>
-          <a:p>
-            <a:pPr algn="ctr"/>
-            <a:r>
-              <a:rPr lang="it-IT" dirty="0" smtClean="0"/>
-              <a:t>INDIETRO</a:t>
-            </a:r>
-            <a:endParaRPr lang="it-IT" dirty="0"/>
-          </a:p>
-        </p:txBody>
-      </p:sp>
-      <p:sp>
-        <p:nvSpPr>
-          <p:cNvPr id="8" name="Ovale 7"/>
-          <p:cNvSpPr/>
-          <p:nvPr/>
-        </p:nvSpPr>
-        <p:spPr>
-          <a:xfrm>
-            <a:off x="1981200" y="5638800"/>
-            <a:ext cx="1905000" cy="685800"/>
-          </a:xfrm>
-          <a:prstGeom prst="ellipse">
-            <a:avLst/>
-          </a:prstGeom>
-        </p:spPr>
-        <p:style>
-          <a:lnRef idx="2">
-            <a:schemeClr val="accent1">
-              <a:shade val="50000"/>
-            </a:schemeClr>
-          </a:lnRef>
-          <a:fillRef idx="1">
-            <a:schemeClr val="accent1"/>
-          </a:fillRef>
-          <a:effectRef idx="0">
-            <a:schemeClr val="accent1"/>
-          </a:effectRef>
-          <a:fontRef idx="minor">
-            <a:schemeClr val="lt1"/>
-          </a:fontRef>
-        </p:style>
-        <p:txBody>
-          <a:bodyPr rtlCol="0" anchor="ctr"/>
-          <a:lstStyle/>
-          <a:p>
-            <a:pPr algn="ctr"/>
-            <a:r>
-              <a:rPr lang="it-IT" dirty="0" smtClean="0"/>
-              <a:t>CONFERMA</a:t>
-            </a:r>
-            <a:endParaRPr lang="it-IT" dirty="0"/>
+            <a:endParaRPr lang="it-IT"/>
           </a:p>
         </p:txBody>
       </p:sp>
@@ -6385,6 +6904,14 @@
   <p:clrMapOvr>
     <a:masterClrMapping/>
   </p:clrMapOvr>
+  <p:transition advClick="0"/>
+  <p:timing>
+    <p:tnLst>
+      <p:par>
+        <p:cTn id="1" dur="indefinite" restart="never" nodeType="tmRoot"/>
+      </p:par>
+    </p:tnLst>
+  </p:timing>
 </p:sld>
 </file>
 
@@ -6594,13 +7121,15 @@
       </p:sp>
       <p:sp>
         <p:nvSpPr>
-          <p:cNvPr id="9" name="Freccia a sinistra 8"/>
+          <p:cNvPr id="9" name="Freccia a sinistra 8">
+            <a:hlinkClick r:id="rId2" action="ppaction://hlinksldjump"/>
+          </p:cNvPr>
           <p:cNvSpPr/>
           <p:nvPr/>
         </p:nvSpPr>
         <p:spPr>
           <a:xfrm>
-            <a:off x="5562600" y="4343400"/>
+            <a:off x="5562600" y="4800600"/>
             <a:ext cx="1371600" cy="685800"/>
           </a:xfrm>
           <a:prstGeom prst="leftArrow">
@@ -6638,13 +7167,15 @@
       </p:sp>
       <p:sp>
         <p:nvSpPr>
-          <p:cNvPr id="11" name="Ovale 10"/>
+          <p:cNvPr id="11" name="Ovale 10">
+            <a:hlinkClick r:id="rId3" action="ppaction://hlinksldjump"/>
+          </p:cNvPr>
           <p:cNvSpPr/>
           <p:nvPr/>
         </p:nvSpPr>
         <p:spPr>
           <a:xfrm>
-            <a:off x="1905000" y="4343400"/>
+            <a:off x="1905000" y="4800600"/>
             <a:ext cx="1905000" cy="685800"/>
           </a:xfrm>
           <a:prstGeom prst="ellipse">
@@ -6680,11 +7211,1744 @@
           </a:p>
         </p:txBody>
       </p:sp>
+      <p:graphicFrame>
+        <p:nvGraphicFramePr>
+          <p:cNvPr id="10" name="Tabella 9"/>
+          <p:cNvGraphicFramePr>
+            <a:graphicFrameLocks noGrp="1"/>
+          </p:cNvGraphicFramePr>
+          <p:nvPr/>
+        </p:nvGraphicFramePr>
+        <p:xfrm>
+          <a:off x="2209800" y="3581400"/>
+          <a:ext cx="6096000" cy="365760"/>
+        </p:xfrm>
+        <a:graphic>
+          <a:graphicData uri="http://schemas.openxmlformats.org/drawingml/2006/table">
+            <a:tbl>
+              <a:tblPr firstRow="1" bandRow="1">
+                <a:tableStyleId>{5C22544A-7EE6-4342-B048-85BDC9FD1C3A}</a:tableStyleId>
+              </a:tblPr>
+              <a:tblGrid>
+                <a:gridCol w="6096000"/>
+              </a:tblGrid>
+              <a:tr h="294640">
+                <a:tc>
+                  <a:txBody>
+                    <a:bodyPr/>
+                    <a:lstStyle/>
+                    <a:p>
+                      <a:endParaRPr lang="it-IT" dirty="0"/>
+                    </a:p>
+                  </a:txBody>
+                  <a:tcPr/>
+                </a:tc>
+              </a:tr>
+            </a:tbl>
+          </a:graphicData>
+        </a:graphic>
+      </p:graphicFrame>
+      <p:sp>
+        <p:nvSpPr>
+          <p:cNvPr id="12" name="CasellaDiTesto 11"/>
+          <p:cNvSpPr txBox="1"/>
+          <p:nvPr/>
+        </p:nvSpPr>
+        <p:spPr>
+          <a:xfrm>
+            <a:off x="609600" y="3429000"/>
+            <a:ext cx="1371600" cy="646331"/>
+          </a:xfrm>
+          <a:prstGeom prst="rect">
+            <a:avLst/>
+          </a:prstGeom>
+          <a:noFill/>
+        </p:spPr>
+        <p:txBody>
+          <a:bodyPr wrap="square" rtlCol="0">
+            <a:spAutoFit/>
+          </a:bodyPr>
+          <a:lstStyle/>
+          <a:p>
+            <a:r>
+              <a:rPr lang="it-IT" dirty="0" smtClean="0"/>
+              <a:t>CONFERMA PASSWORD</a:t>
+            </a:r>
+            <a:endParaRPr lang="it-IT" dirty="0"/>
+          </a:p>
+        </p:txBody>
+      </p:sp>
     </p:spTree>
   </p:cSld>
   <p:clrMapOvr>
     <a:masterClrMapping/>
   </p:clrMapOvr>
+  <p:transition advClick="0"/>
+  <p:timing>
+    <p:tnLst>
+      <p:par>
+        <p:cTn id="1" dur="indefinite" restart="never" nodeType="tmRoot"/>
+      </p:par>
+    </p:tnLst>
+  </p:timing>
+</p:sld>
+</file>
+
+<file path=ppt/slides/slide20.xml><?xml version="1.0" encoding="utf-8"?>
+<p:sld xmlns:a="http://schemas.openxmlformats.org/drawingml/2006/main" xmlns:r="http://schemas.openxmlformats.org/officeDocument/2006/relationships" xmlns:p="http://schemas.openxmlformats.org/presentationml/2006/main">
+  <p:cSld>
+    <p:spTree>
+      <p:nvGrpSpPr>
+        <p:cNvPr id="1" name=""/>
+        <p:cNvGrpSpPr/>
+        <p:nvPr/>
+      </p:nvGrpSpPr>
+      <p:grpSpPr>
+        <a:xfrm>
+          <a:off x="0" y="0"/>
+          <a:ext cx="0" cy="0"/>
+          <a:chOff x="0" y="0"/>
+          <a:chExt cx="0" cy="0"/>
+        </a:xfrm>
+      </p:grpSpPr>
+      <p:sp>
+        <p:nvSpPr>
+          <p:cNvPr id="2" name="Titolo 1"/>
+          <p:cNvSpPr>
+            <a:spLocks noGrp="1"/>
+          </p:cNvSpPr>
+          <p:nvPr>
+            <p:ph type="title"/>
+          </p:nvPr>
+        </p:nvSpPr>
+        <p:spPr/>
+        <p:txBody>
+          <a:bodyPr/>
+          <a:lstStyle/>
+          <a:p>
+            <a:r>
+              <a:rPr lang="it-IT" dirty="0" smtClean="0"/>
+              <a:t>MODIFICA CARTELLONE</a:t>
+            </a:r>
+            <a:endParaRPr lang="it-IT" dirty="0"/>
+          </a:p>
+        </p:txBody>
+      </p:sp>
+      <p:sp>
+        <p:nvSpPr>
+          <p:cNvPr id="4" name="CasellaDiTesto 3"/>
+          <p:cNvSpPr txBox="1"/>
+          <p:nvPr/>
+        </p:nvSpPr>
+        <p:spPr>
+          <a:xfrm>
+            <a:off x="457200" y="2209800"/>
+            <a:ext cx="8001000" cy="1477328"/>
+          </a:xfrm>
+          <a:prstGeom prst="rect">
+            <a:avLst/>
+          </a:prstGeom>
+          <a:noFill/>
+        </p:spPr>
+        <p:txBody>
+          <a:bodyPr wrap="square" rtlCol="0">
+            <a:spAutoFit/>
+          </a:bodyPr>
+          <a:lstStyle/>
+          <a:p>
+            <a:pPr marL="342900" indent="-342900">
+              <a:buFont typeface="Wingdings" pitchFamily="2" charset="2"/>
+              <a:buChar char="Ø"/>
+            </a:pPr>
+            <a:r>
+              <a:rPr lang="it-IT" dirty="0" smtClean="0"/>
+              <a:t>1</a:t>
+            </a:r>
+          </a:p>
+          <a:p>
+            <a:pPr marL="342900" indent="-342900">
+              <a:buFont typeface="Wingdings" pitchFamily="2" charset="2"/>
+              <a:buChar char="Ø"/>
+            </a:pPr>
+            <a:r>
+              <a:rPr lang="it-IT" dirty="0" smtClean="0"/>
+              <a:t>2</a:t>
+            </a:r>
+          </a:p>
+          <a:p>
+            <a:pPr marL="342900" indent="-342900">
+              <a:buFont typeface="Wingdings" pitchFamily="2" charset="2"/>
+              <a:buChar char="Ø"/>
+            </a:pPr>
+            <a:r>
+              <a:rPr lang="it-IT" dirty="0" smtClean="0"/>
+              <a:t>3</a:t>
+            </a:r>
+          </a:p>
+          <a:p>
+            <a:pPr marL="342900" indent="-342900">
+              <a:buFont typeface="Wingdings" pitchFamily="2" charset="2"/>
+              <a:buChar char="Ø"/>
+            </a:pPr>
+            <a:r>
+              <a:rPr lang="it-IT" dirty="0" smtClean="0"/>
+              <a:t>4</a:t>
+            </a:r>
+          </a:p>
+          <a:p>
+            <a:pPr marL="342900" indent="-342900">
+              <a:buFont typeface="Wingdings" pitchFamily="2" charset="2"/>
+              <a:buChar char="Ø"/>
+            </a:pPr>
+            <a:r>
+              <a:rPr lang="it-IT" dirty="0" smtClean="0"/>
+              <a:t>5</a:t>
+            </a:r>
+          </a:p>
+        </p:txBody>
+      </p:sp>
+      <p:sp>
+        <p:nvSpPr>
+          <p:cNvPr id="5" name="CasellaDiTesto 4"/>
+          <p:cNvSpPr txBox="1"/>
+          <p:nvPr/>
+        </p:nvSpPr>
+        <p:spPr>
+          <a:xfrm>
+            <a:off x="609600" y="1447800"/>
+            <a:ext cx="8077200" cy="381000"/>
+          </a:xfrm>
+          <a:prstGeom prst="rect">
+            <a:avLst/>
+          </a:prstGeom>
+          <a:noFill/>
+        </p:spPr>
+        <p:txBody>
+          <a:bodyPr wrap="square" rtlCol="0">
+            <a:spAutoFit/>
+          </a:bodyPr>
+          <a:lstStyle/>
+          <a:p>
+            <a:r>
+              <a:rPr lang="it-IT" dirty="0" smtClean="0"/>
+              <a:t>SELEZIONA IL CARTELLONE DA MODIFICARE.</a:t>
+            </a:r>
+            <a:endParaRPr lang="it-IT" dirty="0"/>
+          </a:p>
+        </p:txBody>
+      </p:sp>
+      <p:sp>
+        <p:nvSpPr>
+          <p:cNvPr id="6" name="Pagina iniziale 5">
+            <a:hlinkClick r:id="rId2" action="ppaction://hlinksldjump" highlightClick="1"/>
+          </p:cNvPr>
+          <p:cNvSpPr/>
+          <p:nvPr/>
+        </p:nvSpPr>
+        <p:spPr>
+          <a:xfrm>
+            <a:off x="7696200" y="228600"/>
+            <a:ext cx="1042416" cy="1042416"/>
+          </a:xfrm>
+          <a:prstGeom prst="actionButtonHome">
+            <a:avLst/>
+          </a:prstGeom>
+        </p:spPr>
+        <p:style>
+          <a:lnRef idx="2">
+            <a:schemeClr val="accent1">
+              <a:shade val="50000"/>
+            </a:schemeClr>
+          </a:lnRef>
+          <a:fillRef idx="1">
+            <a:schemeClr val="accent1"/>
+          </a:fillRef>
+          <a:effectRef idx="0">
+            <a:schemeClr val="accent1"/>
+          </a:effectRef>
+          <a:fontRef idx="minor">
+            <a:schemeClr val="lt1"/>
+          </a:fontRef>
+        </p:style>
+        <p:txBody>
+          <a:bodyPr rtlCol="0" anchor="ctr"/>
+          <a:lstStyle/>
+          <a:p>
+            <a:pPr algn="ctr"/>
+            <a:r>
+              <a:rPr lang="it-IT" dirty="0" smtClean="0"/>
+              <a:t>HOME</a:t>
+            </a:r>
+            <a:endParaRPr lang="it-IT" dirty="0"/>
+          </a:p>
+        </p:txBody>
+      </p:sp>
+      <p:sp>
+        <p:nvSpPr>
+          <p:cNvPr id="7" name="Freccia a sinistra 6">
+            <a:hlinkClick r:id="rId3" action="ppaction://hlinksldjump"/>
+          </p:cNvPr>
+          <p:cNvSpPr/>
+          <p:nvPr/>
+        </p:nvSpPr>
+        <p:spPr>
+          <a:xfrm>
+            <a:off x="5638800" y="5638800"/>
+            <a:ext cx="1371600" cy="685800"/>
+          </a:xfrm>
+          <a:prstGeom prst="leftArrow">
+            <a:avLst/>
+          </a:prstGeom>
+        </p:spPr>
+        <p:style>
+          <a:lnRef idx="2">
+            <a:schemeClr val="accent1">
+              <a:shade val="50000"/>
+            </a:schemeClr>
+          </a:lnRef>
+          <a:fillRef idx="1">
+            <a:schemeClr val="accent1"/>
+          </a:fillRef>
+          <a:effectRef idx="0">
+            <a:schemeClr val="accent1"/>
+          </a:effectRef>
+          <a:fontRef idx="minor">
+            <a:schemeClr val="lt1"/>
+          </a:fontRef>
+        </p:style>
+        <p:txBody>
+          <a:bodyPr rtlCol="0" anchor="ctr"/>
+          <a:lstStyle/>
+          <a:p>
+            <a:pPr algn="ctr"/>
+            <a:r>
+              <a:rPr lang="it-IT" dirty="0" smtClean="0"/>
+              <a:t>INDIETRO</a:t>
+            </a:r>
+            <a:endParaRPr lang="it-IT" dirty="0"/>
+          </a:p>
+        </p:txBody>
+      </p:sp>
+      <p:sp>
+        <p:nvSpPr>
+          <p:cNvPr id="8" name="Ovale 7">
+            <a:hlinkClick r:id="rId4" action="ppaction://hlinksldjump"/>
+          </p:cNvPr>
+          <p:cNvSpPr/>
+          <p:nvPr/>
+        </p:nvSpPr>
+        <p:spPr>
+          <a:xfrm>
+            <a:off x="1981200" y="5638800"/>
+            <a:ext cx="1905000" cy="685800"/>
+          </a:xfrm>
+          <a:prstGeom prst="ellipse">
+            <a:avLst/>
+          </a:prstGeom>
+        </p:spPr>
+        <p:style>
+          <a:lnRef idx="2">
+            <a:schemeClr val="accent1">
+              <a:shade val="50000"/>
+            </a:schemeClr>
+          </a:lnRef>
+          <a:fillRef idx="1">
+            <a:schemeClr val="accent1"/>
+          </a:fillRef>
+          <a:effectRef idx="0">
+            <a:schemeClr val="accent1"/>
+          </a:effectRef>
+          <a:fontRef idx="minor">
+            <a:schemeClr val="lt1"/>
+          </a:fontRef>
+        </p:style>
+        <p:txBody>
+          <a:bodyPr rtlCol="0" anchor="ctr"/>
+          <a:lstStyle/>
+          <a:p>
+            <a:pPr algn="ctr"/>
+            <a:r>
+              <a:rPr lang="it-IT" dirty="0" smtClean="0"/>
+              <a:t>OK</a:t>
+            </a:r>
+            <a:endParaRPr lang="it-IT" dirty="0"/>
+          </a:p>
+        </p:txBody>
+      </p:sp>
+    </p:spTree>
+  </p:cSld>
+  <p:clrMapOvr>
+    <a:masterClrMapping/>
+  </p:clrMapOvr>
+  <p:transition advClick="0"/>
+  <p:timing>
+    <p:tnLst>
+      <p:par>
+        <p:cTn id="1" dur="indefinite" restart="never" nodeType="tmRoot"/>
+      </p:par>
+    </p:tnLst>
+  </p:timing>
+</p:sld>
+</file>
+
+<file path=ppt/slides/slide21.xml><?xml version="1.0" encoding="utf-8"?>
+<p:sld xmlns:a="http://schemas.openxmlformats.org/drawingml/2006/main" xmlns:r="http://schemas.openxmlformats.org/officeDocument/2006/relationships" xmlns:p="http://schemas.openxmlformats.org/presentationml/2006/main">
+  <p:cSld>
+    <p:spTree>
+      <p:nvGrpSpPr>
+        <p:cNvPr id="1" name=""/>
+        <p:cNvGrpSpPr/>
+        <p:nvPr/>
+      </p:nvGrpSpPr>
+      <p:grpSpPr>
+        <a:xfrm>
+          <a:off x="0" y="0"/>
+          <a:ext cx="0" cy="0"/>
+          <a:chOff x="0" y="0"/>
+          <a:chExt cx="0" cy="0"/>
+        </a:xfrm>
+      </p:grpSpPr>
+      <p:sp>
+        <p:nvSpPr>
+          <p:cNvPr id="2" name="Titolo 1"/>
+          <p:cNvSpPr>
+            <a:spLocks noGrp="1"/>
+          </p:cNvSpPr>
+          <p:nvPr>
+            <p:ph type="title"/>
+          </p:nvPr>
+        </p:nvSpPr>
+        <p:spPr>
+          <a:xfrm>
+            <a:off x="-609600" y="152400"/>
+            <a:ext cx="8229600" cy="1143000"/>
+          </a:xfrm>
+        </p:spPr>
+        <p:txBody>
+          <a:bodyPr/>
+          <a:lstStyle/>
+          <a:p>
+            <a:r>
+              <a:rPr lang="it-IT" dirty="0" smtClean="0"/>
+              <a:t>POSIZIONA COMPONENTI</a:t>
+            </a:r>
+            <a:endParaRPr lang="it-IT" dirty="0"/>
+          </a:p>
+        </p:txBody>
+      </p:sp>
+      <p:sp>
+        <p:nvSpPr>
+          <p:cNvPr id="5" name="Pagina iniziale 4">
+            <a:hlinkClick r:id="" action="ppaction://noaction" highlightClick="1"/>
+          </p:cNvPr>
+          <p:cNvSpPr/>
+          <p:nvPr/>
+        </p:nvSpPr>
+        <p:spPr>
+          <a:xfrm>
+            <a:off x="7696200" y="228600"/>
+            <a:ext cx="1042416" cy="1042416"/>
+          </a:xfrm>
+          <a:prstGeom prst="actionButtonHome">
+            <a:avLst/>
+          </a:prstGeom>
+        </p:spPr>
+        <p:style>
+          <a:lnRef idx="2">
+            <a:schemeClr val="accent1">
+              <a:shade val="50000"/>
+            </a:schemeClr>
+          </a:lnRef>
+          <a:fillRef idx="1">
+            <a:schemeClr val="accent1"/>
+          </a:fillRef>
+          <a:effectRef idx="0">
+            <a:schemeClr val="accent1"/>
+          </a:effectRef>
+          <a:fontRef idx="minor">
+            <a:schemeClr val="lt1"/>
+          </a:fontRef>
+        </p:style>
+        <p:txBody>
+          <a:bodyPr rtlCol="0" anchor="ctr"/>
+          <a:lstStyle/>
+          <a:p>
+            <a:pPr algn="ctr"/>
+            <a:r>
+              <a:rPr lang="it-IT" dirty="0" smtClean="0">
+                <a:hlinkClick r:id="rId2" action="ppaction://hlinksldjump"/>
+              </a:rPr>
+              <a:t>HOME</a:t>
+            </a:r>
+            <a:endParaRPr lang="it-IT" dirty="0"/>
+          </a:p>
+        </p:txBody>
+      </p:sp>
+      <p:sp>
+        <p:nvSpPr>
+          <p:cNvPr id="9" name="Freccia a sinistra 8">
+            <a:hlinkClick r:id="rId3" action="ppaction://hlinksldjump"/>
+          </p:cNvPr>
+          <p:cNvSpPr/>
+          <p:nvPr/>
+        </p:nvSpPr>
+        <p:spPr>
+          <a:xfrm>
+            <a:off x="5638800" y="6019800"/>
+            <a:ext cx="1371600" cy="685800"/>
+          </a:xfrm>
+          <a:prstGeom prst="leftArrow">
+            <a:avLst/>
+          </a:prstGeom>
+        </p:spPr>
+        <p:style>
+          <a:lnRef idx="2">
+            <a:schemeClr val="accent1">
+              <a:shade val="50000"/>
+            </a:schemeClr>
+          </a:lnRef>
+          <a:fillRef idx="1">
+            <a:schemeClr val="accent1"/>
+          </a:fillRef>
+          <a:effectRef idx="0">
+            <a:schemeClr val="accent1"/>
+          </a:effectRef>
+          <a:fontRef idx="minor">
+            <a:schemeClr val="lt1"/>
+          </a:fontRef>
+        </p:style>
+        <p:txBody>
+          <a:bodyPr rtlCol="0" anchor="ctr"/>
+          <a:lstStyle/>
+          <a:p>
+            <a:pPr algn="ctr"/>
+            <a:r>
+              <a:rPr lang="it-IT" dirty="0" smtClean="0"/>
+              <a:t>INDIETRO</a:t>
+            </a:r>
+            <a:endParaRPr lang="it-IT" dirty="0"/>
+          </a:p>
+        </p:txBody>
+      </p:sp>
+      <p:sp>
+        <p:nvSpPr>
+          <p:cNvPr id="10" name="Ovale 9">
+            <a:hlinkClick r:id="rId4" action="ppaction://hlinksldjump"/>
+          </p:cNvPr>
+          <p:cNvSpPr/>
+          <p:nvPr/>
+        </p:nvSpPr>
+        <p:spPr>
+          <a:xfrm>
+            <a:off x="1981200" y="6019800"/>
+            <a:ext cx="1905000" cy="685800"/>
+          </a:xfrm>
+          <a:prstGeom prst="ellipse">
+            <a:avLst/>
+          </a:prstGeom>
+        </p:spPr>
+        <p:style>
+          <a:lnRef idx="2">
+            <a:schemeClr val="accent1">
+              <a:shade val="50000"/>
+            </a:schemeClr>
+          </a:lnRef>
+          <a:fillRef idx="1">
+            <a:schemeClr val="accent1"/>
+          </a:fillRef>
+          <a:effectRef idx="0">
+            <a:schemeClr val="accent1"/>
+          </a:effectRef>
+          <a:fontRef idx="minor">
+            <a:schemeClr val="lt1"/>
+          </a:fontRef>
+        </p:style>
+        <p:txBody>
+          <a:bodyPr rtlCol="0" anchor="ctr"/>
+          <a:lstStyle/>
+          <a:p>
+            <a:pPr algn="ctr"/>
+            <a:r>
+              <a:rPr lang="it-IT" dirty="0" smtClean="0"/>
+              <a:t>OK</a:t>
+            </a:r>
+            <a:endParaRPr lang="it-IT" dirty="0"/>
+          </a:p>
+        </p:txBody>
+      </p:sp>
+      <p:sp>
+        <p:nvSpPr>
+          <p:cNvPr id="11" name="CasellaDiTesto 10"/>
+          <p:cNvSpPr txBox="1"/>
+          <p:nvPr/>
+        </p:nvSpPr>
+        <p:spPr>
+          <a:xfrm>
+            <a:off x="304800" y="1295400"/>
+            <a:ext cx="7586885" cy="369332"/>
+          </a:xfrm>
+          <a:prstGeom prst="rect">
+            <a:avLst/>
+          </a:prstGeom>
+          <a:noFill/>
+        </p:spPr>
+        <p:txBody>
+          <a:bodyPr wrap="none" rtlCol="0">
+            <a:spAutoFit/>
+          </a:bodyPr>
+          <a:lstStyle/>
+          <a:p>
+            <a:r>
+              <a:rPr lang="it-IT" dirty="0" smtClean="0"/>
+              <a:t>SCEGLI UN NUOVO OGGETTO DA INSERIRE (AUDIO, VIDEO, IMMAGINE, TESTO).</a:t>
+            </a:r>
+            <a:endParaRPr lang="it-IT" dirty="0"/>
+          </a:p>
+        </p:txBody>
+      </p:sp>
+      <p:sp>
+        <p:nvSpPr>
+          <p:cNvPr id="12" name="CasellaDiTesto 11"/>
+          <p:cNvSpPr txBox="1"/>
+          <p:nvPr/>
+        </p:nvSpPr>
+        <p:spPr>
+          <a:xfrm>
+            <a:off x="304800" y="2286000"/>
+            <a:ext cx="8153400" cy="646331"/>
+          </a:xfrm>
+          <a:prstGeom prst="rect">
+            <a:avLst/>
+          </a:prstGeom>
+          <a:noFill/>
+        </p:spPr>
+        <p:txBody>
+          <a:bodyPr wrap="square" rtlCol="0">
+            <a:spAutoFit/>
+          </a:bodyPr>
+          <a:lstStyle/>
+          <a:p>
+            <a:r>
+              <a:rPr lang="it-IT" dirty="0" smtClean="0"/>
+              <a:t>METTI UN OGGETTO IN UNA CELLA. SELEZIONA UN COMPONENTE E POI CLICCA SULLA CELLA PER AGGIUNGERLO.</a:t>
+            </a:r>
+            <a:endParaRPr lang="it-IT" dirty="0"/>
+          </a:p>
+        </p:txBody>
+      </p:sp>
+      <p:sp>
+        <p:nvSpPr>
+          <p:cNvPr id="13" name="CasellaDiTesto 12"/>
+          <p:cNvSpPr txBox="1"/>
+          <p:nvPr/>
+        </p:nvSpPr>
+        <p:spPr>
+          <a:xfrm>
+            <a:off x="304799" y="3352800"/>
+            <a:ext cx="8001000" cy="1477328"/>
+          </a:xfrm>
+          <a:prstGeom prst="rect">
+            <a:avLst/>
+          </a:prstGeom>
+          <a:noFill/>
+        </p:spPr>
+        <p:txBody>
+          <a:bodyPr wrap="square" rtlCol="0">
+            <a:spAutoFit/>
+          </a:bodyPr>
+          <a:lstStyle/>
+          <a:p>
+            <a:pPr marL="342900" indent="-342900">
+              <a:buFont typeface="Wingdings" pitchFamily="2" charset="2"/>
+              <a:buChar char="Ø"/>
+            </a:pPr>
+            <a:r>
+              <a:rPr lang="it-IT" dirty="0" smtClean="0"/>
+              <a:t>1</a:t>
+            </a:r>
+          </a:p>
+          <a:p>
+            <a:pPr marL="342900" indent="-342900">
+              <a:buFont typeface="Wingdings" pitchFamily="2" charset="2"/>
+              <a:buChar char="Ø"/>
+            </a:pPr>
+            <a:r>
+              <a:rPr lang="it-IT" dirty="0" smtClean="0"/>
+              <a:t>2</a:t>
+            </a:r>
+          </a:p>
+          <a:p>
+            <a:pPr marL="342900" indent="-342900">
+              <a:buFont typeface="Wingdings" pitchFamily="2" charset="2"/>
+              <a:buChar char="Ø"/>
+            </a:pPr>
+            <a:r>
+              <a:rPr lang="it-IT" dirty="0" smtClean="0"/>
+              <a:t>3</a:t>
+            </a:r>
+          </a:p>
+          <a:p>
+            <a:pPr marL="342900" indent="-342900">
+              <a:buFont typeface="Wingdings" pitchFamily="2" charset="2"/>
+              <a:buChar char="Ø"/>
+            </a:pPr>
+            <a:r>
+              <a:rPr lang="it-IT" dirty="0" smtClean="0"/>
+              <a:t>4</a:t>
+            </a:r>
+          </a:p>
+          <a:p>
+            <a:pPr marL="342900" indent="-342900">
+              <a:buFont typeface="Wingdings" pitchFamily="2" charset="2"/>
+              <a:buChar char="Ø"/>
+            </a:pPr>
+            <a:r>
+              <a:rPr lang="it-IT" dirty="0" smtClean="0"/>
+              <a:t>5</a:t>
+            </a:r>
+          </a:p>
+        </p:txBody>
+      </p:sp>
+      <p:graphicFrame>
+        <p:nvGraphicFramePr>
+          <p:cNvPr id="14" name="Tabella 13"/>
+          <p:cNvGraphicFramePr>
+            <a:graphicFrameLocks noGrp="1"/>
+          </p:cNvGraphicFramePr>
+          <p:nvPr/>
+        </p:nvGraphicFramePr>
+        <p:xfrm>
+          <a:off x="2666999" y="3505200"/>
+          <a:ext cx="6096000" cy="1112520"/>
+        </p:xfrm>
+        <a:graphic>
+          <a:graphicData uri="http://schemas.openxmlformats.org/drawingml/2006/table">
+            <a:tbl>
+              <a:tblPr firstRow="1" bandRow="1">
+                <a:tableStyleId>{5C22544A-7EE6-4342-B048-85BDC9FD1C3A}</a:tableStyleId>
+              </a:tblPr>
+              <a:tblGrid>
+                <a:gridCol w="2032000"/>
+                <a:gridCol w="2032000"/>
+                <a:gridCol w="2032000"/>
+              </a:tblGrid>
+              <a:tr h="370840">
+                <a:tc>
+                  <a:txBody>
+                    <a:bodyPr/>
+                    <a:lstStyle/>
+                    <a:p>
+                      <a:endParaRPr lang="it-IT" dirty="0"/>
+                    </a:p>
+                  </a:txBody>
+                  <a:tcPr/>
+                </a:tc>
+                <a:tc>
+                  <a:txBody>
+                    <a:bodyPr/>
+                    <a:lstStyle/>
+                    <a:p>
+                      <a:endParaRPr lang="it-IT"/>
+                    </a:p>
+                  </a:txBody>
+                  <a:tcPr/>
+                </a:tc>
+                <a:tc>
+                  <a:txBody>
+                    <a:bodyPr/>
+                    <a:lstStyle/>
+                    <a:p>
+                      <a:endParaRPr lang="it-IT"/>
+                    </a:p>
+                  </a:txBody>
+                  <a:tcPr/>
+                </a:tc>
+              </a:tr>
+              <a:tr h="370840">
+                <a:tc>
+                  <a:txBody>
+                    <a:bodyPr/>
+                    <a:lstStyle/>
+                    <a:p>
+                      <a:endParaRPr lang="it-IT"/>
+                    </a:p>
+                  </a:txBody>
+                  <a:tcPr/>
+                </a:tc>
+                <a:tc>
+                  <a:txBody>
+                    <a:bodyPr/>
+                    <a:lstStyle/>
+                    <a:p>
+                      <a:endParaRPr lang="it-IT"/>
+                    </a:p>
+                  </a:txBody>
+                  <a:tcPr/>
+                </a:tc>
+                <a:tc>
+                  <a:txBody>
+                    <a:bodyPr/>
+                    <a:lstStyle/>
+                    <a:p>
+                      <a:endParaRPr lang="it-IT"/>
+                    </a:p>
+                  </a:txBody>
+                  <a:tcPr/>
+                </a:tc>
+              </a:tr>
+              <a:tr h="370840">
+                <a:tc>
+                  <a:txBody>
+                    <a:bodyPr/>
+                    <a:lstStyle/>
+                    <a:p>
+                      <a:endParaRPr lang="it-IT"/>
+                    </a:p>
+                  </a:txBody>
+                  <a:tcPr/>
+                </a:tc>
+                <a:tc>
+                  <a:txBody>
+                    <a:bodyPr/>
+                    <a:lstStyle/>
+                    <a:p>
+                      <a:endParaRPr lang="it-IT"/>
+                    </a:p>
+                  </a:txBody>
+                  <a:tcPr/>
+                </a:tc>
+                <a:tc>
+                  <a:txBody>
+                    <a:bodyPr/>
+                    <a:lstStyle/>
+                    <a:p>
+                      <a:endParaRPr lang="it-IT" dirty="0"/>
+                    </a:p>
+                  </a:txBody>
+                  <a:tcPr/>
+                </a:tc>
+              </a:tr>
+            </a:tbl>
+          </a:graphicData>
+        </a:graphic>
+      </p:graphicFrame>
+      <p:sp>
+        <p:nvSpPr>
+          <p:cNvPr id="15" name="CasellaDiTesto 14"/>
+          <p:cNvSpPr txBox="1"/>
+          <p:nvPr/>
+        </p:nvSpPr>
+        <p:spPr>
+          <a:xfrm>
+            <a:off x="304799" y="2971800"/>
+            <a:ext cx="1506695" cy="369332"/>
+          </a:xfrm>
+          <a:prstGeom prst="rect">
+            <a:avLst/>
+          </a:prstGeom>
+          <a:noFill/>
+        </p:spPr>
+        <p:txBody>
+          <a:bodyPr wrap="none" rtlCol="0">
+            <a:spAutoFit/>
+          </a:bodyPr>
+          <a:lstStyle/>
+          <a:p>
+            <a:r>
+              <a:rPr lang="it-IT" dirty="0" smtClean="0"/>
+              <a:t>COMPONENTI</a:t>
+            </a:r>
+            <a:endParaRPr lang="it-IT" dirty="0"/>
+          </a:p>
+        </p:txBody>
+      </p:sp>
+      <p:sp>
+        <p:nvSpPr>
+          <p:cNvPr id="16" name="CasellaDiTesto 15"/>
+          <p:cNvSpPr txBox="1"/>
+          <p:nvPr/>
+        </p:nvSpPr>
+        <p:spPr>
+          <a:xfrm>
+            <a:off x="5029199" y="2971800"/>
+            <a:ext cx="947695" cy="369332"/>
+          </a:xfrm>
+          <a:prstGeom prst="rect">
+            <a:avLst/>
+          </a:prstGeom>
+          <a:noFill/>
+        </p:spPr>
+        <p:txBody>
+          <a:bodyPr wrap="none" rtlCol="0">
+            <a:spAutoFit/>
+          </a:bodyPr>
+          <a:lstStyle/>
+          <a:p>
+            <a:r>
+              <a:rPr lang="it-IT" dirty="0" smtClean="0"/>
+              <a:t>GRIGLIA</a:t>
+            </a:r>
+            <a:endParaRPr lang="it-IT" dirty="0"/>
+          </a:p>
+        </p:txBody>
+      </p:sp>
+      <p:sp>
+        <p:nvSpPr>
+          <p:cNvPr id="17" name="CasellaDiTesto 16"/>
+          <p:cNvSpPr txBox="1"/>
+          <p:nvPr/>
+        </p:nvSpPr>
+        <p:spPr>
+          <a:xfrm>
+            <a:off x="304799" y="4953000"/>
+            <a:ext cx="6482800" cy="369332"/>
+          </a:xfrm>
+          <a:prstGeom prst="rect">
+            <a:avLst/>
+          </a:prstGeom>
+          <a:noFill/>
+        </p:spPr>
+        <p:txBody>
+          <a:bodyPr wrap="none" rtlCol="0">
+            <a:spAutoFit/>
+          </a:bodyPr>
+          <a:lstStyle/>
+          <a:p>
+            <a:r>
+              <a:rPr lang="it-IT" dirty="0" smtClean="0"/>
+              <a:t>SELEZIONA UNA CELLA PER TOGLIERE UN OGGETTO DALLA GRIGLIA.</a:t>
+            </a:r>
+            <a:endParaRPr lang="it-IT" dirty="0"/>
+          </a:p>
+        </p:txBody>
+      </p:sp>
+      <p:sp>
+        <p:nvSpPr>
+          <p:cNvPr id="18" name="CasellaDiTesto 17"/>
+          <p:cNvSpPr txBox="1"/>
+          <p:nvPr/>
+        </p:nvSpPr>
+        <p:spPr>
+          <a:xfrm>
+            <a:off x="304799" y="5410200"/>
+            <a:ext cx="8028352" cy="369332"/>
+          </a:xfrm>
+          <a:prstGeom prst="rect">
+            <a:avLst/>
+          </a:prstGeom>
+          <a:noFill/>
+        </p:spPr>
+        <p:txBody>
+          <a:bodyPr wrap="none" rtlCol="0">
+            <a:spAutoFit/>
+          </a:bodyPr>
+          <a:lstStyle/>
+          <a:p>
+            <a:r>
+              <a:rPr lang="it-IT" dirty="0" smtClean="0"/>
+              <a:t>SELEZIONA UN BOTTONE </a:t>
+            </a:r>
+            <a:r>
+              <a:rPr lang="it-IT" dirty="0" err="1" smtClean="0"/>
+              <a:t>DI</a:t>
+            </a:r>
+            <a:r>
+              <a:rPr lang="it-IT" dirty="0" smtClean="0"/>
+              <a:t> CONTROLLO E CLICCA SULLA CELLA PER AGGIUNGERLO.</a:t>
+            </a:r>
+            <a:endParaRPr lang="it-IT" dirty="0"/>
+          </a:p>
+        </p:txBody>
+      </p:sp>
+      <p:sp>
+        <p:nvSpPr>
+          <p:cNvPr id="19" name="Avanti o successivo 18">
+            <a:hlinkClick r:id="" action="ppaction://hlinkshowjump?jump=nextslide" highlightClick="1"/>
+          </p:cNvPr>
+          <p:cNvSpPr/>
+          <p:nvPr/>
+        </p:nvSpPr>
+        <p:spPr>
+          <a:xfrm>
+            <a:off x="609599" y="5867400"/>
+            <a:ext cx="304800" cy="304800"/>
+          </a:xfrm>
+          <a:prstGeom prst="actionButtonForwardNext">
+            <a:avLst/>
+          </a:prstGeom>
+        </p:spPr>
+        <p:style>
+          <a:lnRef idx="2">
+            <a:schemeClr val="accent1">
+              <a:shade val="50000"/>
+            </a:schemeClr>
+          </a:lnRef>
+          <a:fillRef idx="1">
+            <a:schemeClr val="accent1"/>
+          </a:fillRef>
+          <a:effectRef idx="0">
+            <a:schemeClr val="accent1"/>
+          </a:effectRef>
+          <a:fontRef idx="minor">
+            <a:schemeClr val="lt1"/>
+          </a:fontRef>
+        </p:style>
+        <p:txBody>
+          <a:bodyPr rtlCol="0" anchor="ctr"/>
+          <a:lstStyle/>
+          <a:p>
+            <a:pPr algn="ctr"/>
+            <a:endParaRPr lang="it-IT"/>
+          </a:p>
+        </p:txBody>
+      </p:sp>
+      <p:sp>
+        <p:nvSpPr>
+          <p:cNvPr id="22" name="Telaio 21"/>
+          <p:cNvSpPr/>
+          <p:nvPr/>
+        </p:nvSpPr>
+        <p:spPr>
+          <a:xfrm>
+            <a:off x="1295399" y="5867400"/>
+            <a:ext cx="304800" cy="304800"/>
+          </a:xfrm>
+          <a:prstGeom prst="bevel">
+            <a:avLst/>
+          </a:prstGeom>
+        </p:spPr>
+        <p:style>
+          <a:lnRef idx="2">
+            <a:schemeClr val="accent1">
+              <a:shade val="50000"/>
+            </a:schemeClr>
+          </a:lnRef>
+          <a:fillRef idx="1">
+            <a:schemeClr val="accent1"/>
+          </a:fillRef>
+          <a:effectRef idx="0">
+            <a:schemeClr val="accent1"/>
+          </a:effectRef>
+          <a:fontRef idx="minor">
+            <a:schemeClr val="lt1"/>
+          </a:fontRef>
+        </p:style>
+        <p:txBody>
+          <a:bodyPr rtlCol="0" anchor="ctr"/>
+          <a:lstStyle/>
+          <a:p>
+            <a:pPr algn="ctr"/>
+            <a:endParaRPr lang="it-IT"/>
+          </a:p>
+        </p:txBody>
+      </p:sp>
+      <p:sp>
+        <p:nvSpPr>
+          <p:cNvPr id="23" name="Ovale 22">
+            <a:hlinkClick r:id="rId5" action="ppaction://hlinksldjump"/>
+          </p:cNvPr>
+          <p:cNvSpPr/>
+          <p:nvPr/>
+        </p:nvSpPr>
+        <p:spPr>
+          <a:xfrm>
+            <a:off x="7239000" y="1752600"/>
+            <a:ext cx="1676400" cy="457200"/>
+          </a:xfrm>
+          <a:prstGeom prst="ellipse">
+            <a:avLst/>
+          </a:prstGeom>
+        </p:spPr>
+        <p:style>
+          <a:lnRef idx="2">
+            <a:schemeClr val="accent1">
+              <a:shade val="50000"/>
+            </a:schemeClr>
+          </a:lnRef>
+          <a:fillRef idx="1">
+            <a:schemeClr val="accent1"/>
+          </a:fillRef>
+          <a:effectRef idx="0">
+            <a:schemeClr val="accent1"/>
+          </a:effectRef>
+          <a:fontRef idx="minor">
+            <a:schemeClr val="lt1"/>
+          </a:fontRef>
+        </p:style>
+        <p:txBody>
+          <a:bodyPr rtlCol="0" anchor="ctr"/>
+          <a:lstStyle/>
+          <a:p>
+            <a:pPr algn="ctr"/>
+            <a:r>
+              <a:rPr lang="it-IT" dirty="0" smtClean="0"/>
+              <a:t>AGGIUNGI</a:t>
+            </a:r>
+            <a:endParaRPr lang="it-IT" dirty="0"/>
+          </a:p>
+        </p:txBody>
+      </p:sp>
+      <p:sp>
+        <p:nvSpPr>
+          <p:cNvPr id="20" name="? 19">
+            <a:hlinkClick r:id="" action="ppaction://noaction" highlightClick="1"/>
+          </p:cNvPr>
+          <p:cNvSpPr/>
+          <p:nvPr/>
+        </p:nvSpPr>
+        <p:spPr>
+          <a:xfrm>
+            <a:off x="7010400" y="304800"/>
+            <a:ext cx="609600" cy="838200"/>
+          </a:xfrm>
+          <a:prstGeom prst="actionButtonHelp">
+            <a:avLst/>
+          </a:prstGeom>
+        </p:spPr>
+        <p:style>
+          <a:lnRef idx="2">
+            <a:schemeClr val="accent1">
+              <a:shade val="50000"/>
+            </a:schemeClr>
+          </a:lnRef>
+          <a:fillRef idx="1">
+            <a:schemeClr val="accent1"/>
+          </a:fillRef>
+          <a:effectRef idx="0">
+            <a:schemeClr val="accent1"/>
+          </a:effectRef>
+          <a:fontRef idx="minor">
+            <a:schemeClr val="lt1"/>
+          </a:fontRef>
+        </p:style>
+        <p:txBody>
+          <a:bodyPr rtlCol="0" anchor="ctr"/>
+          <a:lstStyle/>
+          <a:p>
+            <a:pPr algn="ctr"/>
+            <a:endParaRPr lang="it-IT"/>
+          </a:p>
+        </p:txBody>
+      </p:sp>
+    </p:spTree>
+  </p:cSld>
+  <p:clrMapOvr>
+    <a:masterClrMapping/>
+  </p:clrMapOvr>
+  <p:transition advClick="0"/>
+  <p:timing>
+    <p:tnLst>
+      <p:par>
+        <p:cTn id="1" dur="indefinite" restart="never" nodeType="tmRoot"/>
+      </p:par>
+    </p:tnLst>
+  </p:timing>
+</p:sld>
+</file>
+
+<file path=ppt/slides/slide22.xml><?xml version="1.0" encoding="utf-8"?>
+<p:sld xmlns:a="http://schemas.openxmlformats.org/drawingml/2006/main" xmlns:r="http://schemas.openxmlformats.org/officeDocument/2006/relationships" xmlns:p="http://schemas.openxmlformats.org/presentationml/2006/main">
+  <p:cSld>
+    <p:spTree>
+      <p:nvGrpSpPr>
+        <p:cNvPr id="1" name=""/>
+        <p:cNvGrpSpPr/>
+        <p:nvPr/>
+      </p:nvGrpSpPr>
+      <p:grpSpPr>
+        <a:xfrm>
+          <a:off x="0" y="0"/>
+          <a:ext cx="0" cy="0"/>
+          <a:chOff x="0" y="0"/>
+          <a:chExt cx="0" cy="0"/>
+        </a:xfrm>
+      </p:grpSpPr>
+      <p:sp>
+        <p:nvSpPr>
+          <p:cNvPr id="2" name="Titolo 1"/>
+          <p:cNvSpPr>
+            <a:spLocks noGrp="1"/>
+          </p:cNvSpPr>
+          <p:nvPr>
+            <p:ph type="title"/>
+          </p:nvPr>
+        </p:nvSpPr>
+        <p:spPr>
+          <a:xfrm>
+            <a:off x="-533400" y="152400"/>
+            <a:ext cx="8229600" cy="1143000"/>
+          </a:xfrm>
+        </p:spPr>
+        <p:txBody>
+          <a:bodyPr/>
+          <a:lstStyle/>
+          <a:p>
+            <a:r>
+              <a:rPr lang="it-IT" dirty="0" smtClean="0"/>
+              <a:t>AGGIUNGI COMPONENTE</a:t>
+            </a:r>
+            <a:endParaRPr lang="it-IT" dirty="0"/>
+          </a:p>
+        </p:txBody>
+      </p:sp>
+      <p:sp>
+        <p:nvSpPr>
+          <p:cNvPr id="4" name="CasellaDiTesto 3"/>
+          <p:cNvSpPr txBox="1"/>
+          <p:nvPr/>
+        </p:nvSpPr>
+        <p:spPr>
+          <a:xfrm>
+            <a:off x="685800" y="1600200"/>
+            <a:ext cx="5740354" cy="369332"/>
+          </a:xfrm>
+          <a:prstGeom prst="rect">
+            <a:avLst/>
+          </a:prstGeom>
+          <a:noFill/>
+        </p:spPr>
+        <p:txBody>
+          <a:bodyPr wrap="none" rtlCol="0">
+            <a:spAutoFit/>
+          </a:bodyPr>
+          <a:lstStyle/>
+          <a:p>
+            <a:r>
+              <a:rPr lang="it-IT" dirty="0" smtClean="0"/>
+              <a:t>INSERISCI LE CARATTERISTICHE DEL NUOVO COMPONENTE.</a:t>
+            </a:r>
+            <a:endParaRPr lang="it-IT" dirty="0"/>
+          </a:p>
+        </p:txBody>
+      </p:sp>
+      <p:graphicFrame>
+        <p:nvGraphicFramePr>
+          <p:cNvPr id="5" name="Tabella 4"/>
+          <p:cNvGraphicFramePr>
+            <a:graphicFrameLocks noGrp="1"/>
+          </p:cNvGraphicFramePr>
+          <p:nvPr/>
+        </p:nvGraphicFramePr>
+        <p:xfrm>
+          <a:off x="2209800" y="2362200"/>
+          <a:ext cx="6096000" cy="365760"/>
+        </p:xfrm>
+        <a:graphic>
+          <a:graphicData uri="http://schemas.openxmlformats.org/drawingml/2006/table">
+            <a:tbl>
+              <a:tblPr firstRow="1" bandRow="1">
+                <a:tableStyleId>{5C22544A-7EE6-4342-B048-85BDC9FD1C3A}</a:tableStyleId>
+              </a:tblPr>
+              <a:tblGrid>
+                <a:gridCol w="6096000"/>
+              </a:tblGrid>
+              <a:tr h="294640">
+                <a:tc>
+                  <a:txBody>
+                    <a:bodyPr/>
+                    <a:lstStyle/>
+                    <a:p>
+                      <a:endParaRPr lang="it-IT" dirty="0"/>
+                    </a:p>
+                  </a:txBody>
+                  <a:tcPr/>
+                </a:tc>
+              </a:tr>
+            </a:tbl>
+          </a:graphicData>
+        </a:graphic>
+      </p:graphicFrame>
+      <p:graphicFrame>
+        <p:nvGraphicFramePr>
+          <p:cNvPr id="6" name="Tabella 5"/>
+          <p:cNvGraphicFramePr>
+            <a:graphicFrameLocks noGrp="1"/>
+          </p:cNvGraphicFramePr>
+          <p:nvPr/>
+        </p:nvGraphicFramePr>
+        <p:xfrm>
+          <a:off x="2209800" y="2971800"/>
+          <a:ext cx="6096000" cy="365760"/>
+        </p:xfrm>
+        <a:graphic>
+          <a:graphicData uri="http://schemas.openxmlformats.org/drawingml/2006/table">
+            <a:tbl>
+              <a:tblPr firstRow="1" bandRow="1">
+                <a:tableStyleId>{5C22544A-7EE6-4342-B048-85BDC9FD1C3A}</a:tableStyleId>
+              </a:tblPr>
+              <a:tblGrid>
+                <a:gridCol w="6096000"/>
+              </a:tblGrid>
+              <a:tr h="294640">
+                <a:tc>
+                  <a:txBody>
+                    <a:bodyPr/>
+                    <a:lstStyle/>
+                    <a:p>
+                      <a:endParaRPr lang="it-IT" dirty="0"/>
+                    </a:p>
+                  </a:txBody>
+                  <a:tcPr/>
+                </a:tc>
+              </a:tr>
+            </a:tbl>
+          </a:graphicData>
+        </a:graphic>
+      </p:graphicFrame>
+      <p:sp>
+        <p:nvSpPr>
+          <p:cNvPr id="7" name="CasellaDiTesto 6"/>
+          <p:cNvSpPr txBox="1"/>
+          <p:nvPr/>
+        </p:nvSpPr>
+        <p:spPr>
+          <a:xfrm>
+            <a:off x="609600" y="2362200"/>
+            <a:ext cx="1371600" cy="369332"/>
+          </a:xfrm>
+          <a:prstGeom prst="rect">
+            <a:avLst/>
+          </a:prstGeom>
+          <a:noFill/>
+        </p:spPr>
+        <p:txBody>
+          <a:bodyPr wrap="square" rtlCol="0">
+            <a:spAutoFit/>
+          </a:bodyPr>
+          <a:lstStyle/>
+          <a:p>
+            <a:r>
+              <a:rPr lang="it-IT" dirty="0" smtClean="0"/>
+              <a:t>NOME</a:t>
+            </a:r>
+            <a:endParaRPr lang="it-IT" dirty="0"/>
+          </a:p>
+        </p:txBody>
+      </p:sp>
+      <p:sp>
+        <p:nvSpPr>
+          <p:cNvPr id="8" name="CasellaDiTesto 7"/>
+          <p:cNvSpPr txBox="1"/>
+          <p:nvPr/>
+        </p:nvSpPr>
+        <p:spPr>
+          <a:xfrm>
+            <a:off x="609600" y="2971800"/>
+            <a:ext cx="1524000" cy="369332"/>
+          </a:xfrm>
+          <a:prstGeom prst="rect">
+            <a:avLst/>
+          </a:prstGeom>
+          <a:noFill/>
+        </p:spPr>
+        <p:txBody>
+          <a:bodyPr wrap="square" rtlCol="0">
+            <a:spAutoFit/>
+          </a:bodyPr>
+          <a:lstStyle/>
+          <a:p>
+            <a:r>
+              <a:rPr lang="it-IT" dirty="0" smtClean="0"/>
+              <a:t>SUONO</a:t>
+            </a:r>
+            <a:endParaRPr lang="it-IT" dirty="0"/>
+          </a:p>
+        </p:txBody>
+      </p:sp>
+      <p:graphicFrame>
+        <p:nvGraphicFramePr>
+          <p:cNvPr id="9" name="Tabella 8"/>
+          <p:cNvGraphicFramePr>
+            <a:graphicFrameLocks noGrp="1"/>
+          </p:cNvGraphicFramePr>
+          <p:nvPr/>
+        </p:nvGraphicFramePr>
+        <p:xfrm>
+          <a:off x="2209800" y="3581400"/>
+          <a:ext cx="6096000" cy="365760"/>
+        </p:xfrm>
+        <a:graphic>
+          <a:graphicData uri="http://schemas.openxmlformats.org/drawingml/2006/table">
+            <a:tbl>
+              <a:tblPr firstRow="1" bandRow="1">
+                <a:tableStyleId>{5C22544A-7EE6-4342-B048-85BDC9FD1C3A}</a:tableStyleId>
+              </a:tblPr>
+              <a:tblGrid>
+                <a:gridCol w="6096000"/>
+              </a:tblGrid>
+              <a:tr h="294640">
+                <a:tc>
+                  <a:txBody>
+                    <a:bodyPr/>
+                    <a:lstStyle/>
+                    <a:p>
+                      <a:endParaRPr lang="it-IT" dirty="0"/>
+                    </a:p>
+                  </a:txBody>
+                  <a:tcPr/>
+                </a:tc>
+              </a:tr>
+            </a:tbl>
+          </a:graphicData>
+        </a:graphic>
+      </p:graphicFrame>
+      <p:graphicFrame>
+        <p:nvGraphicFramePr>
+          <p:cNvPr id="10" name="Tabella 9"/>
+          <p:cNvGraphicFramePr>
+            <a:graphicFrameLocks noGrp="1"/>
+          </p:cNvGraphicFramePr>
+          <p:nvPr/>
+        </p:nvGraphicFramePr>
+        <p:xfrm>
+          <a:off x="2209800" y="4191000"/>
+          <a:ext cx="6096000" cy="365760"/>
+        </p:xfrm>
+        <a:graphic>
+          <a:graphicData uri="http://schemas.openxmlformats.org/drawingml/2006/table">
+            <a:tbl>
+              <a:tblPr firstRow="1" bandRow="1">
+                <a:tableStyleId>{5C22544A-7EE6-4342-B048-85BDC9FD1C3A}</a:tableStyleId>
+              </a:tblPr>
+              <a:tblGrid>
+                <a:gridCol w="6096000"/>
+              </a:tblGrid>
+              <a:tr h="294640">
+                <a:tc>
+                  <a:txBody>
+                    <a:bodyPr/>
+                    <a:lstStyle/>
+                    <a:p>
+                      <a:endParaRPr lang="it-IT" dirty="0"/>
+                    </a:p>
+                  </a:txBody>
+                  <a:tcPr/>
+                </a:tc>
+              </a:tr>
+            </a:tbl>
+          </a:graphicData>
+        </a:graphic>
+      </p:graphicFrame>
+      <p:sp>
+        <p:nvSpPr>
+          <p:cNvPr id="11" name="CasellaDiTesto 10"/>
+          <p:cNvSpPr txBox="1"/>
+          <p:nvPr/>
+        </p:nvSpPr>
+        <p:spPr>
+          <a:xfrm>
+            <a:off x="609600" y="3581400"/>
+            <a:ext cx="1371600" cy="369332"/>
+          </a:xfrm>
+          <a:prstGeom prst="rect">
+            <a:avLst/>
+          </a:prstGeom>
+          <a:noFill/>
+        </p:spPr>
+        <p:txBody>
+          <a:bodyPr wrap="square" rtlCol="0">
+            <a:spAutoFit/>
+          </a:bodyPr>
+          <a:lstStyle/>
+          <a:p>
+            <a:r>
+              <a:rPr lang="it-IT" dirty="0" smtClean="0"/>
+              <a:t>VIDEO</a:t>
+            </a:r>
+            <a:endParaRPr lang="it-IT" dirty="0"/>
+          </a:p>
+        </p:txBody>
+      </p:sp>
+      <p:sp>
+        <p:nvSpPr>
+          <p:cNvPr id="12" name="CasellaDiTesto 11"/>
+          <p:cNvSpPr txBox="1"/>
+          <p:nvPr/>
+        </p:nvSpPr>
+        <p:spPr>
+          <a:xfrm>
+            <a:off x="609600" y="4191000"/>
+            <a:ext cx="1524000" cy="369332"/>
+          </a:xfrm>
+          <a:prstGeom prst="rect">
+            <a:avLst/>
+          </a:prstGeom>
+          <a:noFill/>
+        </p:spPr>
+        <p:txBody>
+          <a:bodyPr wrap="square" rtlCol="0">
+            <a:spAutoFit/>
+          </a:bodyPr>
+          <a:lstStyle/>
+          <a:p>
+            <a:r>
+              <a:rPr lang="it-IT" dirty="0" smtClean="0"/>
+              <a:t>IMMAGINE</a:t>
+            </a:r>
+            <a:endParaRPr lang="it-IT" dirty="0"/>
+          </a:p>
+        </p:txBody>
+      </p:sp>
+      <p:graphicFrame>
+        <p:nvGraphicFramePr>
+          <p:cNvPr id="13" name="Tabella 12"/>
+          <p:cNvGraphicFramePr>
+            <a:graphicFrameLocks noGrp="1"/>
+          </p:cNvGraphicFramePr>
+          <p:nvPr/>
+        </p:nvGraphicFramePr>
+        <p:xfrm>
+          <a:off x="2209800" y="4800600"/>
+          <a:ext cx="6096000" cy="365760"/>
+        </p:xfrm>
+        <a:graphic>
+          <a:graphicData uri="http://schemas.openxmlformats.org/drawingml/2006/table">
+            <a:tbl>
+              <a:tblPr firstRow="1" bandRow="1">
+                <a:tableStyleId>{5C22544A-7EE6-4342-B048-85BDC9FD1C3A}</a:tableStyleId>
+              </a:tblPr>
+              <a:tblGrid>
+                <a:gridCol w="6096000"/>
+              </a:tblGrid>
+              <a:tr h="294640">
+                <a:tc>
+                  <a:txBody>
+                    <a:bodyPr/>
+                    <a:lstStyle/>
+                    <a:p>
+                      <a:endParaRPr lang="it-IT" dirty="0"/>
+                    </a:p>
+                  </a:txBody>
+                  <a:tcPr/>
+                </a:tc>
+              </a:tr>
+            </a:tbl>
+          </a:graphicData>
+        </a:graphic>
+      </p:graphicFrame>
+      <p:sp>
+        <p:nvSpPr>
+          <p:cNvPr id="14" name="CasellaDiTesto 13"/>
+          <p:cNvSpPr txBox="1"/>
+          <p:nvPr/>
+        </p:nvSpPr>
+        <p:spPr>
+          <a:xfrm>
+            <a:off x="609600" y="4800600"/>
+            <a:ext cx="1524000" cy="369332"/>
+          </a:xfrm>
+          <a:prstGeom prst="rect">
+            <a:avLst/>
+          </a:prstGeom>
+          <a:noFill/>
+        </p:spPr>
+        <p:txBody>
+          <a:bodyPr wrap="square" rtlCol="0">
+            <a:spAutoFit/>
+          </a:bodyPr>
+          <a:lstStyle/>
+          <a:p>
+            <a:r>
+              <a:rPr lang="it-IT" dirty="0" smtClean="0"/>
+              <a:t>TESTO</a:t>
+            </a:r>
+            <a:endParaRPr lang="it-IT" dirty="0"/>
+          </a:p>
+        </p:txBody>
+      </p:sp>
+      <p:sp>
+        <p:nvSpPr>
+          <p:cNvPr id="17" name="Pagina iniziale 16">
+            <a:hlinkClick r:id="rId2" action="ppaction://hlinksldjump" highlightClick="1"/>
+          </p:cNvPr>
+          <p:cNvSpPr/>
+          <p:nvPr/>
+        </p:nvSpPr>
+        <p:spPr>
+          <a:xfrm>
+            <a:off x="7696200" y="228600"/>
+            <a:ext cx="1042416" cy="1042416"/>
+          </a:xfrm>
+          <a:prstGeom prst="actionButtonHome">
+            <a:avLst/>
+          </a:prstGeom>
+        </p:spPr>
+        <p:style>
+          <a:lnRef idx="2">
+            <a:schemeClr val="accent1">
+              <a:shade val="50000"/>
+            </a:schemeClr>
+          </a:lnRef>
+          <a:fillRef idx="1">
+            <a:schemeClr val="accent1"/>
+          </a:fillRef>
+          <a:effectRef idx="0">
+            <a:schemeClr val="accent1"/>
+          </a:effectRef>
+          <a:fontRef idx="minor">
+            <a:schemeClr val="lt1"/>
+          </a:fontRef>
+        </p:style>
+        <p:txBody>
+          <a:bodyPr rtlCol="0" anchor="ctr"/>
+          <a:lstStyle/>
+          <a:p>
+            <a:pPr algn="ctr"/>
+            <a:r>
+              <a:rPr lang="it-IT" dirty="0" smtClean="0"/>
+              <a:t>HOME</a:t>
+            </a:r>
+            <a:endParaRPr lang="it-IT" dirty="0"/>
+          </a:p>
+        </p:txBody>
+      </p:sp>
+      <p:sp>
+        <p:nvSpPr>
+          <p:cNvPr id="18" name="Freccia a sinistra 17">
+            <a:hlinkClick r:id="rId3" action="ppaction://hlinksldjump"/>
+          </p:cNvPr>
+          <p:cNvSpPr/>
+          <p:nvPr/>
+        </p:nvSpPr>
+        <p:spPr>
+          <a:xfrm>
+            <a:off x="5638800" y="5638800"/>
+            <a:ext cx="1371600" cy="685800"/>
+          </a:xfrm>
+          <a:prstGeom prst="leftArrow">
+            <a:avLst/>
+          </a:prstGeom>
+        </p:spPr>
+        <p:style>
+          <a:lnRef idx="2">
+            <a:schemeClr val="accent1">
+              <a:shade val="50000"/>
+            </a:schemeClr>
+          </a:lnRef>
+          <a:fillRef idx="1">
+            <a:schemeClr val="accent1"/>
+          </a:fillRef>
+          <a:effectRef idx="0">
+            <a:schemeClr val="accent1"/>
+          </a:effectRef>
+          <a:fontRef idx="minor">
+            <a:schemeClr val="lt1"/>
+          </a:fontRef>
+        </p:style>
+        <p:txBody>
+          <a:bodyPr rtlCol="0" anchor="ctr"/>
+          <a:lstStyle/>
+          <a:p>
+            <a:pPr algn="ctr"/>
+            <a:r>
+              <a:rPr lang="it-IT" dirty="0" smtClean="0"/>
+              <a:t>INDIETRO</a:t>
+            </a:r>
+            <a:endParaRPr lang="it-IT" dirty="0"/>
+          </a:p>
+        </p:txBody>
+      </p:sp>
+      <p:sp>
+        <p:nvSpPr>
+          <p:cNvPr id="19" name="Ovale 18">
+            <a:hlinkClick r:id="rId3" action="ppaction://hlinksldjump"/>
+          </p:cNvPr>
+          <p:cNvSpPr/>
+          <p:nvPr/>
+        </p:nvSpPr>
+        <p:spPr>
+          <a:xfrm>
+            <a:off x="1981200" y="5638800"/>
+            <a:ext cx="1905000" cy="685800"/>
+          </a:xfrm>
+          <a:prstGeom prst="ellipse">
+            <a:avLst/>
+          </a:prstGeom>
+        </p:spPr>
+        <p:style>
+          <a:lnRef idx="2">
+            <a:schemeClr val="accent1">
+              <a:shade val="50000"/>
+            </a:schemeClr>
+          </a:lnRef>
+          <a:fillRef idx="1">
+            <a:schemeClr val="accent1"/>
+          </a:fillRef>
+          <a:effectRef idx="0">
+            <a:schemeClr val="accent1"/>
+          </a:effectRef>
+          <a:fontRef idx="minor">
+            <a:schemeClr val="lt1"/>
+          </a:fontRef>
+        </p:style>
+        <p:txBody>
+          <a:bodyPr rtlCol="0" anchor="ctr"/>
+          <a:lstStyle/>
+          <a:p>
+            <a:pPr algn="ctr"/>
+            <a:r>
+              <a:rPr lang="it-IT" dirty="0" smtClean="0"/>
+              <a:t>OK</a:t>
+            </a:r>
+            <a:endParaRPr lang="it-IT" dirty="0"/>
+          </a:p>
+        </p:txBody>
+      </p:sp>
+      <p:sp>
+        <p:nvSpPr>
+          <p:cNvPr id="20" name="? 19">
+            <a:hlinkClick r:id="" action="ppaction://noaction" highlightClick="1"/>
+          </p:cNvPr>
+          <p:cNvSpPr/>
+          <p:nvPr/>
+        </p:nvSpPr>
+        <p:spPr>
+          <a:xfrm>
+            <a:off x="7010400" y="304800"/>
+            <a:ext cx="609600" cy="838200"/>
+          </a:xfrm>
+          <a:prstGeom prst="actionButtonHelp">
+            <a:avLst/>
+          </a:prstGeom>
+        </p:spPr>
+        <p:style>
+          <a:lnRef idx="2">
+            <a:schemeClr val="accent1">
+              <a:shade val="50000"/>
+            </a:schemeClr>
+          </a:lnRef>
+          <a:fillRef idx="1">
+            <a:schemeClr val="accent1"/>
+          </a:fillRef>
+          <a:effectRef idx="0">
+            <a:schemeClr val="accent1"/>
+          </a:effectRef>
+          <a:fontRef idx="minor">
+            <a:schemeClr val="lt1"/>
+          </a:fontRef>
+        </p:style>
+        <p:txBody>
+          <a:bodyPr rtlCol="0" anchor="ctr"/>
+          <a:lstStyle/>
+          <a:p>
+            <a:pPr algn="ctr"/>
+            <a:endParaRPr lang="it-IT"/>
+          </a:p>
+        </p:txBody>
+      </p:sp>
+    </p:spTree>
+  </p:cSld>
+  <p:clrMapOvr>
+    <a:masterClrMapping/>
+  </p:clrMapOvr>
+  <p:transition advClick="0"/>
+  <p:timing>
+    <p:tnLst>
+      <p:par>
+        <p:cTn id="1" dur="indefinite" restart="never" nodeType="tmRoot"/>
+      </p:par>
+    </p:tnLst>
+  </p:timing>
 </p:sld>
 </file>
 
@@ -6756,7 +9020,9 @@
       </p:sp>
       <p:sp>
         <p:nvSpPr>
-          <p:cNvPr id="7" name="Ovale 6"/>
+          <p:cNvPr id="7" name="Ovale 6">
+            <a:hlinkClick r:id="rId2" action="ppaction://hlinksldjump"/>
+          </p:cNvPr>
           <p:cNvSpPr/>
           <p:nvPr/>
         </p:nvSpPr>
@@ -6800,7 +9066,9 @@
       </p:sp>
       <p:sp>
         <p:nvSpPr>
-          <p:cNvPr id="8" name="Ovale 7"/>
+          <p:cNvPr id="8" name="Ovale 7">
+            <a:hlinkClick r:id="rId3" action="ppaction://hlinksldjump"/>
+          </p:cNvPr>
           <p:cNvSpPr/>
           <p:nvPr/>
         </p:nvSpPr>
@@ -6836,15 +9104,17 @@
             <a:pPr algn="ctr"/>
             <a:r>
               <a:rPr lang="it-IT" dirty="0" smtClean="0"/>
-              <a:t>PROSEGUI</a:t>
-            </a:r>
-            <a:endParaRPr lang="it-IT" dirty="0"/>
-          </a:p>
-        </p:txBody>
-      </p:sp>
-      <p:sp>
-        <p:nvSpPr>
-          <p:cNvPr id="9" name="Rettangolo 8"/>
+              <a:t>PROCEDI</a:t>
+            </a:r>
+            <a:endParaRPr lang="it-IT" dirty="0"/>
+          </a:p>
+        </p:txBody>
+      </p:sp>
+      <p:sp>
+        <p:nvSpPr>
+          <p:cNvPr id="9" name="Rettangolo 8">
+            <a:hlinkClick r:id="" action="ppaction://hlinkshowjump?jump=firstslide"/>
+          </p:cNvPr>
           <p:cNvSpPr/>
           <p:nvPr/>
         </p:nvSpPr>
@@ -6891,6 +9161,14 @@
   <p:clrMapOvr>
     <a:masterClrMapping/>
   </p:clrMapOvr>
+  <p:transition advClick="0"/>
+  <p:timing>
+    <p:tnLst>
+      <p:par>
+        <p:cTn id="1" dur="indefinite" restart="never" nodeType="tmRoot"/>
+      </p:par>
+    </p:tnLst>
+  </p:timing>
 </p:sld>
 </file>
 
@@ -6936,7 +9214,9 @@
       </p:sp>
       <p:sp>
         <p:nvSpPr>
-          <p:cNvPr id="4" name="Freccia a sinistra 3"/>
+          <p:cNvPr id="4" name="Freccia a sinistra 3">
+            <a:hlinkClick r:id="" action="ppaction://hlinkshowjump?jump=previousslide"/>
+          </p:cNvPr>
           <p:cNvSpPr/>
           <p:nvPr/>
         </p:nvSpPr>
@@ -6980,7 +9260,9 @@
       </p:sp>
       <p:sp>
         <p:nvSpPr>
-          <p:cNvPr id="5" name="Ovale 4"/>
+          <p:cNvPr id="5" name="Ovale 4">
+            <a:hlinkClick r:id="rId2" action="ppaction://hlinksldjump"/>
+          </p:cNvPr>
           <p:cNvSpPr/>
           <p:nvPr/>
         </p:nvSpPr>
@@ -7329,11 +9611,61 @@
           </a:p>
         </p:txBody>
       </p:sp>
+      <p:sp>
+        <p:nvSpPr>
+          <p:cNvPr id="15" name="? 14">
+            <a:hlinkClick r:id="" action="ppaction://noaction" highlightClick="1"/>
+          </p:cNvPr>
+          <p:cNvSpPr/>
+          <p:nvPr/>
+        </p:nvSpPr>
+        <p:spPr>
+          <a:xfrm>
+            <a:off x="7315200" y="381000"/>
+            <a:ext cx="609600" cy="838200"/>
+          </a:xfrm>
+          <a:prstGeom prst="actionButtonHelp">
+            <a:avLst/>
+          </a:prstGeom>
+        </p:spPr>
+        <p:style>
+          <a:lnRef idx="2">
+            <a:schemeClr val="accent1">
+              <a:shade val="50000"/>
+            </a:schemeClr>
+          </a:lnRef>
+          <a:fillRef idx="1">
+            <a:schemeClr val="accent1"/>
+          </a:fillRef>
+          <a:effectRef idx="0">
+            <a:schemeClr val="accent1"/>
+          </a:effectRef>
+          <a:fontRef idx="minor">
+            <a:schemeClr val="lt1"/>
+          </a:fontRef>
+        </p:style>
+        <p:txBody>
+          <a:bodyPr rtlCol="0" anchor="ctr"/>
+          <a:lstStyle/>
+          <a:p>
+            <a:pPr algn="ctr"/>
+            <a:endParaRPr lang="it-IT"/>
+          </a:p>
+        </p:txBody>
+      </p:sp>
     </p:spTree>
   </p:cSld>
   <p:clrMapOvr>
     <a:masterClrMapping/>
   </p:clrMapOvr>
+  <p:transition advClick="0"/>
+  <p:timing>
+    <p:tnLst>
+      <p:par>
+        <p:cTn id="1" dur="indefinite" restart="never" nodeType="tmRoot"/>
+      </p:par>
+    </p:tnLst>
+  </p:timing>
 </p:sld>
 </file>
 
@@ -7379,7 +9711,9 @@
       </p:sp>
       <p:sp>
         <p:nvSpPr>
-          <p:cNvPr id="4" name="Rettangolo 3"/>
+          <p:cNvPr id="4" name="Rettangolo 3">
+            <a:hlinkClick r:id="" action="ppaction://hlinkshowjump?jump=firstslide"/>
+          </p:cNvPr>
           <p:cNvSpPr/>
           <p:nvPr/>
         </p:nvSpPr>
@@ -7423,13 +9757,15 @@
       </p:sp>
       <p:sp>
         <p:nvSpPr>
-          <p:cNvPr id="7" name="Cornice 6"/>
+          <p:cNvPr id="7" name="Cornice 6">
+            <a:hlinkClick r:id="rId2" action="ppaction://hlinksldjump"/>
+          </p:cNvPr>
           <p:cNvSpPr/>
           <p:nvPr/>
         </p:nvSpPr>
         <p:spPr>
           <a:xfrm>
-            <a:off x="1828800" y="2590800"/>
+            <a:off x="1828800" y="2057400"/>
             <a:ext cx="2209800" cy="1600200"/>
           </a:xfrm>
           <a:prstGeom prst="frame">
@@ -7475,13 +9811,15 @@
       </p:sp>
       <p:sp>
         <p:nvSpPr>
-          <p:cNvPr id="8" name="Cornice 7"/>
+          <p:cNvPr id="8" name="Cornice 7">
+            <a:hlinkClick r:id="rId3" action="ppaction://hlinksldjump"/>
+          </p:cNvPr>
           <p:cNvSpPr/>
           <p:nvPr/>
         </p:nvSpPr>
         <p:spPr>
           <a:xfrm>
-            <a:off x="4953000" y="2590800"/>
+            <a:off x="4953000" y="2057400"/>
             <a:ext cx="2286000" cy="1600200"/>
           </a:xfrm>
           <a:prstGeom prst="frame">
@@ -7525,11 +9863,135 @@
           </a:p>
         </p:txBody>
       </p:sp>
+      <p:sp>
+        <p:nvSpPr>
+          <p:cNvPr id="6" name="Cornice 5">
+            <a:hlinkClick r:id="rId4" action="ppaction://hlinksldjump"/>
+          </p:cNvPr>
+          <p:cNvSpPr/>
+          <p:nvPr/>
+        </p:nvSpPr>
+        <p:spPr>
+          <a:xfrm>
+            <a:off x="4953000" y="4114800"/>
+            <a:ext cx="2286000" cy="1600200"/>
+          </a:xfrm>
+          <a:prstGeom prst="frame">
+            <a:avLst/>
+          </a:prstGeom>
+        </p:spPr>
+        <p:style>
+          <a:lnRef idx="2">
+            <a:schemeClr val="accent1">
+              <a:shade val="50000"/>
+            </a:schemeClr>
+          </a:lnRef>
+          <a:fillRef idx="1">
+            <a:schemeClr val="accent1"/>
+          </a:fillRef>
+          <a:effectRef idx="0">
+            <a:schemeClr val="accent1"/>
+          </a:effectRef>
+          <a:fontRef idx="minor">
+            <a:schemeClr val="lt1"/>
+          </a:fontRef>
+        </p:style>
+        <p:txBody>
+          <a:bodyPr rtlCol="0" anchor="ctr"/>
+          <a:lstStyle/>
+          <a:p>
+            <a:pPr algn="ctr"/>
+            <a:r>
+              <a:rPr lang="it-IT" dirty="0" smtClean="0">
+                <a:solidFill>
+                  <a:schemeClr val="tx1"/>
+                </a:solidFill>
+              </a:rPr>
+              <a:t>ELIMINA POSTER</a:t>
+            </a:r>
+            <a:endParaRPr lang="it-IT" dirty="0">
+              <a:solidFill>
+                <a:schemeClr val="tx1"/>
+              </a:solidFill>
+            </a:endParaRPr>
+          </a:p>
+        </p:txBody>
+      </p:sp>
+      <p:sp>
+        <p:nvSpPr>
+          <p:cNvPr id="9" name="Cornice 8">
+            <a:hlinkClick r:id="rId5" action="ppaction://hlinksldjump"/>
+          </p:cNvPr>
+          <p:cNvSpPr/>
+          <p:nvPr/>
+        </p:nvSpPr>
+        <p:spPr>
+          <a:xfrm>
+            <a:off x="1828800" y="4114800"/>
+            <a:ext cx="2209800" cy="1600200"/>
+          </a:xfrm>
+          <a:prstGeom prst="frame">
+            <a:avLst/>
+          </a:prstGeom>
+        </p:spPr>
+        <p:style>
+          <a:lnRef idx="2">
+            <a:schemeClr val="accent1">
+              <a:shade val="50000"/>
+            </a:schemeClr>
+          </a:lnRef>
+          <a:fillRef idx="1">
+            <a:schemeClr val="accent1"/>
+          </a:fillRef>
+          <a:effectRef idx="0">
+            <a:schemeClr val="accent1"/>
+          </a:effectRef>
+          <a:fontRef idx="minor">
+            <a:schemeClr val="lt1"/>
+          </a:fontRef>
+        </p:style>
+        <p:txBody>
+          <a:bodyPr rtlCol="0" anchor="ctr"/>
+          <a:lstStyle/>
+          <a:p>
+            <a:pPr algn="ctr"/>
+            <a:r>
+              <a:rPr lang="it-IT" dirty="0" smtClean="0">
+                <a:solidFill>
+                  <a:schemeClr val="tx1"/>
+                </a:solidFill>
+              </a:rPr>
+              <a:t>ELIMINA </a:t>
+            </a:r>
+            <a:r>
+              <a:rPr lang="it-IT" dirty="0" smtClean="0">
+                <a:solidFill>
+                  <a:schemeClr val="tx1"/>
+                </a:solidFill>
+              </a:rPr>
+              <a:t>GRIGLIA</a:t>
+            </a:r>
+            <a:endParaRPr lang="it-IT" dirty="0">
+              <a:solidFill>
+                <a:schemeClr val="tx1"/>
+              </a:solidFill>
+            </a:endParaRPr>
+          </a:p>
+        </p:txBody>
+      </p:sp>
     </p:spTree>
   </p:cSld>
   <p:clrMapOvr>
     <a:masterClrMapping/>
   </p:clrMapOvr>
+  <p:transition advClick="0"/>
+  <p:timing>
+    <p:tnLst>
+      <p:par>
+        <p:cTn id="1" dur="indefinite" restart="never" nodeType="tmRoot"/>
+      </p:par>
+    </p:tnLst>
+  </p:timing>
 </p:sld>
 </file>
 
@@ -7575,7 +10037,9 @@
       </p:sp>
       <p:sp>
         <p:nvSpPr>
-          <p:cNvPr id="4" name="Freccia a sinistra 3"/>
+          <p:cNvPr id="4" name="Freccia a sinistra 3">
+            <a:hlinkClick r:id="" action="ppaction://hlinkshowjump?jump=previousslide"/>
+          </p:cNvPr>
           <p:cNvSpPr/>
           <p:nvPr/>
         </p:nvSpPr>
@@ -7619,7 +10083,9 @@
       </p:sp>
       <p:sp>
         <p:nvSpPr>
-          <p:cNvPr id="5" name="Ovale 4"/>
+          <p:cNvPr id="5" name="Ovale 4">
+            <a:hlinkClick r:id="rId2" action="ppaction://hlinksldjump"/>
+          </p:cNvPr>
           <p:cNvSpPr/>
           <p:nvPr/>
         </p:nvSpPr>
@@ -7893,70 +10359,45 @@
           </a:p>
         </p:txBody>
       </p:sp>
-      <p:graphicFrame>
-        <p:nvGraphicFramePr>
-          <p:cNvPr id="15" name="Tabella 14"/>
-          <p:cNvGraphicFramePr>
-            <a:graphicFrameLocks noGrp="1"/>
-          </p:cNvGraphicFramePr>
-          <p:nvPr/>
-        </p:nvGraphicFramePr>
-        <p:xfrm>
-          <a:off x="2209800" y="4267200"/>
-          <a:ext cx="6096000" cy="365760"/>
-        </p:xfrm>
-        <a:graphic>
-          <a:graphicData uri="http://schemas.openxmlformats.org/drawingml/2006/table">
-            <a:tbl>
-              <a:tblPr firstRow="1" bandRow="1">
-                <a:tableStyleId>{5C22544A-7EE6-4342-B048-85BDC9FD1C3A}</a:tableStyleId>
-              </a:tblPr>
-              <a:tblGrid>
-                <a:gridCol w="6096000"/>
-              </a:tblGrid>
-              <a:tr h="294640">
-                <a:tc>
-                  <a:txBody>
-                    <a:bodyPr/>
-                    <a:lstStyle/>
-                    <a:p>
-                      <a:endParaRPr lang="it-IT" dirty="0"/>
-                    </a:p>
-                  </a:txBody>
-                  <a:tcPr/>
-                </a:tc>
-              </a:tr>
-            </a:tbl>
-          </a:graphicData>
-        </a:graphic>
-      </p:graphicFrame>
-      <p:sp>
-        <p:nvSpPr>
-          <p:cNvPr id="16" name="CasellaDiTesto 15"/>
-          <p:cNvSpPr txBox="1"/>
-          <p:nvPr/>
-        </p:nvSpPr>
-        <p:spPr>
-          <a:xfrm>
-            <a:off x="609600" y="4267200"/>
-            <a:ext cx="1371600" cy="338554"/>
-          </a:xfrm>
-          <a:prstGeom prst="rect">
-            <a:avLst/>
-          </a:prstGeom>
-          <a:noFill/>
-        </p:spPr>
-        <p:txBody>
-          <a:bodyPr wrap="square" rtlCol="0">
-            <a:spAutoFit/>
-          </a:bodyPr>
-          <a:lstStyle/>
-          <a:p>
-            <a:r>
-              <a:rPr lang="it-IT" sz="1600" dirty="0" smtClean="0"/>
-              <a:t>TAGGRIGLIA</a:t>
-            </a:r>
-            <a:endParaRPr lang="it-IT" sz="1600" dirty="0"/>
+      <p:sp>
+        <p:nvSpPr>
+          <p:cNvPr id="17" name="? 16">
+            <a:hlinkClick r:id="" action="ppaction://noaction" highlightClick="1"/>
+          </p:cNvPr>
+          <p:cNvSpPr/>
+          <p:nvPr/>
+        </p:nvSpPr>
+        <p:spPr>
+          <a:xfrm>
+            <a:off x="7315200" y="381000"/>
+            <a:ext cx="609600" cy="838200"/>
+          </a:xfrm>
+          <a:prstGeom prst="actionButtonHelp">
+            <a:avLst/>
+          </a:prstGeom>
+        </p:spPr>
+        <p:style>
+          <a:lnRef idx="2">
+            <a:schemeClr val="accent1">
+              <a:shade val="50000"/>
+            </a:schemeClr>
+          </a:lnRef>
+          <a:fillRef idx="1">
+            <a:schemeClr val="accent1"/>
+          </a:fillRef>
+          <a:effectRef idx="0">
+            <a:schemeClr val="accent1"/>
+          </a:effectRef>
+          <a:fontRef idx="minor">
+            <a:schemeClr val="lt1"/>
+          </a:fontRef>
+        </p:style>
+        <p:txBody>
+          <a:bodyPr rtlCol="0" anchor="ctr"/>
+          <a:lstStyle/>
+          <a:p>
+            <a:pPr algn="ctr"/>
+            <a:endParaRPr lang="it-IT"/>
           </a:p>
         </p:txBody>
       </p:sp>
@@ -7965,6 +10406,14 @@
   <p:clrMapOvr>
     <a:masterClrMapping/>
   </p:clrMapOvr>
+  <p:transition advClick="0"/>
+  <p:timing>
+    <p:tnLst>
+      <p:par>
+        <p:cTn id="1" dur="indefinite" restart="never" nodeType="tmRoot"/>
+      </p:par>
+    </p:tnLst>
+  </p:timing>
 </p:sld>
 </file>
 
@@ -8245,7 +10694,9 @@
       </p:graphicFrame>
       <p:sp>
         <p:nvSpPr>
-          <p:cNvPr id="8" name="Freccia a sinistra 7"/>
+          <p:cNvPr id="8" name="Freccia a sinistra 7">
+            <a:hlinkClick r:id="" action="ppaction://hlinkshowjump?jump=previousslide"/>
+          </p:cNvPr>
           <p:cNvSpPr/>
           <p:nvPr/>
         </p:nvSpPr>
@@ -8289,7 +10740,9 @@
       </p:sp>
       <p:sp>
         <p:nvSpPr>
-          <p:cNvPr id="9" name="Ovale 8"/>
+          <p:cNvPr id="9" name="Ovale 8">
+            <a:hlinkClick r:id="rId2" action="ppaction://hlinksldjump"/>
+          </p:cNvPr>
           <p:cNvSpPr/>
           <p:nvPr/>
         </p:nvSpPr>
@@ -8325,7 +10778,7 @@
             <a:pPr algn="ctr"/>
             <a:r>
               <a:rPr lang="it-IT" dirty="0" smtClean="0"/>
-              <a:t>OK</a:t>
+              <a:t>CONFERMA</a:t>
             </a:r>
             <a:endParaRPr lang="it-IT" dirty="0"/>
           </a:p>
@@ -8334,7 +10787,7 @@
       <p:sp>
         <p:nvSpPr>
           <p:cNvPr id="10" name="Pagina iniziale 9">
-            <a:hlinkClick r:id="" action="ppaction://noaction" highlightClick="1"/>
+            <a:hlinkClick r:id="rId2" action="ppaction://hlinksldjump" highlightClick="1"/>
           </p:cNvPr>
           <p:cNvSpPr/>
           <p:nvPr/>
@@ -8377,11 +10830,61 @@
           </a:p>
         </p:txBody>
       </p:sp>
+      <p:sp>
+        <p:nvSpPr>
+          <p:cNvPr id="11" name="? 10">
+            <a:hlinkClick r:id="" action="ppaction://noaction" highlightClick="1"/>
+          </p:cNvPr>
+          <p:cNvSpPr/>
+          <p:nvPr/>
+        </p:nvSpPr>
+        <p:spPr>
+          <a:xfrm>
+            <a:off x="7010400" y="304800"/>
+            <a:ext cx="609600" cy="838200"/>
+          </a:xfrm>
+          <a:prstGeom prst="actionButtonHelp">
+            <a:avLst/>
+          </a:prstGeom>
+        </p:spPr>
+        <p:style>
+          <a:lnRef idx="2">
+            <a:schemeClr val="accent1">
+              <a:shade val="50000"/>
+            </a:schemeClr>
+          </a:lnRef>
+          <a:fillRef idx="1">
+            <a:schemeClr val="accent1"/>
+          </a:fillRef>
+          <a:effectRef idx="0">
+            <a:schemeClr val="accent1"/>
+          </a:effectRef>
+          <a:fontRef idx="minor">
+            <a:schemeClr val="lt1"/>
+          </a:fontRef>
+        </p:style>
+        <p:txBody>
+          <a:bodyPr rtlCol="0" anchor="ctr"/>
+          <a:lstStyle/>
+          <a:p>
+            <a:pPr algn="ctr"/>
+            <a:endParaRPr lang="it-IT"/>
+          </a:p>
+        </p:txBody>
+      </p:sp>
     </p:spTree>
   </p:cSld>
   <p:clrMapOvr>
     <a:masterClrMapping/>
   </p:clrMapOvr>
+  <p:transition advClick="0"/>
+  <p:timing>
+    <p:tnLst>
+      <p:par>
+        <p:cTn id="1" dur="indefinite" restart="never" nodeType="tmRoot"/>
+      </p:par>
+    </p:tnLst>
+  </p:timing>
 </p:sld>
 </file>
 
@@ -8530,7 +11033,9 @@
       </p:sp>
       <p:sp>
         <p:nvSpPr>
-          <p:cNvPr id="6" name="Freccia a sinistra 5"/>
+          <p:cNvPr id="6" name="Freccia a sinistra 5">
+            <a:hlinkClick r:id="rId2" action="ppaction://hlinksldjump"/>
+          </p:cNvPr>
           <p:cNvSpPr/>
           <p:nvPr/>
         </p:nvSpPr>
@@ -8574,7 +11079,9 @@
       </p:sp>
       <p:sp>
         <p:nvSpPr>
-          <p:cNvPr id="7" name="Ovale 6"/>
+          <p:cNvPr id="7" name="Ovale 6">
+            <a:hlinkClick r:id="rId3" action="ppaction://hlinksldjump"/>
+          </p:cNvPr>
           <p:cNvSpPr/>
           <p:nvPr/>
         </p:nvSpPr>
@@ -8621,6 +11128,14 @@
   <p:clrMapOvr>
     <a:masterClrMapping/>
   </p:clrMapOvr>
+  <p:transition advClick="0"/>
+  <p:timing>
+    <p:tnLst>
+      <p:par>
+        <p:cTn id="1" dur="indefinite" restart="never" nodeType="tmRoot"/>
+      </p:par>
+    </p:tnLst>
+  </p:timing>
 </p:sld>
 </file>
 
@@ -8883,7 +11398,9 @@
       </p:graphicFrame>
       <p:sp>
         <p:nvSpPr>
-          <p:cNvPr id="6" name="Freccia a sinistra 5"/>
+          <p:cNvPr id="6" name="Freccia a sinistra 5">
+            <a:hlinkClick r:id="rId2" action="ppaction://hlinksldjump"/>
+          </p:cNvPr>
           <p:cNvSpPr/>
           <p:nvPr/>
         </p:nvSpPr>
@@ -8927,7 +11444,9 @@
       </p:sp>
       <p:sp>
         <p:nvSpPr>
-          <p:cNvPr id="7" name="Ovale 6"/>
+          <p:cNvPr id="7" name="Ovale 6">
+            <a:hlinkClick r:id="rId3" action="ppaction://hlinksldjump"/>
+          </p:cNvPr>
           <p:cNvSpPr/>
           <p:nvPr/>
         </p:nvSpPr>
@@ -8963,7 +11482,7 @@
             <a:pPr algn="ctr"/>
             <a:r>
               <a:rPr lang="it-IT" dirty="0" smtClean="0"/>
-              <a:t>OK</a:t>
+              <a:t>CONFERMA</a:t>
             </a:r>
             <a:endParaRPr lang="it-IT" dirty="0"/>
           </a:p>
@@ -8972,7 +11491,7 @@
       <p:sp>
         <p:nvSpPr>
           <p:cNvPr id="8" name="Pagina iniziale 7">
-            <a:hlinkClick r:id="" action="ppaction://noaction" highlightClick="1"/>
+            <a:hlinkClick r:id="rId3" action="ppaction://hlinksldjump" highlightClick="1"/>
           </p:cNvPr>
           <p:cNvSpPr/>
           <p:nvPr/>
@@ -9015,11 +11534,61 @@
           </a:p>
         </p:txBody>
       </p:sp>
+      <p:sp>
+        <p:nvSpPr>
+          <p:cNvPr id="9" name="? 8">
+            <a:hlinkClick r:id="" action="ppaction://noaction" highlightClick="1"/>
+          </p:cNvPr>
+          <p:cNvSpPr/>
+          <p:nvPr/>
+        </p:nvSpPr>
+        <p:spPr>
+          <a:xfrm>
+            <a:off x="7010400" y="304800"/>
+            <a:ext cx="609600" cy="838200"/>
+          </a:xfrm>
+          <a:prstGeom prst="actionButtonHelp">
+            <a:avLst/>
+          </a:prstGeom>
+        </p:spPr>
+        <p:style>
+          <a:lnRef idx="2">
+            <a:schemeClr val="accent1">
+              <a:shade val="50000"/>
+            </a:schemeClr>
+          </a:lnRef>
+          <a:fillRef idx="1">
+            <a:schemeClr val="accent1"/>
+          </a:fillRef>
+          <a:effectRef idx="0">
+            <a:schemeClr val="accent1"/>
+          </a:effectRef>
+          <a:fontRef idx="minor">
+            <a:schemeClr val="lt1"/>
+          </a:fontRef>
+        </p:style>
+        <p:txBody>
+          <a:bodyPr rtlCol="0" anchor="ctr"/>
+          <a:lstStyle/>
+          <a:p>
+            <a:pPr algn="ctr"/>
+            <a:endParaRPr lang="it-IT"/>
+          </a:p>
+        </p:txBody>
+      </p:sp>
     </p:spTree>
   </p:cSld>
   <p:clrMapOvr>
     <a:masterClrMapping/>
   </p:clrMapOvr>
+  <p:transition advClick="0"/>
+  <p:timing>
+    <p:tnLst>
+      <p:par>
+        <p:cTn id="1" dur="indefinite" restart="never" nodeType="tmRoot"/>
+      </p:par>
+    </p:tnLst>
+  </p:timing>
 </p:sld>
 </file>
 

--- a/trunk/Immagini/LABHCI-Pagine.pptx
+++ b/trunk/Immagini/LABHCI-Pagine.pptx
@@ -14,19 +14,17 @@
     <p:sldId id="262" r:id="rId8"/>
     <p:sldId id="263" r:id="rId9"/>
     <p:sldId id="264" r:id="rId10"/>
-    <p:sldId id="276" r:id="rId11"/>
-    <p:sldId id="277" r:id="rId12"/>
-    <p:sldId id="265" r:id="rId13"/>
-    <p:sldId id="266" r:id="rId14"/>
-    <p:sldId id="267" r:id="rId15"/>
-    <p:sldId id="268" r:id="rId16"/>
-    <p:sldId id="269" r:id="rId17"/>
-    <p:sldId id="270" r:id="rId18"/>
-    <p:sldId id="271" r:id="rId19"/>
-    <p:sldId id="272" r:id="rId20"/>
-    <p:sldId id="273" r:id="rId21"/>
-    <p:sldId id="274" r:id="rId22"/>
-    <p:sldId id="275" r:id="rId23"/>
+    <p:sldId id="277" r:id="rId11"/>
+    <p:sldId id="265" r:id="rId12"/>
+    <p:sldId id="266" r:id="rId13"/>
+    <p:sldId id="267" r:id="rId14"/>
+    <p:sldId id="269" r:id="rId15"/>
+    <p:sldId id="270" r:id="rId16"/>
+    <p:sldId id="271" r:id="rId17"/>
+    <p:sldId id="272" r:id="rId18"/>
+    <p:sldId id="273" r:id="rId19"/>
+    <p:sldId id="278" r:id="rId20"/>
+    <p:sldId id="279" r:id="rId21"/>
   </p:sldIdLst>
   <p:sldSz cx="9144000" cy="6858000" type="screen4x3"/>
   <p:notesSz cx="6858000" cy="9144000"/>
@@ -310,7 +308,7 @@
             <a:fld id="{C4323EF3-058F-46A2-83C8-B1485068ED3A}" type="datetimeFigureOut">
               <a:rPr lang="it-IT" smtClean="0"/>
               <a:pPr/>
-              <a:t>27/04/2009</a:t>
+              <a:t>05/05/09</a:t>
             </a:fld>
             <a:endParaRPr lang="it-IT"/>
           </a:p>
@@ -478,7 +476,7 @@
             <a:fld id="{C4323EF3-058F-46A2-83C8-B1485068ED3A}" type="datetimeFigureOut">
               <a:rPr lang="it-IT" smtClean="0"/>
               <a:pPr/>
-              <a:t>27/04/2009</a:t>
+              <a:t>05/05/09</a:t>
             </a:fld>
             <a:endParaRPr lang="it-IT"/>
           </a:p>
@@ -656,7 +654,7 @@
             <a:fld id="{C4323EF3-058F-46A2-83C8-B1485068ED3A}" type="datetimeFigureOut">
               <a:rPr lang="it-IT" smtClean="0"/>
               <a:pPr/>
-              <a:t>27/04/2009</a:t>
+              <a:t>05/05/09</a:t>
             </a:fld>
             <a:endParaRPr lang="it-IT"/>
           </a:p>
@@ -824,7 +822,7 @@
             <a:fld id="{C4323EF3-058F-46A2-83C8-B1485068ED3A}" type="datetimeFigureOut">
               <a:rPr lang="it-IT" smtClean="0"/>
               <a:pPr/>
-              <a:t>27/04/2009</a:t>
+              <a:t>05/05/09</a:t>
             </a:fld>
             <a:endParaRPr lang="it-IT"/>
           </a:p>
@@ -1068,7 +1066,7 @@
             <a:fld id="{C4323EF3-058F-46A2-83C8-B1485068ED3A}" type="datetimeFigureOut">
               <a:rPr lang="it-IT" smtClean="0"/>
               <a:pPr/>
-              <a:t>27/04/2009</a:t>
+              <a:t>05/05/09</a:t>
             </a:fld>
             <a:endParaRPr lang="it-IT"/>
           </a:p>
@@ -1354,7 +1352,7 @@
             <a:fld id="{C4323EF3-058F-46A2-83C8-B1485068ED3A}" type="datetimeFigureOut">
               <a:rPr lang="it-IT" smtClean="0"/>
               <a:pPr/>
-              <a:t>27/04/2009</a:t>
+              <a:t>05/05/09</a:t>
             </a:fld>
             <a:endParaRPr lang="it-IT"/>
           </a:p>
@@ -1774,7 +1772,7 @@
             <a:fld id="{C4323EF3-058F-46A2-83C8-B1485068ED3A}" type="datetimeFigureOut">
               <a:rPr lang="it-IT" smtClean="0"/>
               <a:pPr/>
-              <a:t>27/04/2009</a:t>
+              <a:t>05/05/09</a:t>
             </a:fld>
             <a:endParaRPr lang="it-IT"/>
           </a:p>
@@ -1890,7 +1888,7 @@
             <a:fld id="{C4323EF3-058F-46A2-83C8-B1485068ED3A}" type="datetimeFigureOut">
               <a:rPr lang="it-IT" smtClean="0"/>
               <a:pPr/>
-              <a:t>27/04/2009</a:t>
+              <a:t>05/05/09</a:t>
             </a:fld>
             <a:endParaRPr lang="it-IT"/>
           </a:p>
@@ -1983,7 +1981,7 @@
             <a:fld id="{C4323EF3-058F-46A2-83C8-B1485068ED3A}" type="datetimeFigureOut">
               <a:rPr lang="it-IT" smtClean="0"/>
               <a:pPr/>
-              <a:t>27/04/2009</a:t>
+              <a:t>05/05/09</a:t>
             </a:fld>
             <a:endParaRPr lang="it-IT"/>
           </a:p>
@@ -2258,7 +2256,7 @@
             <a:fld id="{C4323EF3-058F-46A2-83C8-B1485068ED3A}" type="datetimeFigureOut">
               <a:rPr lang="it-IT" smtClean="0"/>
               <a:pPr/>
-              <a:t>27/04/2009</a:t>
+              <a:t>05/05/09</a:t>
             </a:fld>
             <a:endParaRPr lang="it-IT"/>
           </a:p>
@@ -2509,7 +2507,7 @@
             <a:fld id="{C4323EF3-058F-46A2-83C8-B1485068ED3A}" type="datetimeFigureOut">
               <a:rPr lang="it-IT" smtClean="0"/>
               <a:pPr/>
-              <a:t>27/04/2009</a:t>
+              <a:t>05/05/09</a:t>
             </a:fld>
             <a:endParaRPr lang="it-IT"/>
           </a:p>
@@ -2720,7 +2718,7 @@
             <a:fld id="{C4323EF3-058F-46A2-83C8-B1485068ED3A}" type="datetimeFigureOut">
               <a:rPr lang="it-IT" smtClean="0"/>
               <a:pPr/>
-              <a:t>27/04/2009</a:t>
+              <a:t>05/05/09</a:t>
             </a:fld>
             <a:endParaRPr lang="it-IT"/>
           </a:p>
@@ -3308,11 +3306,7 @@
           <a:p>
             <a:r>
               <a:rPr lang="it-IT" dirty="0" smtClean="0"/>
-              <a:t>SE SEI GIA’ REGISTRATO EFFETTUA </a:t>
-            </a:r>
-            <a:r>
-              <a:rPr lang="it-IT" dirty="0" smtClean="0"/>
-              <a:t>IL LOGIN</a:t>
+              <a:t>SE SEI GIA’ REGISTRATO EFFETTUA IL LOGIN</a:t>
             </a:r>
             <a:endParaRPr lang="it-IT" dirty="0"/>
           </a:p>
@@ -3479,6 +3473,44 @@
             <a:r>
               <a:rPr lang="it-IT" dirty="0" smtClean="0"/>
               <a:t>LOGIN</a:t>
+            </a:r>
+            <a:endParaRPr lang="it-IT" dirty="0"/>
+          </a:p>
+        </p:txBody>
+      </p:sp>
+      <p:sp>
+        <p:nvSpPr>
+          <p:cNvPr id="16" name="CasellaDiTesto 15"/>
+          <p:cNvSpPr txBox="1"/>
+          <p:nvPr/>
+        </p:nvSpPr>
+        <p:spPr>
+          <a:xfrm>
+            <a:off x="533400" y="5105400"/>
+            <a:ext cx="3107454" cy="369332"/>
+          </a:xfrm>
+          <a:prstGeom prst="rect">
+            <a:avLst/>
+          </a:prstGeom>
+          <a:noFill/>
+        </p:spPr>
+        <p:txBody>
+          <a:bodyPr wrap="none" rtlCol="0">
+            <a:spAutoFit/>
+          </a:bodyPr>
+          <a:lstStyle/>
+          <a:p>
+            <a:r>
+              <a:rPr lang="it-IT" dirty="0" smtClean="0"/>
+              <a:t>ERRORE </a:t>
+            </a:r>
+            <a:r>
+              <a:rPr lang="it-IT" dirty="0" err="1" smtClean="0"/>
+              <a:t>DI</a:t>
+            </a:r>
+            <a:r>
+              <a:rPr lang="it-IT" dirty="0" smtClean="0"/>
+              <a:t> CONFIGURAZIONE!!</a:t>
             </a:r>
             <a:endParaRPr lang="it-IT" dirty="0"/>
           </a:p>
@@ -3534,7 +3566,7 @@
           <a:p>
             <a:r>
               <a:rPr lang="it-IT" dirty="0" smtClean="0"/>
-              <a:t>LISTA GRIGLIE</a:t>
+              <a:t>LISTA POSTER</a:t>
             </a:r>
             <a:endParaRPr lang="it-IT" dirty="0"/>
           </a:p>
@@ -3637,7 +3669,7 @@
           <a:p>
             <a:r>
               <a:rPr lang="it-IT" dirty="0" smtClean="0"/>
-              <a:t>SELEZIONA LA GRIGLIA DALLA LISTA CHE DESIDERI MODIFICARE.</a:t>
+              <a:t>SELEZIONA IL POSTER DALLA LISTA CHE DESIDERI MODIFICARE.</a:t>
             </a:r>
             <a:endParaRPr lang="it-IT" dirty="0"/>
           </a:p>
@@ -3785,145 +3817,26 @@
           <a:p>
             <a:r>
               <a:rPr lang="it-IT" dirty="0" smtClean="0"/>
-              <a:t>LISTA </a:t>
-            </a:r>
-            <a:r>
-              <a:rPr lang="it-IT" dirty="0" smtClean="0"/>
-              <a:t>POSTER</a:t>
-            </a:r>
-            <a:endParaRPr lang="it-IT" dirty="0"/>
-          </a:p>
-        </p:txBody>
-      </p:sp>
-      <p:sp>
-        <p:nvSpPr>
-          <p:cNvPr id="4" name="CasellaDiTesto 3"/>
-          <p:cNvSpPr txBox="1"/>
-          <p:nvPr/>
-        </p:nvSpPr>
-        <p:spPr>
-          <a:xfrm>
-            <a:off x="457200" y="2209800"/>
-            <a:ext cx="8001000" cy="1477328"/>
-          </a:xfrm>
-          <a:prstGeom prst="rect">
-            <a:avLst/>
-          </a:prstGeom>
-          <a:noFill/>
-        </p:spPr>
-        <p:txBody>
-          <a:bodyPr wrap="square" rtlCol="0">
-            <a:spAutoFit/>
-          </a:bodyPr>
-          <a:lstStyle/>
-          <a:p>
-            <a:pPr marL="342900" indent="-342900">
-              <a:buFont typeface="Wingdings" pitchFamily="2" charset="2"/>
-              <a:buChar char="Ø"/>
-            </a:pPr>
-            <a:r>
-              <a:rPr lang="it-IT" dirty="0" smtClean="0"/>
-              <a:t>1</a:t>
-            </a:r>
-          </a:p>
-          <a:p>
-            <a:pPr marL="342900" indent="-342900">
-              <a:buFont typeface="Wingdings" pitchFamily="2" charset="2"/>
-              <a:buChar char="Ø"/>
-            </a:pPr>
-            <a:r>
-              <a:rPr lang="it-IT" dirty="0" smtClean="0"/>
-              <a:t>2</a:t>
-            </a:r>
-          </a:p>
-          <a:p>
-            <a:pPr marL="342900" indent="-342900">
-              <a:buFont typeface="Wingdings" pitchFamily="2" charset="2"/>
-              <a:buChar char="Ø"/>
-            </a:pPr>
-            <a:r>
-              <a:rPr lang="it-IT" dirty="0" smtClean="0"/>
-              <a:t>3</a:t>
-            </a:r>
-          </a:p>
-          <a:p>
-            <a:pPr marL="342900" indent="-342900">
-              <a:buFont typeface="Wingdings" pitchFamily="2" charset="2"/>
-              <a:buChar char="Ø"/>
-            </a:pPr>
-            <a:r>
-              <a:rPr lang="it-IT" dirty="0" smtClean="0"/>
-              <a:t>4</a:t>
-            </a:r>
-          </a:p>
-          <a:p>
-            <a:pPr marL="342900" indent="-342900">
-              <a:buFont typeface="Wingdings" pitchFamily="2" charset="2"/>
-              <a:buChar char="Ø"/>
-            </a:pPr>
-            <a:r>
-              <a:rPr lang="it-IT" dirty="0" smtClean="0"/>
-              <a:t>5</a:t>
-            </a:r>
-          </a:p>
-        </p:txBody>
-      </p:sp>
-      <p:sp>
-        <p:nvSpPr>
-          <p:cNvPr id="5" name="CasellaDiTesto 4"/>
-          <p:cNvSpPr txBox="1"/>
-          <p:nvPr/>
-        </p:nvSpPr>
-        <p:spPr>
-          <a:xfrm>
-            <a:off x="609600" y="1371600"/>
-            <a:ext cx="8077200" cy="381000"/>
-          </a:xfrm>
-          <a:prstGeom prst="rect">
-            <a:avLst/>
-          </a:prstGeom>
-          <a:noFill/>
-        </p:spPr>
-        <p:txBody>
-          <a:bodyPr wrap="square" rtlCol="0">
-            <a:spAutoFit/>
-          </a:bodyPr>
-          <a:lstStyle/>
-          <a:p>
-            <a:r>
-              <a:rPr lang="it-IT" dirty="0" smtClean="0"/>
-              <a:t>SELEZIONA </a:t>
-            </a:r>
-            <a:r>
-              <a:rPr lang="it-IT" dirty="0" smtClean="0"/>
-              <a:t>IL POSTER </a:t>
-            </a:r>
-            <a:r>
-              <a:rPr lang="it-IT" dirty="0" smtClean="0"/>
-              <a:t>DALLA </a:t>
-            </a:r>
-            <a:r>
-              <a:rPr lang="it-IT" dirty="0" smtClean="0"/>
-              <a:t>LISTA CHE DESIDERI MODIFICARE.</a:t>
-            </a:r>
-            <a:endParaRPr lang="it-IT" dirty="0"/>
-          </a:p>
-        </p:txBody>
-      </p:sp>
-      <p:sp>
-        <p:nvSpPr>
-          <p:cNvPr id="6" name="Freccia a sinistra 5">
-            <a:hlinkClick r:id="rId2" action="ppaction://hlinksldjump"/>
+              <a:t>CHILD HOME</a:t>
+            </a:r>
+            <a:endParaRPr lang="it-IT" dirty="0"/>
+          </a:p>
+        </p:txBody>
+      </p:sp>
+      <p:sp>
+        <p:nvSpPr>
+          <p:cNvPr id="6" name="Rettangolo 5">
+            <a:hlinkClick r:id="" action="ppaction://hlinkshowjump?jump=firstslide"/>
           </p:cNvPr>
           <p:cNvSpPr/>
           <p:nvPr/>
         </p:nvSpPr>
         <p:spPr>
           <a:xfrm>
-            <a:off x="5562600" y="5181600"/>
-            <a:ext cx="1371600" cy="685800"/>
-          </a:xfrm>
-          <a:prstGeom prst="leftArrow">
+            <a:off x="7467600" y="533400"/>
+            <a:ext cx="1219200" cy="609600"/>
+          </a:xfrm>
+          <a:prstGeom prst="rect">
             <a:avLst/>
           </a:prstGeom>
         </p:spPr>
@@ -3950,15 +3863,15 @@
             <a:pPr algn="ctr"/>
             <a:r>
               <a:rPr lang="it-IT" dirty="0" smtClean="0"/>
-              <a:t>INDIETRO</a:t>
-            </a:r>
-            <a:endParaRPr lang="it-IT" dirty="0"/>
-          </a:p>
-        </p:txBody>
-      </p:sp>
-      <p:sp>
-        <p:nvSpPr>
-          <p:cNvPr id="7" name="Ovale 6">
+              <a:t>LOGOUT</a:t>
+            </a:r>
+            <a:endParaRPr lang="it-IT" dirty="0"/>
+          </a:p>
+        </p:txBody>
+      </p:sp>
+      <p:sp>
+        <p:nvSpPr>
+          <p:cNvPr id="7" name="Pergamena 1 6">
             <a:hlinkClick r:id="rId2" action="ppaction://hlinksldjump"/>
           </p:cNvPr>
           <p:cNvSpPr/>
@@ -3966,10 +3879,54 @@
         </p:nvSpPr>
         <p:spPr>
           <a:xfrm>
-            <a:off x="1905000" y="5181600"/>
-            <a:ext cx="1905000" cy="685800"/>
-          </a:xfrm>
-          <a:prstGeom prst="ellipse">
+            <a:off x="5715000" y="3124200"/>
+            <a:ext cx="1905000" cy="1524000"/>
+          </a:xfrm>
+          <a:prstGeom prst="verticalScroll">
+            <a:avLst/>
+          </a:prstGeom>
+        </p:spPr>
+        <p:style>
+          <a:lnRef idx="2">
+            <a:schemeClr val="accent6"/>
+          </a:lnRef>
+          <a:fillRef idx="1">
+            <a:schemeClr val="lt1"/>
+          </a:fillRef>
+          <a:effectRef idx="0">
+            <a:schemeClr val="accent6"/>
+          </a:effectRef>
+          <a:fontRef idx="minor">
+            <a:schemeClr val="dk1"/>
+          </a:fontRef>
+        </p:style>
+        <p:txBody>
+          <a:bodyPr rtlCol="0" anchor="ctr"/>
+          <a:lstStyle/>
+          <a:p>
+            <a:pPr algn="ctr"/>
+            <a:r>
+              <a:rPr lang="it-IT" dirty="0" smtClean="0"/>
+              <a:t>FAI PARLARE UN CARTELLONE</a:t>
+            </a:r>
+            <a:endParaRPr lang="it-IT" dirty="0"/>
+          </a:p>
+        </p:txBody>
+      </p:sp>
+      <p:sp>
+        <p:nvSpPr>
+          <p:cNvPr id="8" name="? 7">
+            <a:hlinkClick r:id="" action="ppaction://noaction" highlightClick="1"/>
+          </p:cNvPr>
+          <p:cNvSpPr/>
+          <p:nvPr/>
+        </p:nvSpPr>
+        <p:spPr>
+          <a:xfrm>
+            <a:off x="6781800" y="381000"/>
+            <a:ext cx="609600" cy="838200"/>
+          </a:xfrm>
+          <a:prstGeom prst="actionButtonHelp">
             <a:avLst/>
           </a:prstGeom>
         </p:spPr>
@@ -3994,9 +3951,97 @@
           <a:lstStyle/>
           <a:p>
             <a:pPr algn="ctr"/>
-            <a:r>
-              <a:rPr lang="it-IT" dirty="0" smtClean="0"/>
-              <a:t>ELIMINA</a:t>
+            <a:endParaRPr lang="it-IT"/>
+          </a:p>
+        </p:txBody>
+      </p:sp>
+      <p:sp>
+        <p:nvSpPr>
+          <p:cNvPr id="9" name="Pergamena 1 8">
+            <a:hlinkClick r:id="rId3" action="ppaction://hlinksldjump"/>
+          </p:cNvPr>
+          <p:cNvSpPr/>
+          <p:nvPr/>
+        </p:nvSpPr>
+        <p:spPr>
+          <a:xfrm>
+            <a:off x="1295400" y="2057400"/>
+            <a:ext cx="1828800" cy="1752600"/>
+          </a:xfrm>
+          <a:prstGeom prst="verticalScroll">
+            <a:avLst/>
+          </a:prstGeom>
+        </p:spPr>
+        <p:style>
+          <a:lnRef idx="2">
+            <a:schemeClr val="accent1">
+              <a:shade val="50000"/>
+            </a:schemeClr>
+          </a:lnRef>
+          <a:fillRef idx="1">
+            <a:schemeClr val="accent1"/>
+          </a:fillRef>
+          <a:effectRef idx="0">
+            <a:schemeClr val="accent1"/>
+          </a:effectRef>
+          <a:fontRef idx="minor">
+            <a:schemeClr val="lt1"/>
+          </a:fontRef>
+        </p:style>
+        <p:txBody>
+          <a:bodyPr rtlCol="0" anchor="ctr"/>
+          <a:lstStyle/>
+          <a:p>
+            <a:pPr algn="ctr"/>
+            <a:r>
+              <a:rPr lang="it-IT" dirty="0" smtClean="0"/>
+              <a:t>NUOVO CARTELLONE</a:t>
+            </a:r>
+            <a:endParaRPr lang="it-IT" dirty="0"/>
+          </a:p>
+        </p:txBody>
+      </p:sp>
+      <p:sp>
+        <p:nvSpPr>
+          <p:cNvPr id="10" name="Pergamena 1 9">
+            <a:hlinkClick r:id="rId4" action="ppaction://hlinksldjump"/>
+          </p:cNvPr>
+          <p:cNvSpPr/>
+          <p:nvPr/>
+        </p:nvSpPr>
+        <p:spPr>
+          <a:xfrm>
+            <a:off x="1143000" y="4343400"/>
+            <a:ext cx="1828800" cy="1752600"/>
+          </a:xfrm>
+          <a:prstGeom prst="verticalScroll">
+            <a:avLst/>
+          </a:prstGeom>
+        </p:spPr>
+        <p:style>
+          <a:lnRef idx="2">
+            <a:schemeClr val="accent1">
+              <a:shade val="50000"/>
+            </a:schemeClr>
+          </a:lnRef>
+          <a:fillRef idx="1">
+            <a:schemeClr val="accent1"/>
+          </a:fillRef>
+          <a:effectRef idx="0">
+            <a:schemeClr val="accent1"/>
+          </a:effectRef>
+          <a:fontRef idx="minor">
+            <a:schemeClr val="lt1"/>
+          </a:fontRef>
+        </p:style>
+        <p:txBody>
+          <a:bodyPr rtlCol="0" anchor="ctr"/>
+          <a:lstStyle/>
+          <a:p>
+            <a:pPr algn="ctr"/>
+            <a:r>
+              <a:rPr lang="it-IT" dirty="0" smtClean="0"/>
+              <a:t>MODIFICA CARTELLONE</a:t>
             </a:r>
             <a:endParaRPr lang="it-IT" dirty="0"/>
           </a:p>
@@ -4052,15 +4097,118 @@
           <a:p>
             <a:r>
               <a:rPr lang="it-IT" dirty="0" smtClean="0"/>
-              <a:t>CHILD HOME</a:t>
-            </a:r>
-            <a:endParaRPr lang="it-IT" dirty="0"/>
-          </a:p>
-        </p:txBody>
-      </p:sp>
-      <p:sp>
-        <p:nvSpPr>
-          <p:cNvPr id="4" name="Pergamena 1 3">
+              <a:t>FAI PARLARE CARTELLONE</a:t>
+            </a:r>
+            <a:endParaRPr lang="it-IT" dirty="0"/>
+          </a:p>
+        </p:txBody>
+      </p:sp>
+      <p:sp>
+        <p:nvSpPr>
+          <p:cNvPr id="4" name="CasellaDiTesto 3"/>
+          <p:cNvSpPr txBox="1"/>
+          <p:nvPr/>
+        </p:nvSpPr>
+        <p:spPr>
+          <a:xfrm>
+            <a:off x="457200" y="2209800"/>
+            <a:ext cx="8001000" cy="1477328"/>
+          </a:xfrm>
+          <a:prstGeom prst="rect">
+            <a:avLst/>
+          </a:prstGeom>
+          <a:noFill/>
+        </p:spPr>
+        <p:txBody>
+          <a:bodyPr wrap="square" rtlCol="0">
+            <a:spAutoFit/>
+          </a:bodyPr>
+          <a:lstStyle/>
+          <a:p>
+            <a:pPr marL="342900" indent="-342900">
+              <a:buFont typeface="Wingdings" pitchFamily="2" charset="2"/>
+              <a:buChar char="Ø"/>
+            </a:pPr>
+            <a:r>
+              <a:rPr lang="it-IT" dirty="0" smtClean="0"/>
+              <a:t>1</a:t>
+            </a:r>
+          </a:p>
+          <a:p>
+            <a:pPr marL="342900" indent="-342900">
+              <a:buFont typeface="Wingdings" pitchFamily="2" charset="2"/>
+              <a:buChar char="Ø"/>
+            </a:pPr>
+            <a:r>
+              <a:rPr lang="it-IT" dirty="0" smtClean="0"/>
+              <a:t>2</a:t>
+            </a:r>
+          </a:p>
+          <a:p>
+            <a:pPr marL="342900" indent="-342900">
+              <a:buFont typeface="Wingdings" pitchFamily="2" charset="2"/>
+              <a:buChar char="Ø"/>
+            </a:pPr>
+            <a:r>
+              <a:rPr lang="it-IT" dirty="0" smtClean="0"/>
+              <a:t>3</a:t>
+            </a:r>
+          </a:p>
+          <a:p>
+            <a:pPr marL="342900" indent="-342900">
+              <a:buFont typeface="Wingdings" pitchFamily="2" charset="2"/>
+              <a:buChar char="Ø"/>
+            </a:pPr>
+            <a:r>
+              <a:rPr lang="it-IT" dirty="0" smtClean="0"/>
+              <a:t>4</a:t>
+            </a:r>
+          </a:p>
+          <a:p>
+            <a:pPr marL="342900" indent="-342900">
+              <a:buFont typeface="Wingdings" pitchFamily="2" charset="2"/>
+              <a:buChar char="Ø"/>
+            </a:pPr>
+            <a:r>
+              <a:rPr lang="it-IT" dirty="0" smtClean="0"/>
+              <a:t>5</a:t>
+            </a:r>
+          </a:p>
+        </p:txBody>
+      </p:sp>
+      <p:sp>
+        <p:nvSpPr>
+          <p:cNvPr id="5" name="CasellaDiTesto 4"/>
+          <p:cNvSpPr txBox="1"/>
+          <p:nvPr/>
+        </p:nvSpPr>
+        <p:spPr>
+          <a:xfrm>
+            <a:off x="609600" y="1447800"/>
+            <a:ext cx="8077200" cy="381000"/>
+          </a:xfrm>
+          <a:prstGeom prst="rect">
+            <a:avLst/>
+          </a:prstGeom>
+          <a:noFill/>
+        </p:spPr>
+        <p:txBody>
+          <a:bodyPr wrap="square" rtlCol="0">
+            <a:spAutoFit/>
+          </a:bodyPr>
+          <a:lstStyle/>
+          <a:p>
+            <a:r>
+              <a:rPr lang="it-IT" dirty="0" smtClean="0"/>
+              <a:t>SELEZIONA IL CARTELLONE DALLA LISTA CHE DESIDERI FAR PARLARE.</a:t>
+            </a:r>
+            <a:endParaRPr lang="it-IT" dirty="0"/>
+          </a:p>
+        </p:txBody>
+      </p:sp>
+      <p:sp>
+        <p:nvSpPr>
+          <p:cNvPr id="6" name="Freccia a sinistra 5">
             <a:hlinkClick r:id="rId2" action="ppaction://hlinksldjump"/>
           </p:cNvPr>
           <p:cNvSpPr/>
@@ -4068,10 +4216,10 @@
         </p:nvSpPr>
         <p:spPr>
           <a:xfrm>
-            <a:off x="1066800" y="2743200"/>
-            <a:ext cx="1905000" cy="1600200"/>
-          </a:xfrm>
-          <a:prstGeom prst="verticalScroll">
+            <a:off x="5562600" y="5181600"/>
+            <a:ext cx="1371600" cy="685800"/>
+          </a:xfrm>
+          <a:prstGeom prst="leftArrow">
             <a:avLst/>
           </a:prstGeom>
         </p:spPr>
@@ -4098,26 +4246,26 @@
             <a:pPr algn="ctr"/>
             <a:r>
               <a:rPr lang="it-IT" dirty="0" smtClean="0"/>
-              <a:t>CARTELLONE GRIGLIA</a:t>
-            </a:r>
-            <a:endParaRPr lang="it-IT" dirty="0"/>
-          </a:p>
-        </p:txBody>
-      </p:sp>
-      <p:sp>
-        <p:nvSpPr>
-          <p:cNvPr id="6" name="Rettangolo 5">
-            <a:hlinkClick r:id="" action="ppaction://hlinkshowjump?jump=firstslide"/>
+              <a:t>INDIETRO</a:t>
+            </a:r>
+            <a:endParaRPr lang="it-IT" dirty="0"/>
+          </a:p>
+        </p:txBody>
+      </p:sp>
+      <p:sp>
+        <p:nvSpPr>
+          <p:cNvPr id="7" name="Ovale 6">
+            <a:hlinkClick r:id="rId3" action="ppaction://hlinksldjump"/>
           </p:cNvPr>
           <p:cNvSpPr/>
           <p:nvPr/>
         </p:nvSpPr>
         <p:spPr>
           <a:xfrm>
-            <a:off x="7467600" y="533400"/>
-            <a:ext cx="1219200" cy="609600"/>
-          </a:xfrm>
-          <a:prstGeom prst="rect">
+            <a:off x="1905000" y="5181600"/>
+            <a:ext cx="1905000" cy="685800"/>
+          </a:xfrm>
+          <a:prstGeom prst="ellipse">
             <a:avLst/>
           </a:prstGeom>
         </p:spPr>
@@ -4144,95 +4292,9 @@
             <a:pPr algn="ctr"/>
             <a:r>
               <a:rPr lang="it-IT" dirty="0" smtClean="0"/>
-              <a:t>LOGOUT</a:t>
-            </a:r>
-            <a:endParaRPr lang="it-IT" dirty="0"/>
-          </a:p>
-        </p:txBody>
-      </p:sp>
-      <p:sp>
-        <p:nvSpPr>
-          <p:cNvPr id="7" name="Pergamena 1 6">
-            <a:hlinkClick r:id="rId3" action="ppaction://hlinksldjump"/>
-          </p:cNvPr>
-          <p:cNvSpPr/>
-          <p:nvPr/>
-        </p:nvSpPr>
-        <p:spPr>
-          <a:xfrm>
-            <a:off x="5029200" y="2743200"/>
-            <a:ext cx="1905000" cy="1524000"/>
-          </a:xfrm>
-          <a:prstGeom prst="verticalScroll">
-            <a:avLst/>
-          </a:prstGeom>
-        </p:spPr>
-        <p:style>
-          <a:lnRef idx="2">
-            <a:schemeClr val="accent6"/>
-          </a:lnRef>
-          <a:fillRef idx="1">
-            <a:schemeClr val="lt1"/>
-          </a:fillRef>
-          <a:effectRef idx="0">
-            <a:schemeClr val="accent6"/>
-          </a:effectRef>
-          <a:fontRef idx="minor">
-            <a:schemeClr val="dk1"/>
-          </a:fontRef>
-        </p:style>
-        <p:txBody>
-          <a:bodyPr rtlCol="0" anchor="ctr"/>
-          <a:lstStyle/>
-          <a:p>
-            <a:pPr algn="ctr"/>
-            <a:r>
-              <a:rPr lang="it-IT" dirty="0" smtClean="0"/>
-              <a:t>FAI PARLARE UN CARTELLONE</a:t>
-            </a:r>
-            <a:endParaRPr lang="it-IT" dirty="0"/>
-          </a:p>
-        </p:txBody>
-      </p:sp>
-      <p:sp>
-        <p:nvSpPr>
-          <p:cNvPr id="8" name="? 7">
-            <a:hlinkClick r:id="" action="ppaction://noaction" highlightClick="1"/>
-          </p:cNvPr>
-          <p:cNvSpPr/>
-          <p:nvPr/>
-        </p:nvSpPr>
-        <p:spPr>
-          <a:xfrm>
-            <a:off x="6781800" y="381000"/>
-            <a:ext cx="609600" cy="838200"/>
-          </a:xfrm>
-          <a:prstGeom prst="actionButtonHelp">
-            <a:avLst/>
-          </a:prstGeom>
-        </p:spPr>
-        <p:style>
-          <a:lnRef idx="2">
-            <a:schemeClr val="accent1">
-              <a:shade val="50000"/>
-            </a:schemeClr>
-          </a:lnRef>
-          <a:fillRef idx="1">
-            <a:schemeClr val="accent1"/>
-          </a:fillRef>
-          <a:effectRef idx="0">
-            <a:schemeClr val="accent1"/>
-          </a:effectRef>
-          <a:fontRef idx="minor">
-            <a:schemeClr val="lt1"/>
-          </a:fontRef>
-        </p:style>
-        <p:txBody>
-          <a:bodyPr rtlCol="0" anchor="ctr"/>
-          <a:lstStyle/>
-          <a:p>
-            <a:pPr algn="ctr"/>
-            <a:endParaRPr lang="it-IT"/>
+              <a:t>OK</a:t>
+            </a:r>
+            <a:endParaRPr lang="it-IT" dirty="0"/>
           </a:p>
         </p:txBody>
       </p:sp>
@@ -4279,129 +4341,27 @@
             <p:ph type="title"/>
           </p:nvPr>
         </p:nvSpPr>
-        <p:spPr/>
+        <p:spPr>
+          <a:xfrm>
+            <a:off x="228600" y="304800"/>
+            <a:ext cx="8229600" cy="1143000"/>
+          </a:xfrm>
+        </p:spPr>
         <p:txBody>
           <a:bodyPr/>
           <a:lstStyle/>
           <a:p>
             <a:r>
               <a:rPr lang="it-IT" dirty="0" smtClean="0"/>
-              <a:t>FAI PARLARE </a:t>
-            </a:r>
-            <a:r>
-              <a:rPr lang="it-IT" dirty="0" smtClean="0"/>
-              <a:t>CARTELLONE</a:t>
-            </a:r>
-            <a:endParaRPr lang="it-IT" dirty="0"/>
-          </a:p>
-        </p:txBody>
-      </p:sp>
-      <p:sp>
-        <p:nvSpPr>
-          <p:cNvPr id="4" name="CasellaDiTesto 3"/>
-          <p:cNvSpPr txBox="1"/>
-          <p:nvPr/>
-        </p:nvSpPr>
-        <p:spPr>
-          <a:xfrm>
-            <a:off x="457200" y="2209800"/>
-            <a:ext cx="8001000" cy="1477328"/>
-          </a:xfrm>
-          <a:prstGeom prst="rect">
-            <a:avLst/>
-          </a:prstGeom>
-          <a:noFill/>
-        </p:spPr>
-        <p:txBody>
-          <a:bodyPr wrap="square" rtlCol="0">
-            <a:spAutoFit/>
-          </a:bodyPr>
-          <a:lstStyle/>
-          <a:p>
-            <a:pPr marL="342900" indent="-342900">
-              <a:buFont typeface="Wingdings" pitchFamily="2" charset="2"/>
-              <a:buChar char="Ø"/>
-            </a:pPr>
-            <a:r>
-              <a:rPr lang="it-IT" dirty="0" smtClean="0"/>
-              <a:t>1</a:t>
-            </a:r>
-          </a:p>
-          <a:p>
-            <a:pPr marL="342900" indent="-342900">
-              <a:buFont typeface="Wingdings" pitchFamily="2" charset="2"/>
-              <a:buChar char="Ø"/>
-            </a:pPr>
-            <a:r>
-              <a:rPr lang="it-IT" dirty="0" smtClean="0"/>
-              <a:t>2</a:t>
-            </a:r>
-          </a:p>
-          <a:p>
-            <a:pPr marL="342900" indent="-342900">
-              <a:buFont typeface="Wingdings" pitchFamily="2" charset="2"/>
-              <a:buChar char="Ø"/>
-            </a:pPr>
-            <a:r>
-              <a:rPr lang="it-IT" dirty="0" smtClean="0"/>
-              <a:t>3</a:t>
-            </a:r>
-          </a:p>
-          <a:p>
-            <a:pPr marL="342900" indent="-342900">
-              <a:buFont typeface="Wingdings" pitchFamily="2" charset="2"/>
-              <a:buChar char="Ø"/>
-            </a:pPr>
-            <a:r>
-              <a:rPr lang="it-IT" dirty="0" smtClean="0"/>
-              <a:t>4</a:t>
-            </a:r>
-          </a:p>
-          <a:p>
-            <a:pPr marL="342900" indent="-342900">
-              <a:buFont typeface="Wingdings" pitchFamily="2" charset="2"/>
-              <a:buChar char="Ø"/>
-            </a:pPr>
-            <a:r>
-              <a:rPr lang="it-IT" dirty="0" smtClean="0"/>
-              <a:t>5</a:t>
-            </a:r>
-          </a:p>
-        </p:txBody>
-      </p:sp>
-      <p:sp>
-        <p:nvSpPr>
-          <p:cNvPr id="5" name="CasellaDiTesto 4"/>
-          <p:cNvSpPr txBox="1"/>
-          <p:nvPr/>
-        </p:nvSpPr>
-        <p:spPr>
-          <a:xfrm>
-            <a:off x="609600" y="1447800"/>
-            <a:ext cx="8077200" cy="381000"/>
-          </a:xfrm>
-          <a:prstGeom prst="rect">
-            <a:avLst/>
-          </a:prstGeom>
-          <a:noFill/>
-        </p:spPr>
-        <p:txBody>
-          <a:bodyPr wrap="square" rtlCol="0">
-            <a:spAutoFit/>
-          </a:bodyPr>
-          <a:lstStyle/>
-          <a:p>
-            <a:r>
-              <a:rPr lang="it-IT" dirty="0" smtClean="0"/>
-              <a:t>SELEZIONA IL CARTELLONE DALLA LISTA CHE DESIDERI FAR PARLARE.</a:t>
-            </a:r>
-            <a:endParaRPr lang="it-IT" dirty="0"/>
-          </a:p>
-        </p:txBody>
-      </p:sp>
-      <p:sp>
-        <p:nvSpPr>
-          <p:cNvPr id="6" name="Freccia a sinistra 5">
+              <a:t>ESECUZIONE CARTELLONE</a:t>
+            </a:r>
+            <a:endParaRPr lang="it-IT" dirty="0"/>
+          </a:p>
+        </p:txBody>
+      </p:sp>
+      <p:sp>
+        <p:nvSpPr>
+          <p:cNvPr id="5" name="Freccia a sinistra 4">
             <a:hlinkClick r:id="rId2" action="ppaction://hlinksldjump"/>
           </p:cNvPr>
           <p:cNvSpPr/>
@@ -4409,8 +4369,8 @@
         </p:nvSpPr>
         <p:spPr>
           <a:xfrm>
-            <a:off x="5562600" y="5181600"/>
-            <a:ext cx="1371600" cy="685800"/>
+            <a:off x="3124200" y="5334000"/>
+            <a:ext cx="2590800" cy="914400"/>
           </a:xfrm>
           <a:prstGeom prst="leftArrow">
             <a:avLst/>
@@ -4447,18 +4407,18 @@
       </p:sp>
       <p:sp>
         <p:nvSpPr>
-          <p:cNvPr id="7" name="Ovale 6">
-            <a:hlinkClick r:id="rId3" action="ppaction://hlinksldjump"/>
+          <p:cNvPr id="7" name="Pagina iniziale 6">
+            <a:hlinkClick r:id="rId3" action="ppaction://hlinksldjump" highlightClick="1"/>
           </p:cNvPr>
           <p:cNvSpPr/>
           <p:nvPr/>
         </p:nvSpPr>
         <p:spPr>
           <a:xfrm>
-            <a:off x="1905000" y="5181600"/>
-            <a:ext cx="1905000" cy="685800"/>
-          </a:xfrm>
-          <a:prstGeom prst="ellipse">
+            <a:off x="7696200" y="228600"/>
+            <a:ext cx="1042416" cy="1042416"/>
+          </a:xfrm>
+          <a:prstGeom prst="actionButtonHome">
             <a:avLst/>
           </a:prstGeom>
         </p:spPr>
@@ -4485,9 +4445,49 @@
             <a:pPr algn="ctr"/>
             <a:r>
               <a:rPr lang="it-IT" dirty="0" smtClean="0"/>
-              <a:t>OK</a:t>
-            </a:r>
-            <a:endParaRPr lang="it-IT" dirty="0"/>
+              <a:t>HOME</a:t>
+            </a:r>
+            <a:endParaRPr lang="it-IT" dirty="0"/>
+          </a:p>
+        </p:txBody>
+      </p:sp>
+      <p:sp>
+        <p:nvSpPr>
+          <p:cNvPr id="8" name="Smile 7"/>
+          <p:cNvSpPr/>
+          <p:nvPr/>
+        </p:nvSpPr>
+        <p:spPr>
+          <a:xfrm>
+            <a:off x="2895600" y="1981200"/>
+            <a:ext cx="3124200" cy="2362200"/>
+          </a:xfrm>
+          <a:prstGeom prst="smileyFace">
+            <a:avLst/>
+          </a:prstGeom>
+        </p:spPr>
+        <p:style>
+          <a:lnRef idx="2">
+            <a:schemeClr val="accent3">
+              <a:shade val="50000"/>
+            </a:schemeClr>
+          </a:lnRef>
+          <a:fillRef idx="1">
+            <a:schemeClr val="accent3"/>
+          </a:fillRef>
+          <a:effectRef idx="0">
+            <a:schemeClr val="accent3"/>
+          </a:effectRef>
+          <a:fontRef idx="minor">
+            <a:schemeClr val="lt1"/>
+          </a:fontRef>
+        </p:style>
+        <p:txBody>
+          <a:bodyPr rtlCol="0" anchor="ctr"/>
+          <a:lstStyle/>
+          <a:p>
+            <a:pPr algn="ctr"/>
+            <a:endParaRPr lang="it-IT"/>
           </a:p>
         </p:txBody>
       </p:sp>
@@ -4534,27 +4534,22 @@
             <p:ph type="title"/>
           </p:nvPr>
         </p:nvSpPr>
-        <p:spPr>
-          <a:xfrm>
-            <a:off x="228600" y="304800"/>
-            <a:ext cx="8229600" cy="1143000"/>
-          </a:xfrm>
-        </p:spPr>
+        <p:spPr/>
         <p:txBody>
           <a:bodyPr/>
           <a:lstStyle/>
           <a:p>
             <a:r>
               <a:rPr lang="it-IT" dirty="0" smtClean="0"/>
-              <a:t>ESECUZIONE CARTELLONE</a:t>
-            </a:r>
-            <a:endParaRPr lang="it-IT" dirty="0"/>
-          </a:p>
-        </p:txBody>
-      </p:sp>
-      <p:sp>
-        <p:nvSpPr>
-          <p:cNvPr id="5" name="Freccia a sinistra 4">
+              <a:t>NUOVO CARTELLONE</a:t>
+            </a:r>
+            <a:endParaRPr lang="it-IT" dirty="0"/>
+          </a:p>
+        </p:txBody>
+      </p:sp>
+      <p:sp>
+        <p:nvSpPr>
+          <p:cNvPr id="4" name="Freccia a sinistra 3">
             <a:hlinkClick r:id="rId2" action="ppaction://hlinksldjump"/>
           </p:cNvPr>
           <p:cNvSpPr/>
@@ -4562,8 +4557,8 @@
         </p:nvSpPr>
         <p:spPr>
           <a:xfrm>
-            <a:off x="3124200" y="5334000"/>
-            <a:ext cx="2590800" cy="914400"/>
+            <a:off x="5562600" y="5181600"/>
+            <a:ext cx="1371600" cy="685800"/>
           </a:xfrm>
           <a:prstGeom prst="leftArrow">
             <a:avLst/>
@@ -4600,18 +4595,18 @@
       </p:sp>
       <p:sp>
         <p:nvSpPr>
-          <p:cNvPr id="7" name="Pagina iniziale 6">
-            <a:hlinkClick r:id="rId3" action="ppaction://hlinksldjump" highlightClick="1"/>
+          <p:cNvPr id="5" name="Ovale 4">
+            <a:hlinkClick r:id="rId2" action="ppaction://hlinksldjump"/>
           </p:cNvPr>
           <p:cNvSpPr/>
           <p:nvPr/>
         </p:nvSpPr>
         <p:spPr>
           <a:xfrm>
-            <a:off x="7696200" y="228600"/>
-            <a:ext cx="1042416" cy="1042416"/>
-          </a:xfrm>
-          <a:prstGeom prst="actionButtonHome">
+            <a:off x="1905000" y="5181600"/>
+            <a:ext cx="1905000" cy="685800"/>
+          </a:xfrm>
+          <a:prstGeom prst="ellipse">
             <a:avLst/>
           </a:prstGeom>
         </p:spPr>
@@ -4638,127 +4633,26 @@
             <a:pPr algn="ctr"/>
             <a:r>
               <a:rPr lang="it-IT" dirty="0" smtClean="0"/>
-              <a:t>HOME</a:t>
-            </a:r>
-            <a:endParaRPr lang="it-IT" dirty="0"/>
-          </a:p>
-        </p:txBody>
-      </p:sp>
-      <p:sp>
-        <p:nvSpPr>
-          <p:cNvPr id="8" name="Smile 7"/>
-          <p:cNvSpPr/>
-          <p:nvPr/>
-        </p:nvSpPr>
-        <p:spPr>
-          <a:xfrm>
-            <a:off x="2895600" y="1981200"/>
-            <a:ext cx="3124200" cy="2362200"/>
-          </a:xfrm>
-          <a:prstGeom prst="smileyFace">
-            <a:avLst/>
-          </a:prstGeom>
-        </p:spPr>
-        <p:style>
-          <a:lnRef idx="2">
-            <a:schemeClr val="accent3">
-              <a:shade val="50000"/>
-            </a:schemeClr>
-          </a:lnRef>
-          <a:fillRef idx="1">
-            <a:schemeClr val="accent3"/>
-          </a:fillRef>
-          <a:effectRef idx="0">
-            <a:schemeClr val="accent3"/>
-          </a:effectRef>
-          <a:fontRef idx="minor">
-            <a:schemeClr val="lt1"/>
-          </a:fontRef>
-        </p:style>
-        <p:txBody>
-          <a:bodyPr rtlCol="0" anchor="ctr"/>
-          <a:lstStyle/>
-          <a:p>
-            <a:pPr algn="ctr"/>
-            <a:endParaRPr lang="it-IT"/>
-          </a:p>
-        </p:txBody>
-      </p:sp>
-    </p:spTree>
-  </p:cSld>
-  <p:clrMapOvr>
-    <a:masterClrMapping/>
-  </p:clrMapOvr>
-  <p:transition advClick="0"/>
-  <p:timing>
-    <p:tnLst>
-      <p:par>
-        <p:cTn id="1" dur="indefinite" restart="never" nodeType="tmRoot"/>
-      </p:par>
-    </p:tnLst>
-  </p:timing>
-</p:sld>
-</file>
-
-<file path=ppt/slides/slide15.xml><?xml version="1.0" encoding="utf-8"?>
-<p:sld xmlns:a="http://schemas.openxmlformats.org/drawingml/2006/main" xmlns:r="http://schemas.openxmlformats.org/officeDocument/2006/relationships" xmlns:p="http://schemas.openxmlformats.org/presentationml/2006/main">
-  <p:cSld>
-    <p:spTree>
-      <p:nvGrpSpPr>
-        <p:cNvPr id="1" name=""/>
-        <p:cNvGrpSpPr/>
-        <p:nvPr/>
-      </p:nvGrpSpPr>
-      <p:grpSpPr>
-        <a:xfrm>
-          <a:off x="0" y="0"/>
-          <a:ext cx="0" cy="0"/>
-          <a:chOff x="0" y="0"/>
-          <a:chExt cx="0" cy="0"/>
-        </a:xfrm>
-      </p:grpSpPr>
-      <p:sp>
-        <p:nvSpPr>
-          <p:cNvPr id="16" name="Titolo 1"/>
-          <p:cNvSpPr>
-            <a:spLocks noGrp="1"/>
-          </p:cNvSpPr>
-          <p:nvPr>
-            <p:ph type="title"/>
-          </p:nvPr>
-        </p:nvSpPr>
-        <p:spPr>
-          <a:xfrm>
-            <a:off x="457200" y="274638"/>
-            <a:ext cx="8229600" cy="1143000"/>
-          </a:xfrm>
-        </p:spPr>
-        <p:txBody>
-          <a:bodyPr/>
-          <a:lstStyle/>
-          <a:p>
-            <a:r>
-              <a:rPr lang="it-IT" dirty="0" smtClean="0"/>
-              <a:t>CARTELLONE GRIGLIA</a:t>
-            </a:r>
-            <a:endParaRPr lang="it-IT" dirty="0"/>
-          </a:p>
-        </p:txBody>
-      </p:sp>
-      <p:sp>
-        <p:nvSpPr>
-          <p:cNvPr id="17" name="Freccia a sinistra 16">
-            <a:hlinkClick r:id="rId2" action="ppaction://hlinksldjump"/>
+              <a:t>OK</a:t>
+            </a:r>
+            <a:endParaRPr lang="it-IT" dirty="0"/>
+          </a:p>
+        </p:txBody>
+      </p:sp>
+      <p:sp>
+        <p:nvSpPr>
+          <p:cNvPr id="6" name="Pagina iniziale 5">
+            <a:hlinkClick r:id="" action="ppaction://noaction" highlightClick="1"/>
           </p:cNvPr>
           <p:cNvSpPr/>
           <p:nvPr/>
         </p:nvSpPr>
         <p:spPr>
           <a:xfrm>
-            <a:off x="3352800" y="5181600"/>
-            <a:ext cx="1905000" cy="990600"/>
-          </a:xfrm>
-          <a:prstGeom prst="leftArrow">
+            <a:off x="7696200" y="228600"/>
+            <a:ext cx="1042416" cy="1042416"/>
+          </a:xfrm>
+          <a:prstGeom prst="actionButtonHome">
             <a:avLst/>
           </a:prstGeom>
         </p:spPr>
@@ -4784,294 +4678,8 @@
           <a:p>
             <a:pPr algn="ctr"/>
             <a:r>
-              <a:rPr lang="it-IT" dirty="0" smtClean="0"/>
-              <a:t>INDIETRO</a:t>
-            </a:r>
-            <a:endParaRPr lang="it-IT" dirty="0"/>
-          </a:p>
-        </p:txBody>
-      </p:sp>
-      <p:sp>
-        <p:nvSpPr>
-          <p:cNvPr id="28" name="Pergamena 1 27">
-            <a:hlinkClick r:id="rId3" action="ppaction://hlinksldjump"/>
-          </p:cNvPr>
-          <p:cNvSpPr/>
-          <p:nvPr/>
-        </p:nvSpPr>
-        <p:spPr>
-          <a:xfrm>
-            <a:off x="1676400" y="2286000"/>
-            <a:ext cx="1828800" cy="1752600"/>
-          </a:xfrm>
-          <a:prstGeom prst="verticalScroll">
-            <a:avLst/>
-          </a:prstGeom>
-        </p:spPr>
-        <p:style>
-          <a:lnRef idx="2">
-            <a:schemeClr val="accent1">
-              <a:shade val="50000"/>
-            </a:schemeClr>
-          </a:lnRef>
-          <a:fillRef idx="1">
-            <a:schemeClr val="accent1"/>
-          </a:fillRef>
-          <a:effectRef idx="0">
-            <a:schemeClr val="accent1"/>
-          </a:effectRef>
-          <a:fontRef idx="minor">
-            <a:schemeClr val="lt1"/>
-          </a:fontRef>
-        </p:style>
-        <p:txBody>
-          <a:bodyPr rtlCol="0" anchor="ctr"/>
-          <a:lstStyle/>
-          <a:p>
-            <a:pPr algn="ctr"/>
-            <a:r>
-              <a:rPr lang="it-IT" dirty="0" smtClean="0"/>
-              <a:t>NUOVO CARTELLONE</a:t>
-            </a:r>
-            <a:endParaRPr lang="it-IT" dirty="0"/>
-          </a:p>
-        </p:txBody>
-      </p:sp>
-      <p:sp>
-        <p:nvSpPr>
-          <p:cNvPr id="29" name="Pergamena 1 28">
-            <a:hlinkClick r:id="rId4" action="ppaction://hlinksldjump"/>
-          </p:cNvPr>
-          <p:cNvSpPr/>
-          <p:nvPr/>
-        </p:nvSpPr>
-        <p:spPr>
-          <a:xfrm>
-            <a:off x="5105400" y="2286000"/>
-            <a:ext cx="1828800" cy="1752600"/>
-          </a:xfrm>
-          <a:prstGeom prst="verticalScroll">
-            <a:avLst/>
-          </a:prstGeom>
-        </p:spPr>
-        <p:style>
-          <a:lnRef idx="2">
-            <a:schemeClr val="accent1">
-              <a:shade val="50000"/>
-            </a:schemeClr>
-          </a:lnRef>
-          <a:fillRef idx="1">
-            <a:schemeClr val="accent1"/>
-          </a:fillRef>
-          <a:effectRef idx="0">
-            <a:schemeClr val="accent1"/>
-          </a:effectRef>
-          <a:fontRef idx="minor">
-            <a:schemeClr val="lt1"/>
-          </a:fontRef>
-        </p:style>
-        <p:txBody>
-          <a:bodyPr rtlCol="0" anchor="ctr"/>
-          <a:lstStyle/>
-          <a:p>
-            <a:pPr algn="ctr"/>
-            <a:r>
-              <a:rPr lang="it-IT" dirty="0" smtClean="0"/>
-              <a:t>MODIFICA CARTELLONE</a:t>
-            </a:r>
-            <a:endParaRPr lang="it-IT" dirty="0"/>
-          </a:p>
-        </p:txBody>
-      </p:sp>
-    </p:spTree>
-  </p:cSld>
-  <p:clrMapOvr>
-    <a:masterClrMapping/>
-  </p:clrMapOvr>
-  <p:transition advClick="0"/>
-  <p:timing>
-    <p:tnLst>
-      <p:par>
-        <p:cTn id="1" dur="indefinite" restart="never" nodeType="tmRoot"/>
-      </p:par>
-    </p:tnLst>
-  </p:timing>
-</p:sld>
-</file>
-
-<file path=ppt/slides/slide16.xml><?xml version="1.0" encoding="utf-8"?>
-<p:sld xmlns:a="http://schemas.openxmlformats.org/drawingml/2006/main" xmlns:r="http://schemas.openxmlformats.org/officeDocument/2006/relationships" xmlns:p="http://schemas.openxmlformats.org/presentationml/2006/main">
-  <p:cSld>
-    <p:spTree>
-      <p:nvGrpSpPr>
-        <p:cNvPr id="1" name=""/>
-        <p:cNvGrpSpPr/>
-        <p:nvPr/>
-      </p:nvGrpSpPr>
-      <p:grpSpPr>
-        <a:xfrm>
-          <a:off x="0" y="0"/>
-          <a:ext cx="0" cy="0"/>
-          <a:chOff x="0" y="0"/>
-          <a:chExt cx="0" cy="0"/>
-        </a:xfrm>
-      </p:grpSpPr>
-      <p:sp>
-        <p:nvSpPr>
-          <p:cNvPr id="2" name="Titolo 1"/>
-          <p:cNvSpPr>
-            <a:spLocks noGrp="1"/>
-          </p:cNvSpPr>
-          <p:nvPr>
-            <p:ph type="title"/>
-          </p:nvPr>
-        </p:nvSpPr>
-        <p:spPr/>
-        <p:txBody>
-          <a:bodyPr/>
-          <a:lstStyle/>
-          <a:p>
-            <a:r>
-              <a:rPr lang="it-IT" dirty="0" smtClean="0"/>
-              <a:t>NUOVO CARTELLONE</a:t>
-            </a:r>
-            <a:endParaRPr lang="it-IT" dirty="0"/>
-          </a:p>
-        </p:txBody>
-      </p:sp>
-      <p:sp>
-        <p:nvSpPr>
-          <p:cNvPr id="4" name="Freccia a sinistra 3">
-            <a:hlinkClick r:id="rId2" action="ppaction://hlinksldjump"/>
-          </p:cNvPr>
-          <p:cNvSpPr/>
-          <p:nvPr/>
-        </p:nvSpPr>
-        <p:spPr>
-          <a:xfrm>
-            <a:off x="5562600" y="5181600"/>
-            <a:ext cx="1371600" cy="685800"/>
-          </a:xfrm>
-          <a:prstGeom prst="leftArrow">
-            <a:avLst/>
-          </a:prstGeom>
-        </p:spPr>
-        <p:style>
-          <a:lnRef idx="2">
-            <a:schemeClr val="accent1">
-              <a:shade val="50000"/>
-            </a:schemeClr>
-          </a:lnRef>
-          <a:fillRef idx="1">
-            <a:schemeClr val="accent1"/>
-          </a:fillRef>
-          <a:effectRef idx="0">
-            <a:schemeClr val="accent1"/>
-          </a:effectRef>
-          <a:fontRef idx="minor">
-            <a:schemeClr val="lt1"/>
-          </a:fontRef>
-        </p:style>
-        <p:txBody>
-          <a:bodyPr rtlCol="0" anchor="ctr"/>
-          <a:lstStyle/>
-          <a:p>
-            <a:pPr algn="ctr"/>
-            <a:r>
-              <a:rPr lang="it-IT" dirty="0" smtClean="0"/>
-              <a:t>INDIETRO</a:t>
-            </a:r>
-            <a:endParaRPr lang="it-IT" dirty="0"/>
-          </a:p>
-        </p:txBody>
-      </p:sp>
-      <p:sp>
-        <p:nvSpPr>
-          <p:cNvPr id="5" name="Ovale 4">
-            <a:hlinkClick r:id="rId3" action="ppaction://hlinksldjump"/>
-          </p:cNvPr>
-          <p:cNvSpPr/>
-          <p:nvPr/>
-        </p:nvSpPr>
-        <p:spPr>
-          <a:xfrm>
-            <a:off x="1905000" y="5181600"/>
-            <a:ext cx="1905000" cy="685800"/>
-          </a:xfrm>
-          <a:prstGeom prst="ellipse">
-            <a:avLst/>
-          </a:prstGeom>
-        </p:spPr>
-        <p:style>
-          <a:lnRef idx="2">
-            <a:schemeClr val="accent1">
-              <a:shade val="50000"/>
-            </a:schemeClr>
-          </a:lnRef>
-          <a:fillRef idx="1">
-            <a:schemeClr val="accent1"/>
-          </a:fillRef>
-          <a:effectRef idx="0">
-            <a:schemeClr val="accent1"/>
-          </a:effectRef>
-          <a:fontRef idx="minor">
-            <a:schemeClr val="lt1"/>
-          </a:fontRef>
-        </p:style>
-        <p:txBody>
-          <a:bodyPr rtlCol="0" anchor="ctr"/>
-          <a:lstStyle/>
-          <a:p>
-            <a:pPr algn="ctr"/>
-            <a:r>
-              <a:rPr lang="it-IT" dirty="0" smtClean="0"/>
-              <a:t>OK</a:t>
-            </a:r>
-            <a:endParaRPr lang="it-IT" dirty="0"/>
-          </a:p>
-        </p:txBody>
-      </p:sp>
-      <p:sp>
-        <p:nvSpPr>
-          <p:cNvPr id="6" name="Pagina iniziale 5">
-            <a:hlinkClick r:id="" action="ppaction://noaction" highlightClick="1"/>
-          </p:cNvPr>
-          <p:cNvSpPr/>
-          <p:nvPr/>
-        </p:nvSpPr>
-        <p:spPr>
-          <a:xfrm>
-            <a:off x="7696200" y="228600"/>
-            <a:ext cx="1042416" cy="1042416"/>
-          </a:xfrm>
-          <a:prstGeom prst="actionButtonHome">
-            <a:avLst/>
-          </a:prstGeom>
-        </p:spPr>
-        <p:style>
-          <a:lnRef idx="2">
-            <a:schemeClr val="accent1">
-              <a:shade val="50000"/>
-            </a:schemeClr>
-          </a:lnRef>
-          <a:fillRef idx="1">
-            <a:schemeClr val="accent1"/>
-          </a:fillRef>
-          <a:effectRef idx="0">
-            <a:schemeClr val="accent1"/>
-          </a:effectRef>
-          <a:fontRef idx="minor">
-            <a:schemeClr val="lt1"/>
-          </a:fontRef>
-        </p:style>
-        <p:txBody>
-          <a:bodyPr rtlCol="0" anchor="ctr"/>
-          <a:lstStyle/>
-          <a:p>
-            <a:pPr algn="ctr"/>
-            <a:r>
               <a:rPr lang="it-IT" dirty="0" smtClean="0">
-                <a:hlinkClick r:id="rId4" action="ppaction://hlinksldjump"/>
+                <a:hlinkClick r:id="rId3" action="ppaction://hlinksldjump"/>
               </a:rPr>
               <a:t>HOME</a:t>
             </a:r>
@@ -5088,7 +4696,7 @@
         <p:spPr>
           <a:xfrm>
             <a:off x="685800" y="1600200"/>
-            <a:ext cx="6340838" cy="369332"/>
+            <a:ext cx="7057381" cy="369332"/>
           </a:xfrm>
           <a:prstGeom prst="rect">
             <a:avLst/>
@@ -5103,7 +4711,15 @@
           <a:p>
             <a:r>
               <a:rPr lang="it-IT" dirty="0" smtClean="0"/>
-              <a:t>INSERISCI IL NOME E UNA DESCRIZIONE DEL NUOVO CARTELLONE.</a:t>
+              <a:t>INSERISCI IL NOME E </a:t>
+            </a:r>
+            <a:r>
+              <a:rPr lang="it-IT" dirty="0" smtClean="0"/>
+              <a:t>UNA BREVE </a:t>
+            </a:r>
+            <a:r>
+              <a:rPr lang="it-IT" dirty="0" smtClean="0"/>
+              <a:t>DESCRIZIONE DEL NUOVO CARTELLONE.</a:t>
             </a:r>
             <a:endParaRPr lang="it-IT" dirty="0"/>
           </a:p>
@@ -5243,6 +4859,73 @@
           </a:p>
         </p:txBody>
       </p:sp>
+      <p:graphicFrame>
+        <p:nvGraphicFramePr>
+          <p:cNvPr id="12" name="Tabella 11"/>
+          <p:cNvGraphicFramePr>
+            <a:graphicFrameLocks noGrp="1"/>
+          </p:cNvGraphicFramePr>
+          <p:nvPr/>
+        </p:nvGraphicFramePr>
+        <p:xfrm>
+          <a:off x="2209800" y="3657600"/>
+          <a:ext cx="6096000" cy="365760"/>
+        </p:xfrm>
+        <a:graphic>
+          <a:graphicData uri="http://schemas.openxmlformats.org/drawingml/2006/table">
+            <a:tbl>
+              <a:tblPr firstRow="1" bandRow="1">
+                <a:tableStyleId>{5C22544A-7EE6-4342-B048-85BDC9FD1C3A}</a:tableStyleId>
+              </a:tblPr>
+              <a:tblGrid>
+                <a:gridCol w="6096000"/>
+              </a:tblGrid>
+              <a:tr h="294640">
+                <a:tc>
+                  <a:txBody>
+                    <a:bodyPr/>
+                    <a:lstStyle/>
+                    <a:p>
+                      <a:endParaRPr lang="it-IT" dirty="0"/>
+                    </a:p>
+                  </a:txBody>
+                  <a:tcPr/>
+                </a:tc>
+              </a:tr>
+            </a:tbl>
+          </a:graphicData>
+        </a:graphic>
+      </p:graphicFrame>
+      <p:sp>
+        <p:nvSpPr>
+          <p:cNvPr id="13" name="CasellaDiTesto 12"/>
+          <p:cNvSpPr txBox="1"/>
+          <p:nvPr/>
+        </p:nvSpPr>
+        <p:spPr>
+          <a:xfrm>
+            <a:off x="609600" y="3657600"/>
+            <a:ext cx="1524000" cy="369332"/>
+          </a:xfrm>
+          <a:prstGeom prst="rect">
+            <a:avLst/>
+          </a:prstGeom>
+          <a:noFill/>
+        </p:spPr>
+        <p:txBody>
+          <a:bodyPr wrap="square" rtlCol="0">
+            <a:spAutoFit/>
+          </a:bodyPr>
+          <a:lstStyle/>
+          <a:p>
+            <a:r>
+              <a:rPr lang="it-IT" dirty="0" smtClean="0"/>
+              <a:t>CLASSE</a:t>
+            </a:r>
+            <a:endParaRPr lang="it-IT" dirty="0"/>
+          </a:p>
+        </p:txBody>
+      </p:sp>
     </p:spTree>
   </p:cSld>
   <p:clrMapOvr>
@@ -5259,7 +4942,7 @@
 </p:sld>
 </file>
 
-<file path=ppt/slides/slide17.xml><?xml version="1.0" encoding="utf-8"?>
+<file path=ppt/slides/slide15.xml><?xml version="1.0" encoding="utf-8"?>
 <p:sld xmlns:a="http://schemas.openxmlformats.org/drawingml/2006/main" xmlns:r="http://schemas.openxmlformats.org/officeDocument/2006/relationships" xmlns:p="http://schemas.openxmlformats.org/presentationml/2006/main">
   <p:cSld>
     <p:spTree>
@@ -5445,7 +5128,7 @@
         </p:nvSpPr>
         <p:spPr>
           <a:xfrm>
-            <a:off x="457200" y="2209800"/>
+            <a:off x="457200" y="2819400"/>
             <a:ext cx="8001000" cy="1477328"/>
           </a:xfrm>
           <a:prstGeom prst="rect">
@@ -5534,7 +5217,75 @@
           <a:p>
             <a:r>
               <a:rPr lang="it-IT" dirty="0" smtClean="0"/>
-              <a:t>SELEZIONA LA GRIGLIA SU CUI VUOI COSTRUIRE IL CARTELLONE.</a:t>
+              <a:t>SELEZIONA LA GRIGLIA </a:t>
+            </a:r>
+            <a:r>
+              <a:rPr lang="it-IT" dirty="0" smtClean="0"/>
+              <a:t>CHE VUOI USARE PER IL TUO CARTELLONE</a:t>
+            </a:r>
+            <a:r>
+              <a:rPr lang="it-IT" dirty="0" smtClean="0"/>
+              <a:t>.</a:t>
+            </a:r>
+            <a:endParaRPr lang="it-IT" dirty="0"/>
+          </a:p>
+        </p:txBody>
+      </p:sp>
+      <p:sp>
+        <p:nvSpPr>
+          <p:cNvPr id="9" name="CasellaDiTesto 8"/>
+          <p:cNvSpPr txBox="1"/>
+          <p:nvPr/>
+        </p:nvSpPr>
+        <p:spPr>
+          <a:xfrm>
+            <a:off x="1981200" y="2057400"/>
+            <a:ext cx="838200" cy="369332"/>
+          </a:xfrm>
+          <a:prstGeom prst="rect">
+            <a:avLst/>
+          </a:prstGeom>
+          <a:noFill/>
+        </p:spPr>
+        <p:txBody>
+          <a:bodyPr wrap="square" rtlCol="0">
+            <a:spAutoFit/>
+          </a:bodyPr>
+          <a:lstStyle/>
+          <a:p>
+            <a:r>
+              <a:rPr lang="it-IT" dirty="0" smtClean="0"/>
+              <a:t>NOME</a:t>
+            </a:r>
+            <a:endParaRPr lang="it-IT" dirty="0"/>
+          </a:p>
+        </p:txBody>
+      </p:sp>
+      <p:sp>
+        <p:nvSpPr>
+          <p:cNvPr id="10" name="CasellaDiTesto 9"/>
+          <p:cNvSpPr txBox="1"/>
+          <p:nvPr/>
+        </p:nvSpPr>
+        <p:spPr>
+          <a:xfrm>
+            <a:off x="3276600" y="2057400"/>
+            <a:ext cx="1447800" cy="369332"/>
+          </a:xfrm>
+          <a:prstGeom prst="rect">
+            <a:avLst/>
+          </a:prstGeom>
+          <a:noFill/>
+        </p:spPr>
+        <p:txBody>
+          <a:bodyPr wrap="square" rtlCol="0">
+            <a:spAutoFit/>
+          </a:bodyPr>
+          <a:lstStyle/>
+          <a:p>
+            <a:r>
+              <a:rPr lang="it-IT" dirty="0" smtClean="0"/>
+              <a:t>DIMENSIONE</a:t>
             </a:r>
             <a:endParaRPr lang="it-IT" dirty="0"/>
           </a:p>
@@ -5556,7 +5307,7 @@
 </p:sld>
 </file>
 
-<file path=ppt/slides/slide18.xml><?xml version="1.0" encoding="utf-8"?>
+<file path=ppt/slides/slide16.xml><?xml version="1.0" encoding="utf-8"?>
 <p:sld xmlns:a="http://schemas.openxmlformats.org/drawingml/2006/main" xmlns:r="http://schemas.openxmlformats.org/officeDocument/2006/relationships" xmlns:p="http://schemas.openxmlformats.org/presentationml/2006/main">
   <p:cSld>
     <p:spTree>
@@ -5696,7 +5447,7 @@
       <p:sp>
         <p:nvSpPr>
           <p:cNvPr id="10" name="Ovale 9">
-            <a:hlinkClick r:id="rId4" action="ppaction://hlinksldjump"/>
+            <a:hlinkClick r:id="rId3" action="ppaction://hlinksldjump"/>
           </p:cNvPr>
           <p:cNvSpPr/>
           <p:nvPr/>
@@ -6063,7 +5814,7 @@
         </p:nvSpPr>
         <p:spPr>
           <a:xfrm>
-            <a:off x="304799" y="4953000"/>
+            <a:off x="381000" y="5638800"/>
             <a:ext cx="6482800" cy="369332"/>
           </a:xfrm>
           <a:prstGeom prst="rect">
@@ -6093,7 +5844,7 @@
         </p:nvSpPr>
         <p:spPr>
           <a:xfrm>
-            <a:off x="304799" y="5410200"/>
+            <a:off x="304800" y="4800600"/>
             <a:ext cx="8028352" cy="369332"/>
           </a:xfrm>
           <a:prstGeom prst="rect">
@@ -6133,7 +5884,7 @@
         </p:nvSpPr>
         <p:spPr>
           <a:xfrm>
-            <a:off x="609599" y="5867400"/>
+            <a:off x="609600" y="5257800"/>
             <a:ext cx="304800" cy="304800"/>
           </a:xfrm>
           <a:prstGeom prst="actionButtonForwardNext">
@@ -6173,7 +5924,7 @@
         </p:nvSpPr>
         <p:spPr>
           <a:xfrm>
-            <a:off x="1295399" y="5867400"/>
+            <a:off x="1295400" y="5257800"/>
             <a:ext cx="304800" cy="304800"/>
           </a:xfrm>
           <a:prstGeom prst="bevel">
@@ -6208,7 +5959,7 @@
       <p:sp>
         <p:nvSpPr>
           <p:cNvPr id="23" name="Ovale 22">
-            <a:hlinkClick r:id="rId5" action="ppaction://hlinksldjump"/>
+            <a:hlinkClick r:id="rId4" action="ppaction://hlinksldjump"/>
           </p:cNvPr>
           <p:cNvSpPr/>
           <p:nvPr/>
@@ -6290,6 +6041,999 @@
           <a:p>
             <a:pPr algn="ctr"/>
             <a:endParaRPr lang="it-IT"/>
+          </a:p>
+        </p:txBody>
+      </p:sp>
+    </p:spTree>
+  </p:cSld>
+  <p:clrMapOvr>
+    <a:masterClrMapping/>
+  </p:clrMapOvr>
+  <p:transition advClick="0"/>
+  <p:timing>
+    <p:tnLst>
+      <p:par>
+        <p:cTn id="1" dur="indefinite" restart="never" nodeType="tmRoot"/>
+      </p:par>
+    </p:tnLst>
+  </p:timing>
+</p:sld>
+</file>
+
+<file path=ppt/slides/slide17.xml><?xml version="1.0" encoding="utf-8"?>
+<p:sld xmlns:a="http://schemas.openxmlformats.org/drawingml/2006/main" xmlns:r="http://schemas.openxmlformats.org/officeDocument/2006/relationships" xmlns:p="http://schemas.openxmlformats.org/presentationml/2006/main">
+  <p:cSld>
+    <p:spTree>
+      <p:nvGrpSpPr>
+        <p:cNvPr id="1" name=""/>
+        <p:cNvGrpSpPr/>
+        <p:nvPr/>
+      </p:nvGrpSpPr>
+      <p:grpSpPr>
+        <a:xfrm>
+          <a:off x="0" y="0"/>
+          <a:ext cx="0" cy="0"/>
+          <a:chOff x="0" y="0"/>
+          <a:chExt cx="0" cy="0"/>
+        </a:xfrm>
+      </p:grpSpPr>
+      <p:sp>
+        <p:nvSpPr>
+          <p:cNvPr id="2" name="Titolo 1"/>
+          <p:cNvSpPr>
+            <a:spLocks noGrp="1"/>
+          </p:cNvSpPr>
+          <p:nvPr>
+            <p:ph type="title"/>
+          </p:nvPr>
+        </p:nvSpPr>
+        <p:spPr>
+          <a:xfrm>
+            <a:off x="-838200" y="152400"/>
+            <a:ext cx="8229600" cy="1143000"/>
+          </a:xfrm>
+        </p:spPr>
+        <p:txBody>
+          <a:bodyPr/>
+          <a:lstStyle/>
+          <a:p>
+            <a:r>
+              <a:rPr lang="it-IT" dirty="0" smtClean="0"/>
+              <a:t>AGGIUNGI COMPONENTE</a:t>
+            </a:r>
+            <a:endParaRPr lang="it-IT" dirty="0"/>
+          </a:p>
+        </p:txBody>
+      </p:sp>
+      <p:sp>
+        <p:nvSpPr>
+          <p:cNvPr id="4" name="CasellaDiTesto 3"/>
+          <p:cNvSpPr txBox="1"/>
+          <p:nvPr/>
+        </p:nvSpPr>
+        <p:spPr>
+          <a:xfrm>
+            <a:off x="304800" y="1600200"/>
+            <a:ext cx="8161721" cy="369332"/>
+          </a:xfrm>
+          <a:prstGeom prst="rect">
+            <a:avLst/>
+          </a:prstGeom>
+          <a:noFill/>
+        </p:spPr>
+        <p:txBody>
+          <a:bodyPr wrap="none" rtlCol="0">
+            <a:spAutoFit/>
+          </a:bodyPr>
+          <a:lstStyle/>
+          <a:p>
+            <a:r>
+              <a:rPr lang="it-IT" dirty="0" smtClean="0"/>
+              <a:t>DAI UN NOME AL NUOVO COMPONENTE E CERCA IL SUONO O IL VIDEO DA INSERIRE.</a:t>
+            </a:r>
+            <a:endParaRPr lang="it-IT" dirty="0"/>
+          </a:p>
+        </p:txBody>
+      </p:sp>
+      <p:graphicFrame>
+        <p:nvGraphicFramePr>
+          <p:cNvPr id="5" name="Tabella 4"/>
+          <p:cNvGraphicFramePr>
+            <a:graphicFrameLocks noGrp="1"/>
+          </p:cNvGraphicFramePr>
+          <p:nvPr/>
+        </p:nvGraphicFramePr>
+        <p:xfrm>
+          <a:off x="2209800" y="2133600"/>
+          <a:ext cx="6096000" cy="365760"/>
+        </p:xfrm>
+        <a:graphic>
+          <a:graphicData uri="http://schemas.openxmlformats.org/drawingml/2006/table">
+            <a:tbl>
+              <a:tblPr firstRow="1" bandRow="1">
+                <a:tableStyleId>{5C22544A-7EE6-4342-B048-85BDC9FD1C3A}</a:tableStyleId>
+              </a:tblPr>
+              <a:tblGrid>
+                <a:gridCol w="6096000"/>
+              </a:tblGrid>
+              <a:tr h="294640">
+                <a:tc>
+                  <a:txBody>
+                    <a:bodyPr/>
+                    <a:lstStyle/>
+                    <a:p>
+                      <a:endParaRPr lang="it-IT" dirty="0"/>
+                    </a:p>
+                  </a:txBody>
+                  <a:tcPr/>
+                </a:tc>
+              </a:tr>
+            </a:tbl>
+          </a:graphicData>
+        </a:graphic>
+      </p:graphicFrame>
+      <p:graphicFrame>
+        <p:nvGraphicFramePr>
+          <p:cNvPr id="6" name="Tabella 5"/>
+          <p:cNvGraphicFramePr>
+            <a:graphicFrameLocks noGrp="1"/>
+          </p:cNvGraphicFramePr>
+          <p:nvPr/>
+        </p:nvGraphicFramePr>
+        <p:xfrm>
+          <a:off x="2209800" y="2743200"/>
+          <a:ext cx="6096000" cy="365760"/>
+        </p:xfrm>
+        <a:graphic>
+          <a:graphicData uri="http://schemas.openxmlformats.org/drawingml/2006/table">
+            <a:tbl>
+              <a:tblPr firstRow="1" bandRow="1">
+                <a:tableStyleId>{5C22544A-7EE6-4342-B048-85BDC9FD1C3A}</a:tableStyleId>
+              </a:tblPr>
+              <a:tblGrid>
+                <a:gridCol w="6096000"/>
+              </a:tblGrid>
+              <a:tr h="294640">
+                <a:tc>
+                  <a:txBody>
+                    <a:bodyPr/>
+                    <a:lstStyle/>
+                    <a:p>
+                      <a:endParaRPr lang="it-IT" dirty="0"/>
+                    </a:p>
+                  </a:txBody>
+                  <a:tcPr/>
+                </a:tc>
+              </a:tr>
+            </a:tbl>
+          </a:graphicData>
+        </a:graphic>
+      </p:graphicFrame>
+      <p:sp>
+        <p:nvSpPr>
+          <p:cNvPr id="7" name="CasellaDiTesto 6"/>
+          <p:cNvSpPr txBox="1"/>
+          <p:nvPr/>
+        </p:nvSpPr>
+        <p:spPr>
+          <a:xfrm>
+            <a:off x="609600" y="2133600"/>
+            <a:ext cx="1371600" cy="369332"/>
+          </a:xfrm>
+          <a:prstGeom prst="rect">
+            <a:avLst/>
+          </a:prstGeom>
+          <a:noFill/>
+        </p:spPr>
+        <p:txBody>
+          <a:bodyPr wrap="square" rtlCol="0">
+            <a:spAutoFit/>
+          </a:bodyPr>
+          <a:lstStyle/>
+          <a:p>
+            <a:r>
+              <a:rPr lang="it-IT" dirty="0" smtClean="0"/>
+              <a:t>NOME</a:t>
+            </a:r>
+            <a:endParaRPr lang="it-IT" dirty="0"/>
+          </a:p>
+        </p:txBody>
+      </p:sp>
+      <p:sp>
+        <p:nvSpPr>
+          <p:cNvPr id="8" name="CasellaDiTesto 7"/>
+          <p:cNvSpPr txBox="1"/>
+          <p:nvPr/>
+        </p:nvSpPr>
+        <p:spPr>
+          <a:xfrm>
+            <a:off x="609600" y="2743200"/>
+            <a:ext cx="1524000" cy="369332"/>
+          </a:xfrm>
+          <a:prstGeom prst="rect">
+            <a:avLst/>
+          </a:prstGeom>
+          <a:noFill/>
+        </p:spPr>
+        <p:txBody>
+          <a:bodyPr wrap="square" rtlCol="0">
+            <a:spAutoFit/>
+          </a:bodyPr>
+          <a:lstStyle/>
+          <a:p>
+            <a:r>
+              <a:rPr lang="it-IT" dirty="0" smtClean="0"/>
+              <a:t>SUONO</a:t>
+            </a:r>
+            <a:endParaRPr lang="it-IT" dirty="0"/>
+          </a:p>
+        </p:txBody>
+      </p:sp>
+      <p:graphicFrame>
+        <p:nvGraphicFramePr>
+          <p:cNvPr id="9" name="Tabella 8"/>
+          <p:cNvGraphicFramePr>
+            <a:graphicFrameLocks noGrp="1"/>
+          </p:cNvGraphicFramePr>
+          <p:nvPr/>
+        </p:nvGraphicFramePr>
+        <p:xfrm>
+          <a:off x="2209800" y="3352800"/>
+          <a:ext cx="6096000" cy="365760"/>
+        </p:xfrm>
+        <a:graphic>
+          <a:graphicData uri="http://schemas.openxmlformats.org/drawingml/2006/table">
+            <a:tbl>
+              <a:tblPr firstRow="1" bandRow="1">
+                <a:tableStyleId>{5C22544A-7EE6-4342-B048-85BDC9FD1C3A}</a:tableStyleId>
+              </a:tblPr>
+              <a:tblGrid>
+                <a:gridCol w="6096000"/>
+              </a:tblGrid>
+              <a:tr h="294640">
+                <a:tc>
+                  <a:txBody>
+                    <a:bodyPr/>
+                    <a:lstStyle/>
+                    <a:p>
+                      <a:endParaRPr lang="it-IT" dirty="0"/>
+                    </a:p>
+                  </a:txBody>
+                  <a:tcPr/>
+                </a:tc>
+              </a:tr>
+            </a:tbl>
+          </a:graphicData>
+        </a:graphic>
+      </p:graphicFrame>
+      <p:graphicFrame>
+        <p:nvGraphicFramePr>
+          <p:cNvPr id="10" name="Tabella 9"/>
+          <p:cNvGraphicFramePr>
+            <a:graphicFrameLocks noGrp="1"/>
+          </p:cNvGraphicFramePr>
+          <p:nvPr/>
+        </p:nvGraphicFramePr>
+        <p:xfrm>
+          <a:off x="2209800" y="4572000"/>
+          <a:ext cx="6096000" cy="365760"/>
+        </p:xfrm>
+        <a:graphic>
+          <a:graphicData uri="http://schemas.openxmlformats.org/drawingml/2006/table">
+            <a:tbl>
+              <a:tblPr firstRow="1" bandRow="1">
+                <a:tableStyleId>{5C22544A-7EE6-4342-B048-85BDC9FD1C3A}</a:tableStyleId>
+              </a:tblPr>
+              <a:tblGrid>
+                <a:gridCol w="6096000"/>
+              </a:tblGrid>
+              <a:tr h="294640">
+                <a:tc>
+                  <a:txBody>
+                    <a:bodyPr/>
+                    <a:lstStyle/>
+                    <a:p>
+                      <a:endParaRPr lang="it-IT" dirty="0"/>
+                    </a:p>
+                  </a:txBody>
+                  <a:tcPr/>
+                </a:tc>
+              </a:tr>
+            </a:tbl>
+          </a:graphicData>
+        </a:graphic>
+      </p:graphicFrame>
+      <p:sp>
+        <p:nvSpPr>
+          <p:cNvPr id="11" name="CasellaDiTesto 10"/>
+          <p:cNvSpPr txBox="1"/>
+          <p:nvPr/>
+        </p:nvSpPr>
+        <p:spPr>
+          <a:xfrm>
+            <a:off x="609600" y="3352800"/>
+            <a:ext cx="1371600" cy="369332"/>
+          </a:xfrm>
+          <a:prstGeom prst="rect">
+            <a:avLst/>
+          </a:prstGeom>
+          <a:noFill/>
+        </p:spPr>
+        <p:txBody>
+          <a:bodyPr wrap="square" rtlCol="0">
+            <a:spAutoFit/>
+          </a:bodyPr>
+          <a:lstStyle/>
+          <a:p>
+            <a:r>
+              <a:rPr lang="it-IT" dirty="0" smtClean="0"/>
+              <a:t>VIDEO</a:t>
+            </a:r>
+            <a:endParaRPr lang="it-IT" dirty="0"/>
+          </a:p>
+        </p:txBody>
+      </p:sp>
+      <p:sp>
+        <p:nvSpPr>
+          <p:cNvPr id="12" name="CasellaDiTesto 11"/>
+          <p:cNvSpPr txBox="1"/>
+          <p:nvPr/>
+        </p:nvSpPr>
+        <p:spPr>
+          <a:xfrm>
+            <a:off x="609600" y="4572000"/>
+            <a:ext cx="1524000" cy="369332"/>
+          </a:xfrm>
+          <a:prstGeom prst="rect">
+            <a:avLst/>
+          </a:prstGeom>
+          <a:noFill/>
+        </p:spPr>
+        <p:txBody>
+          <a:bodyPr wrap="square" rtlCol="0">
+            <a:spAutoFit/>
+          </a:bodyPr>
+          <a:lstStyle/>
+          <a:p>
+            <a:r>
+              <a:rPr lang="it-IT" dirty="0" smtClean="0"/>
+              <a:t>IMMAGINE</a:t>
+            </a:r>
+            <a:endParaRPr lang="it-IT" dirty="0"/>
+          </a:p>
+        </p:txBody>
+      </p:sp>
+      <p:graphicFrame>
+        <p:nvGraphicFramePr>
+          <p:cNvPr id="13" name="Tabella 12"/>
+          <p:cNvGraphicFramePr>
+            <a:graphicFrameLocks noGrp="1"/>
+          </p:cNvGraphicFramePr>
+          <p:nvPr/>
+        </p:nvGraphicFramePr>
+        <p:xfrm>
+          <a:off x="2209800" y="5181600"/>
+          <a:ext cx="6096000" cy="365760"/>
+        </p:xfrm>
+        <a:graphic>
+          <a:graphicData uri="http://schemas.openxmlformats.org/drawingml/2006/table">
+            <a:tbl>
+              <a:tblPr firstRow="1" bandRow="1">
+                <a:tableStyleId>{5C22544A-7EE6-4342-B048-85BDC9FD1C3A}</a:tableStyleId>
+              </a:tblPr>
+              <a:tblGrid>
+                <a:gridCol w="6096000"/>
+              </a:tblGrid>
+              <a:tr h="294640">
+                <a:tc>
+                  <a:txBody>
+                    <a:bodyPr/>
+                    <a:lstStyle/>
+                    <a:p>
+                      <a:endParaRPr lang="it-IT" dirty="0"/>
+                    </a:p>
+                  </a:txBody>
+                  <a:tcPr/>
+                </a:tc>
+              </a:tr>
+            </a:tbl>
+          </a:graphicData>
+        </a:graphic>
+      </p:graphicFrame>
+      <p:sp>
+        <p:nvSpPr>
+          <p:cNvPr id="14" name="CasellaDiTesto 13"/>
+          <p:cNvSpPr txBox="1"/>
+          <p:nvPr/>
+        </p:nvSpPr>
+        <p:spPr>
+          <a:xfrm>
+            <a:off x="609600" y="5181600"/>
+            <a:ext cx="1524000" cy="369332"/>
+          </a:xfrm>
+          <a:prstGeom prst="rect">
+            <a:avLst/>
+          </a:prstGeom>
+          <a:noFill/>
+        </p:spPr>
+        <p:txBody>
+          <a:bodyPr wrap="square" rtlCol="0">
+            <a:spAutoFit/>
+          </a:bodyPr>
+          <a:lstStyle/>
+          <a:p>
+            <a:r>
+              <a:rPr lang="it-IT" dirty="0" smtClean="0"/>
+              <a:t>TESTO</a:t>
+            </a:r>
+            <a:endParaRPr lang="it-IT" dirty="0"/>
+          </a:p>
+        </p:txBody>
+      </p:sp>
+      <p:sp>
+        <p:nvSpPr>
+          <p:cNvPr id="17" name="Pagina iniziale 16">
+            <a:hlinkClick r:id="rId2" action="ppaction://hlinksldjump" highlightClick="1"/>
+          </p:cNvPr>
+          <p:cNvSpPr/>
+          <p:nvPr/>
+        </p:nvSpPr>
+        <p:spPr>
+          <a:xfrm>
+            <a:off x="7696200" y="228600"/>
+            <a:ext cx="1042416" cy="1042416"/>
+          </a:xfrm>
+          <a:prstGeom prst="actionButtonHome">
+            <a:avLst/>
+          </a:prstGeom>
+        </p:spPr>
+        <p:style>
+          <a:lnRef idx="2">
+            <a:schemeClr val="accent1">
+              <a:shade val="50000"/>
+            </a:schemeClr>
+          </a:lnRef>
+          <a:fillRef idx="1">
+            <a:schemeClr val="accent1"/>
+          </a:fillRef>
+          <a:effectRef idx="0">
+            <a:schemeClr val="accent1"/>
+          </a:effectRef>
+          <a:fontRef idx="minor">
+            <a:schemeClr val="lt1"/>
+          </a:fontRef>
+        </p:style>
+        <p:txBody>
+          <a:bodyPr rtlCol="0" anchor="ctr"/>
+          <a:lstStyle/>
+          <a:p>
+            <a:pPr algn="ctr"/>
+            <a:r>
+              <a:rPr lang="it-IT" dirty="0" smtClean="0"/>
+              <a:t>HOME</a:t>
+            </a:r>
+            <a:endParaRPr lang="it-IT" dirty="0"/>
+          </a:p>
+        </p:txBody>
+      </p:sp>
+      <p:sp>
+        <p:nvSpPr>
+          <p:cNvPr id="18" name="Freccia a sinistra 17">
+            <a:hlinkClick r:id="rId3" action="ppaction://hlinksldjump"/>
+          </p:cNvPr>
+          <p:cNvSpPr/>
+          <p:nvPr/>
+        </p:nvSpPr>
+        <p:spPr>
+          <a:xfrm>
+            <a:off x="5638800" y="6019800"/>
+            <a:ext cx="1371600" cy="685800"/>
+          </a:xfrm>
+          <a:prstGeom prst="leftArrow">
+            <a:avLst/>
+          </a:prstGeom>
+        </p:spPr>
+        <p:style>
+          <a:lnRef idx="2">
+            <a:schemeClr val="accent1">
+              <a:shade val="50000"/>
+            </a:schemeClr>
+          </a:lnRef>
+          <a:fillRef idx="1">
+            <a:schemeClr val="accent1"/>
+          </a:fillRef>
+          <a:effectRef idx="0">
+            <a:schemeClr val="accent1"/>
+          </a:effectRef>
+          <a:fontRef idx="minor">
+            <a:schemeClr val="lt1"/>
+          </a:fontRef>
+        </p:style>
+        <p:txBody>
+          <a:bodyPr rtlCol="0" anchor="ctr"/>
+          <a:lstStyle/>
+          <a:p>
+            <a:pPr algn="ctr"/>
+            <a:r>
+              <a:rPr lang="it-IT" dirty="0" smtClean="0"/>
+              <a:t>INDIETRO</a:t>
+            </a:r>
+            <a:endParaRPr lang="it-IT" dirty="0"/>
+          </a:p>
+        </p:txBody>
+      </p:sp>
+      <p:sp>
+        <p:nvSpPr>
+          <p:cNvPr id="19" name="Ovale 18">
+            <a:hlinkClick r:id="rId3" action="ppaction://hlinksldjump"/>
+          </p:cNvPr>
+          <p:cNvSpPr/>
+          <p:nvPr/>
+        </p:nvSpPr>
+        <p:spPr>
+          <a:xfrm>
+            <a:off x="1981200" y="6019800"/>
+            <a:ext cx="1905000" cy="685800"/>
+          </a:xfrm>
+          <a:prstGeom prst="ellipse">
+            <a:avLst/>
+          </a:prstGeom>
+        </p:spPr>
+        <p:style>
+          <a:lnRef idx="2">
+            <a:schemeClr val="accent1">
+              <a:shade val="50000"/>
+            </a:schemeClr>
+          </a:lnRef>
+          <a:fillRef idx="1">
+            <a:schemeClr val="accent1"/>
+          </a:fillRef>
+          <a:effectRef idx="0">
+            <a:schemeClr val="accent1"/>
+          </a:effectRef>
+          <a:fontRef idx="minor">
+            <a:schemeClr val="lt1"/>
+          </a:fontRef>
+        </p:style>
+        <p:txBody>
+          <a:bodyPr rtlCol="0" anchor="ctr"/>
+          <a:lstStyle/>
+          <a:p>
+            <a:pPr algn="ctr"/>
+            <a:r>
+              <a:rPr lang="it-IT" dirty="0" smtClean="0"/>
+              <a:t>OK</a:t>
+            </a:r>
+            <a:endParaRPr lang="it-IT" dirty="0"/>
+          </a:p>
+        </p:txBody>
+      </p:sp>
+      <p:sp>
+        <p:nvSpPr>
+          <p:cNvPr id="20" name="? 19">
+            <a:hlinkClick r:id="" action="ppaction://noaction" highlightClick="1"/>
+          </p:cNvPr>
+          <p:cNvSpPr/>
+          <p:nvPr/>
+        </p:nvSpPr>
+        <p:spPr>
+          <a:xfrm>
+            <a:off x="7010400" y="304800"/>
+            <a:ext cx="609600" cy="838200"/>
+          </a:xfrm>
+          <a:prstGeom prst="actionButtonHelp">
+            <a:avLst/>
+          </a:prstGeom>
+        </p:spPr>
+        <p:style>
+          <a:lnRef idx="2">
+            <a:schemeClr val="accent1">
+              <a:shade val="50000"/>
+            </a:schemeClr>
+          </a:lnRef>
+          <a:fillRef idx="1">
+            <a:schemeClr val="accent1"/>
+          </a:fillRef>
+          <a:effectRef idx="0">
+            <a:schemeClr val="accent1"/>
+          </a:effectRef>
+          <a:fontRef idx="minor">
+            <a:schemeClr val="lt1"/>
+          </a:fontRef>
+        </p:style>
+        <p:txBody>
+          <a:bodyPr rtlCol="0" anchor="ctr"/>
+          <a:lstStyle/>
+          <a:p>
+            <a:pPr algn="ctr"/>
+            <a:endParaRPr lang="it-IT"/>
+          </a:p>
+        </p:txBody>
+      </p:sp>
+      <p:sp>
+        <p:nvSpPr>
+          <p:cNvPr id="21" name="CasellaDiTesto 20"/>
+          <p:cNvSpPr txBox="1"/>
+          <p:nvPr/>
+        </p:nvSpPr>
+        <p:spPr>
+          <a:xfrm>
+            <a:off x="323124" y="3886200"/>
+            <a:ext cx="8820876" cy="369332"/>
+          </a:xfrm>
+          <a:prstGeom prst="rect">
+            <a:avLst/>
+          </a:prstGeom>
+          <a:noFill/>
+        </p:spPr>
+        <p:txBody>
+          <a:bodyPr wrap="none" rtlCol="0">
+            <a:spAutoFit/>
+          </a:bodyPr>
+          <a:lstStyle/>
+          <a:p>
+            <a:r>
+              <a:rPr lang="it-IT" dirty="0" smtClean="0"/>
+              <a:t>VUOI SELEZIONARE UNA IMMAGINE O UN TESTO DA STAMPARE PER IL TUO COMPONENTE?</a:t>
+            </a:r>
+            <a:endParaRPr lang="it-IT" dirty="0"/>
+          </a:p>
+        </p:txBody>
+      </p:sp>
+    </p:spTree>
+  </p:cSld>
+  <p:clrMapOvr>
+    <a:masterClrMapping/>
+  </p:clrMapOvr>
+  <p:transition advClick="0"/>
+  <p:timing>
+    <p:tnLst>
+      <p:par>
+        <p:cTn id="1" dur="indefinite" restart="never" nodeType="tmRoot"/>
+      </p:par>
+    </p:tnLst>
+  </p:timing>
+</p:sld>
+</file>
+
+<file path=ppt/slides/slide18.xml><?xml version="1.0" encoding="utf-8"?>
+<p:sld xmlns:a="http://schemas.openxmlformats.org/drawingml/2006/main" xmlns:r="http://schemas.openxmlformats.org/officeDocument/2006/relationships" xmlns:p="http://schemas.openxmlformats.org/presentationml/2006/main">
+  <p:cSld>
+    <p:spTree>
+      <p:nvGrpSpPr>
+        <p:cNvPr id="1" name=""/>
+        <p:cNvGrpSpPr/>
+        <p:nvPr/>
+      </p:nvGrpSpPr>
+      <p:grpSpPr>
+        <a:xfrm>
+          <a:off x="0" y="0"/>
+          <a:ext cx="0" cy="0"/>
+          <a:chOff x="0" y="0"/>
+          <a:chExt cx="0" cy="0"/>
+        </a:xfrm>
+      </p:grpSpPr>
+      <p:sp>
+        <p:nvSpPr>
+          <p:cNvPr id="2" name="Titolo 1"/>
+          <p:cNvSpPr>
+            <a:spLocks noGrp="1"/>
+          </p:cNvSpPr>
+          <p:nvPr>
+            <p:ph type="title"/>
+          </p:nvPr>
+        </p:nvSpPr>
+        <p:spPr/>
+        <p:txBody>
+          <a:bodyPr/>
+          <a:lstStyle/>
+          <a:p>
+            <a:r>
+              <a:rPr lang="it-IT" dirty="0" smtClean="0"/>
+              <a:t>MODIFICA CARTELLONE</a:t>
+            </a:r>
+            <a:endParaRPr lang="it-IT" dirty="0"/>
+          </a:p>
+        </p:txBody>
+      </p:sp>
+      <p:sp>
+        <p:nvSpPr>
+          <p:cNvPr id="4" name="CasellaDiTesto 3"/>
+          <p:cNvSpPr txBox="1"/>
+          <p:nvPr/>
+        </p:nvSpPr>
+        <p:spPr>
+          <a:xfrm>
+            <a:off x="457200" y="2667000"/>
+            <a:ext cx="8001000" cy="1477328"/>
+          </a:xfrm>
+          <a:prstGeom prst="rect">
+            <a:avLst/>
+          </a:prstGeom>
+          <a:noFill/>
+        </p:spPr>
+        <p:txBody>
+          <a:bodyPr wrap="square" rtlCol="0">
+            <a:spAutoFit/>
+          </a:bodyPr>
+          <a:lstStyle/>
+          <a:p>
+            <a:pPr marL="342900" indent="-342900">
+              <a:buFont typeface="Wingdings" pitchFamily="2" charset="2"/>
+              <a:buChar char="Ø"/>
+            </a:pPr>
+            <a:r>
+              <a:rPr lang="it-IT" dirty="0" smtClean="0"/>
+              <a:t>1</a:t>
+            </a:r>
+          </a:p>
+          <a:p>
+            <a:pPr marL="342900" indent="-342900">
+              <a:buFont typeface="Wingdings" pitchFamily="2" charset="2"/>
+              <a:buChar char="Ø"/>
+            </a:pPr>
+            <a:r>
+              <a:rPr lang="it-IT" dirty="0" smtClean="0"/>
+              <a:t>2</a:t>
+            </a:r>
+          </a:p>
+          <a:p>
+            <a:pPr marL="342900" indent="-342900">
+              <a:buFont typeface="Wingdings" pitchFamily="2" charset="2"/>
+              <a:buChar char="Ø"/>
+            </a:pPr>
+            <a:r>
+              <a:rPr lang="it-IT" dirty="0" smtClean="0"/>
+              <a:t>3</a:t>
+            </a:r>
+          </a:p>
+          <a:p>
+            <a:pPr marL="342900" indent="-342900">
+              <a:buFont typeface="Wingdings" pitchFamily="2" charset="2"/>
+              <a:buChar char="Ø"/>
+            </a:pPr>
+            <a:r>
+              <a:rPr lang="it-IT" dirty="0" smtClean="0"/>
+              <a:t>4</a:t>
+            </a:r>
+          </a:p>
+          <a:p>
+            <a:pPr marL="342900" indent="-342900">
+              <a:buFont typeface="Wingdings" pitchFamily="2" charset="2"/>
+              <a:buChar char="Ø"/>
+            </a:pPr>
+            <a:r>
+              <a:rPr lang="it-IT" dirty="0" smtClean="0"/>
+              <a:t>5</a:t>
+            </a:r>
+          </a:p>
+        </p:txBody>
+      </p:sp>
+      <p:sp>
+        <p:nvSpPr>
+          <p:cNvPr id="5" name="CasellaDiTesto 4"/>
+          <p:cNvSpPr txBox="1"/>
+          <p:nvPr/>
+        </p:nvSpPr>
+        <p:spPr>
+          <a:xfrm>
+            <a:off x="609600" y="1447800"/>
+            <a:ext cx="8077200" cy="381000"/>
+          </a:xfrm>
+          <a:prstGeom prst="rect">
+            <a:avLst/>
+          </a:prstGeom>
+          <a:noFill/>
+        </p:spPr>
+        <p:txBody>
+          <a:bodyPr wrap="square" rtlCol="0">
+            <a:spAutoFit/>
+          </a:bodyPr>
+          <a:lstStyle/>
+          <a:p>
+            <a:r>
+              <a:rPr lang="it-IT" dirty="0" smtClean="0"/>
+              <a:t>SELEZIONA IL CARTELLONE DA MODIFICARE.</a:t>
+            </a:r>
+            <a:endParaRPr lang="it-IT" dirty="0"/>
+          </a:p>
+        </p:txBody>
+      </p:sp>
+      <p:sp>
+        <p:nvSpPr>
+          <p:cNvPr id="6" name="Pagina iniziale 5">
+            <a:hlinkClick r:id="rId2" action="ppaction://hlinksldjump" highlightClick="1"/>
+          </p:cNvPr>
+          <p:cNvSpPr/>
+          <p:nvPr/>
+        </p:nvSpPr>
+        <p:spPr>
+          <a:xfrm>
+            <a:off x="7696200" y="228600"/>
+            <a:ext cx="1042416" cy="1042416"/>
+          </a:xfrm>
+          <a:prstGeom prst="actionButtonHome">
+            <a:avLst/>
+          </a:prstGeom>
+        </p:spPr>
+        <p:style>
+          <a:lnRef idx="2">
+            <a:schemeClr val="accent1">
+              <a:shade val="50000"/>
+            </a:schemeClr>
+          </a:lnRef>
+          <a:fillRef idx="1">
+            <a:schemeClr val="accent1"/>
+          </a:fillRef>
+          <a:effectRef idx="0">
+            <a:schemeClr val="accent1"/>
+          </a:effectRef>
+          <a:fontRef idx="minor">
+            <a:schemeClr val="lt1"/>
+          </a:fontRef>
+        </p:style>
+        <p:txBody>
+          <a:bodyPr rtlCol="0" anchor="ctr"/>
+          <a:lstStyle/>
+          <a:p>
+            <a:pPr algn="ctr"/>
+            <a:r>
+              <a:rPr lang="it-IT" dirty="0" smtClean="0"/>
+              <a:t>HOME</a:t>
+            </a:r>
+            <a:endParaRPr lang="it-IT" dirty="0"/>
+          </a:p>
+        </p:txBody>
+      </p:sp>
+      <p:sp>
+        <p:nvSpPr>
+          <p:cNvPr id="7" name="Freccia a sinistra 6">
+            <a:hlinkClick r:id="rId3" action="ppaction://hlinksldjump"/>
+          </p:cNvPr>
+          <p:cNvSpPr/>
+          <p:nvPr/>
+        </p:nvSpPr>
+        <p:spPr>
+          <a:xfrm>
+            <a:off x="5638800" y="5638800"/>
+            <a:ext cx="1371600" cy="685800"/>
+          </a:xfrm>
+          <a:prstGeom prst="leftArrow">
+            <a:avLst/>
+          </a:prstGeom>
+        </p:spPr>
+        <p:style>
+          <a:lnRef idx="2">
+            <a:schemeClr val="accent1">
+              <a:shade val="50000"/>
+            </a:schemeClr>
+          </a:lnRef>
+          <a:fillRef idx="1">
+            <a:schemeClr val="accent1"/>
+          </a:fillRef>
+          <a:effectRef idx="0">
+            <a:schemeClr val="accent1"/>
+          </a:effectRef>
+          <a:fontRef idx="minor">
+            <a:schemeClr val="lt1"/>
+          </a:fontRef>
+        </p:style>
+        <p:txBody>
+          <a:bodyPr rtlCol="0" anchor="ctr"/>
+          <a:lstStyle/>
+          <a:p>
+            <a:pPr algn="ctr"/>
+            <a:r>
+              <a:rPr lang="it-IT" dirty="0" smtClean="0"/>
+              <a:t>INDIETRO</a:t>
+            </a:r>
+            <a:endParaRPr lang="it-IT" dirty="0"/>
+          </a:p>
+        </p:txBody>
+      </p:sp>
+      <p:sp>
+        <p:nvSpPr>
+          <p:cNvPr id="8" name="Ovale 7">
+            <a:hlinkClick r:id="" action="ppaction://noaction"/>
+          </p:cNvPr>
+          <p:cNvSpPr/>
+          <p:nvPr/>
+        </p:nvSpPr>
+        <p:spPr>
+          <a:xfrm>
+            <a:off x="1981200" y="5638800"/>
+            <a:ext cx="1905000" cy="685800"/>
+          </a:xfrm>
+          <a:prstGeom prst="ellipse">
+            <a:avLst/>
+          </a:prstGeom>
+        </p:spPr>
+        <p:style>
+          <a:lnRef idx="2">
+            <a:schemeClr val="accent1">
+              <a:shade val="50000"/>
+            </a:schemeClr>
+          </a:lnRef>
+          <a:fillRef idx="1">
+            <a:schemeClr val="accent1"/>
+          </a:fillRef>
+          <a:effectRef idx="0">
+            <a:schemeClr val="accent1"/>
+          </a:effectRef>
+          <a:fontRef idx="minor">
+            <a:schemeClr val="lt1"/>
+          </a:fontRef>
+        </p:style>
+        <p:txBody>
+          <a:bodyPr rtlCol="0" anchor="ctr"/>
+          <a:lstStyle/>
+          <a:p>
+            <a:pPr algn="ctr"/>
+            <a:r>
+              <a:rPr lang="it-IT" dirty="0" smtClean="0"/>
+              <a:t>OK</a:t>
+            </a:r>
+            <a:endParaRPr lang="it-IT" dirty="0"/>
+          </a:p>
+        </p:txBody>
+      </p:sp>
+      <p:sp>
+        <p:nvSpPr>
+          <p:cNvPr id="9" name="CasellaDiTesto 8"/>
+          <p:cNvSpPr txBox="1"/>
+          <p:nvPr/>
+        </p:nvSpPr>
+        <p:spPr>
+          <a:xfrm>
+            <a:off x="2286000" y="2057400"/>
+            <a:ext cx="838200" cy="381000"/>
+          </a:xfrm>
+          <a:prstGeom prst="rect">
+            <a:avLst/>
+          </a:prstGeom>
+          <a:noFill/>
+        </p:spPr>
+        <p:txBody>
+          <a:bodyPr wrap="square" rtlCol="0">
+            <a:spAutoFit/>
+          </a:bodyPr>
+          <a:lstStyle/>
+          <a:p>
+            <a:r>
+              <a:rPr lang="it-IT" dirty="0" smtClean="0"/>
+              <a:t>NOME</a:t>
+            </a:r>
+            <a:endParaRPr lang="it-IT" dirty="0"/>
+          </a:p>
+        </p:txBody>
+      </p:sp>
+      <p:sp>
+        <p:nvSpPr>
+          <p:cNvPr id="10" name="CasellaDiTesto 9"/>
+          <p:cNvSpPr txBox="1"/>
+          <p:nvPr/>
+        </p:nvSpPr>
+        <p:spPr>
+          <a:xfrm>
+            <a:off x="3581400" y="2057400"/>
+            <a:ext cx="914400" cy="369332"/>
+          </a:xfrm>
+          <a:prstGeom prst="rect">
+            <a:avLst/>
+          </a:prstGeom>
+          <a:noFill/>
+        </p:spPr>
+        <p:txBody>
+          <a:bodyPr wrap="square" rtlCol="0">
+            <a:spAutoFit/>
+          </a:bodyPr>
+          <a:lstStyle/>
+          <a:p>
+            <a:r>
+              <a:rPr lang="it-IT" dirty="0" smtClean="0"/>
+              <a:t>CLASSE</a:t>
+            </a:r>
+            <a:endParaRPr lang="it-IT" dirty="0"/>
           </a:p>
         </p:txBody>
       </p:sp>
@@ -6338,7 +7082,7 @@
         </p:nvSpPr>
         <p:spPr>
           <a:xfrm>
-            <a:off x="-838200" y="152400"/>
+            <a:off x="-685800" y="152400"/>
             <a:ext cx="8229600" cy="1143000"/>
           </a:xfrm>
         </p:spPr>
@@ -6348,380 +7092,15 @@
           <a:p>
             <a:r>
               <a:rPr lang="it-IT" dirty="0" smtClean="0"/>
-              <a:t>AGGIUNGI COMPONENTE</a:t>
-            </a:r>
-            <a:endParaRPr lang="it-IT" dirty="0"/>
-          </a:p>
-        </p:txBody>
-      </p:sp>
-      <p:sp>
-        <p:nvSpPr>
-          <p:cNvPr id="4" name="CasellaDiTesto 3"/>
-          <p:cNvSpPr txBox="1"/>
-          <p:nvPr/>
-        </p:nvSpPr>
-        <p:spPr>
-          <a:xfrm>
-            <a:off x="685800" y="1600200"/>
-            <a:ext cx="5740354" cy="369332"/>
-          </a:xfrm>
-          <a:prstGeom prst="rect">
-            <a:avLst/>
-          </a:prstGeom>
-          <a:noFill/>
-        </p:spPr>
-        <p:txBody>
-          <a:bodyPr wrap="none" rtlCol="0">
-            <a:spAutoFit/>
-          </a:bodyPr>
-          <a:lstStyle/>
-          <a:p>
-            <a:r>
-              <a:rPr lang="it-IT" dirty="0" smtClean="0"/>
-              <a:t>INSERISCI LE CARATTERISTICHE DEL NUOVO COMPONENTE.</a:t>
-            </a:r>
-            <a:endParaRPr lang="it-IT" dirty="0"/>
-          </a:p>
-        </p:txBody>
-      </p:sp>
-      <p:graphicFrame>
-        <p:nvGraphicFramePr>
-          <p:cNvPr id="5" name="Tabella 4"/>
-          <p:cNvGraphicFramePr>
-            <a:graphicFrameLocks noGrp="1"/>
-          </p:cNvGraphicFramePr>
-          <p:nvPr/>
-        </p:nvGraphicFramePr>
-        <p:xfrm>
-          <a:off x="2209800" y="2362200"/>
-          <a:ext cx="6096000" cy="365760"/>
-        </p:xfrm>
-        <a:graphic>
-          <a:graphicData uri="http://schemas.openxmlformats.org/drawingml/2006/table">
-            <a:tbl>
-              <a:tblPr firstRow="1" bandRow="1">
-                <a:tableStyleId>{5C22544A-7EE6-4342-B048-85BDC9FD1C3A}</a:tableStyleId>
-              </a:tblPr>
-              <a:tblGrid>
-                <a:gridCol w="6096000"/>
-              </a:tblGrid>
-              <a:tr h="294640">
-                <a:tc>
-                  <a:txBody>
-                    <a:bodyPr/>
-                    <a:lstStyle/>
-                    <a:p>
-                      <a:endParaRPr lang="it-IT" dirty="0"/>
-                    </a:p>
-                  </a:txBody>
-                  <a:tcPr/>
-                </a:tc>
-              </a:tr>
-            </a:tbl>
-          </a:graphicData>
-        </a:graphic>
-      </p:graphicFrame>
-      <p:graphicFrame>
-        <p:nvGraphicFramePr>
-          <p:cNvPr id="6" name="Tabella 5"/>
-          <p:cNvGraphicFramePr>
-            <a:graphicFrameLocks noGrp="1"/>
-          </p:cNvGraphicFramePr>
-          <p:nvPr/>
-        </p:nvGraphicFramePr>
-        <p:xfrm>
-          <a:off x="2209800" y="2971800"/>
-          <a:ext cx="6096000" cy="365760"/>
-        </p:xfrm>
-        <a:graphic>
-          <a:graphicData uri="http://schemas.openxmlformats.org/drawingml/2006/table">
-            <a:tbl>
-              <a:tblPr firstRow="1" bandRow="1">
-                <a:tableStyleId>{5C22544A-7EE6-4342-B048-85BDC9FD1C3A}</a:tableStyleId>
-              </a:tblPr>
-              <a:tblGrid>
-                <a:gridCol w="6096000"/>
-              </a:tblGrid>
-              <a:tr h="294640">
-                <a:tc>
-                  <a:txBody>
-                    <a:bodyPr/>
-                    <a:lstStyle/>
-                    <a:p>
-                      <a:endParaRPr lang="it-IT" dirty="0"/>
-                    </a:p>
-                  </a:txBody>
-                  <a:tcPr/>
-                </a:tc>
-              </a:tr>
-            </a:tbl>
-          </a:graphicData>
-        </a:graphic>
-      </p:graphicFrame>
-      <p:sp>
-        <p:nvSpPr>
-          <p:cNvPr id="7" name="CasellaDiTesto 6"/>
-          <p:cNvSpPr txBox="1"/>
-          <p:nvPr/>
-        </p:nvSpPr>
-        <p:spPr>
-          <a:xfrm>
-            <a:off x="609600" y="2362200"/>
-            <a:ext cx="1371600" cy="369332"/>
-          </a:xfrm>
-          <a:prstGeom prst="rect">
-            <a:avLst/>
-          </a:prstGeom>
-          <a:noFill/>
-        </p:spPr>
-        <p:txBody>
-          <a:bodyPr wrap="square" rtlCol="0">
-            <a:spAutoFit/>
-          </a:bodyPr>
-          <a:lstStyle/>
-          <a:p>
-            <a:r>
-              <a:rPr lang="it-IT" dirty="0" smtClean="0"/>
-              <a:t>NOME</a:t>
-            </a:r>
-            <a:endParaRPr lang="it-IT" dirty="0"/>
-          </a:p>
-        </p:txBody>
-      </p:sp>
-      <p:sp>
-        <p:nvSpPr>
-          <p:cNvPr id="8" name="CasellaDiTesto 7"/>
-          <p:cNvSpPr txBox="1"/>
-          <p:nvPr/>
-        </p:nvSpPr>
-        <p:spPr>
-          <a:xfrm>
-            <a:off x="609600" y="2971800"/>
-            <a:ext cx="1524000" cy="369332"/>
-          </a:xfrm>
-          <a:prstGeom prst="rect">
-            <a:avLst/>
-          </a:prstGeom>
-          <a:noFill/>
-        </p:spPr>
-        <p:txBody>
-          <a:bodyPr wrap="square" rtlCol="0">
-            <a:spAutoFit/>
-          </a:bodyPr>
-          <a:lstStyle/>
-          <a:p>
-            <a:r>
-              <a:rPr lang="it-IT" dirty="0" smtClean="0"/>
-              <a:t>SUONO</a:t>
-            </a:r>
-            <a:endParaRPr lang="it-IT" dirty="0"/>
-          </a:p>
-        </p:txBody>
-      </p:sp>
-      <p:graphicFrame>
-        <p:nvGraphicFramePr>
-          <p:cNvPr id="9" name="Tabella 8"/>
-          <p:cNvGraphicFramePr>
-            <a:graphicFrameLocks noGrp="1"/>
-          </p:cNvGraphicFramePr>
-          <p:nvPr/>
-        </p:nvGraphicFramePr>
-        <p:xfrm>
-          <a:off x="2209800" y="3581400"/>
-          <a:ext cx="6096000" cy="365760"/>
-        </p:xfrm>
-        <a:graphic>
-          <a:graphicData uri="http://schemas.openxmlformats.org/drawingml/2006/table">
-            <a:tbl>
-              <a:tblPr firstRow="1" bandRow="1">
-                <a:tableStyleId>{5C22544A-7EE6-4342-B048-85BDC9FD1C3A}</a:tableStyleId>
-              </a:tblPr>
-              <a:tblGrid>
-                <a:gridCol w="6096000"/>
-              </a:tblGrid>
-              <a:tr h="294640">
-                <a:tc>
-                  <a:txBody>
-                    <a:bodyPr/>
-                    <a:lstStyle/>
-                    <a:p>
-                      <a:endParaRPr lang="it-IT" dirty="0"/>
-                    </a:p>
-                  </a:txBody>
-                  <a:tcPr/>
-                </a:tc>
-              </a:tr>
-            </a:tbl>
-          </a:graphicData>
-        </a:graphic>
-      </p:graphicFrame>
-      <p:graphicFrame>
-        <p:nvGraphicFramePr>
-          <p:cNvPr id="10" name="Tabella 9"/>
-          <p:cNvGraphicFramePr>
-            <a:graphicFrameLocks noGrp="1"/>
-          </p:cNvGraphicFramePr>
-          <p:nvPr/>
-        </p:nvGraphicFramePr>
-        <p:xfrm>
-          <a:off x="2209800" y="4191000"/>
-          <a:ext cx="6096000" cy="365760"/>
-        </p:xfrm>
-        <a:graphic>
-          <a:graphicData uri="http://schemas.openxmlformats.org/drawingml/2006/table">
-            <a:tbl>
-              <a:tblPr firstRow="1" bandRow="1">
-                <a:tableStyleId>{5C22544A-7EE6-4342-B048-85BDC9FD1C3A}</a:tableStyleId>
-              </a:tblPr>
-              <a:tblGrid>
-                <a:gridCol w="6096000"/>
-              </a:tblGrid>
-              <a:tr h="294640">
-                <a:tc>
-                  <a:txBody>
-                    <a:bodyPr/>
-                    <a:lstStyle/>
-                    <a:p>
-                      <a:endParaRPr lang="it-IT" dirty="0"/>
-                    </a:p>
-                  </a:txBody>
-                  <a:tcPr/>
-                </a:tc>
-              </a:tr>
-            </a:tbl>
-          </a:graphicData>
-        </a:graphic>
-      </p:graphicFrame>
-      <p:sp>
-        <p:nvSpPr>
-          <p:cNvPr id="11" name="CasellaDiTesto 10"/>
-          <p:cNvSpPr txBox="1"/>
-          <p:nvPr/>
-        </p:nvSpPr>
-        <p:spPr>
-          <a:xfrm>
-            <a:off x="609600" y="3581400"/>
-            <a:ext cx="1371600" cy="369332"/>
-          </a:xfrm>
-          <a:prstGeom prst="rect">
-            <a:avLst/>
-          </a:prstGeom>
-          <a:noFill/>
-        </p:spPr>
-        <p:txBody>
-          <a:bodyPr wrap="square" rtlCol="0">
-            <a:spAutoFit/>
-          </a:bodyPr>
-          <a:lstStyle/>
-          <a:p>
-            <a:r>
-              <a:rPr lang="it-IT" dirty="0" smtClean="0"/>
-              <a:t>VIDEO</a:t>
-            </a:r>
-            <a:endParaRPr lang="it-IT" dirty="0"/>
-          </a:p>
-        </p:txBody>
-      </p:sp>
-      <p:sp>
-        <p:nvSpPr>
-          <p:cNvPr id="12" name="CasellaDiTesto 11"/>
-          <p:cNvSpPr txBox="1"/>
-          <p:nvPr/>
-        </p:nvSpPr>
-        <p:spPr>
-          <a:xfrm>
-            <a:off x="609600" y="4191000"/>
-            <a:ext cx="1524000" cy="369332"/>
-          </a:xfrm>
-          <a:prstGeom prst="rect">
-            <a:avLst/>
-          </a:prstGeom>
-          <a:noFill/>
-        </p:spPr>
-        <p:txBody>
-          <a:bodyPr wrap="square" rtlCol="0">
-            <a:spAutoFit/>
-          </a:bodyPr>
-          <a:lstStyle/>
-          <a:p>
-            <a:r>
-              <a:rPr lang="it-IT" dirty="0" smtClean="0"/>
-              <a:t>IMMAGINE</a:t>
-            </a:r>
-            <a:endParaRPr lang="it-IT" dirty="0"/>
-          </a:p>
-        </p:txBody>
-      </p:sp>
-      <p:graphicFrame>
-        <p:nvGraphicFramePr>
-          <p:cNvPr id="13" name="Tabella 12"/>
-          <p:cNvGraphicFramePr>
-            <a:graphicFrameLocks noGrp="1"/>
-          </p:cNvGraphicFramePr>
-          <p:nvPr/>
-        </p:nvGraphicFramePr>
-        <p:xfrm>
-          <a:off x="2209800" y="4800600"/>
-          <a:ext cx="6096000" cy="365760"/>
-        </p:xfrm>
-        <a:graphic>
-          <a:graphicData uri="http://schemas.openxmlformats.org/drawingml/2006/table">
-            <a:tbl>
-              <a:tblPr firstRow="1" bandRow="1">
-                <a:tableStyleId>{5C22544A-7EE6-4342-B048-85BDC9FD1C3A}</a:tableStyleId>
-              </a:tblPr>
-              <a:tblGrid>
-                <a:gridCol w="6096000"/>
-              </a:tblGrid>
-              <a:tr h="294640">
-                <a:tc>
-                  <a:txBody>
-                    <a:bodyPr/>
-                    <a:lstStyle/>
-                    <a:p>
-                      <a:endParaRPr lang="it-IT" dirty="0"/>
-                    </a:p>
-                  </a:txBody>
-                  <a:tcPr/>
-                </a:tc>
-              </a:tr>
-            </a:tbl>
-          </a:graphicData>
-        </a:graphic>
-      </p:graphicFrame>
-      <p:sp>
-        <p:nvSpPr>
-          <p:cNvPr id="14" name="CasellaDiTesto 13"/>
-          <p:cNvSpPr txBox="1"/>
-          <p:nvPr/>
-        </p:nvSpPr>
-        <p:spPr>
-          <a:xfrm>
-            <a:off x="609600" y="4800600"/>
-            <a:ext cx="1524000" cy="369332"/>
-          </a:xfrm>
-          <a:prstGeom prst="rect">
-            <a:avLst/>
-          </a:prstGeom>
-          <a:noFill/>
-        </p:spPr>
-        <p:txBody>
-          <a:bodyPr wrap="square" rtlCol="0">
-            <a:spAutoFit/>
-          </a:bodyPr>
-          <a:lstStyle/>
-          <a:p>
-            <a:r>
-              <a:rPr lang="it-IT" dirty="0" smtClean="0"/>
-              <a:t>TESTO</a:t>
-            </a:r>
-            <a:endParaRPr lang="it-IT" dirty="0"/>
-          </a:p>
-        </p:txBody>
-      </p:sp>
-      <p:sp>
-        <p:nvSpPr>
-          <p:cNvPr id="17" name="Pagina iniziale 16">
+              <a:t>POSIZIONA COMPONENTI</a:t>
+            </a:r>
+            <a:endParaRPr lang="it-IT" dirty="0"/>
+          </a:p>
+        </p:txBody>
+      </p:sp>
+      <p:sp>
+        <p:nvSpPr>
+          <p:cNvPr id="5" name="Pagina iniziale 4">
             <a:hlinkClick r:id="rId2" action="ppaction://hlinksldjump" highlightClick="1"/>
           </p:cNvPr>
           <p:cNvSpPr/>
@@ -6767,7 +7146,7 @@
       </p:sp>
       <p:sp>
         <p:nvSpPr>
-          <p:cNvPr id="18" name="Freccia a sinistra 17">
+          <p:cNvPr id="9" name="Freccia a sinistra 8">
             <a:hlinkClick r:id="rId3" action="ppaction://hlinksldjump"/>
           </p:cNvPr>
           <p:cNvSpPr/>
@@ -6775,7 +7154,7 @@
         </p:nvSpPr>
         <p:spPr>
           <a:xfrm>
-            <a:off x="5638800" y="5638800"/>
+            <a:off x="5638800" y="6019800"/>
             <a:ext cx="1371600" cy="685800"/>
           </a:xfrm>
           <a:prstGeom prst="leftArrow">
@@ -6813,927 +7192,8 @@
       </p:sp>
       <p:sp>
         <p:nvSpPr>
-          <p:cNvPr id="19" name="Ovale 18">
+          <p:cNvPr id="10" name="Ovale 9">
             <a:hlinkClick r:id="rId3" action="ppaction://hlinksldjump"/>
-          </p:cNvPr>
-          <p:cNvSpPr/>
-          <p:nvPr/>
-        </p:nvSpPr>
-        <p:spPr>
-          <a:xfrm>
-            <a:off x="1981200" y="5638800"/>
-            <a:ext cx="1905000" cy="685800"/>
-          </a:xfrm>
-          <a:prstGeom prst="ellipse">
-            <a:avLst/>
-          </a:prstGeom>
-        </p:spPr>
-        <p:style>
-          <a:lnRef idx="2">
-            <a:schemeClr val="accent1">
-              <a:shade val="50000"/>
-            </a:schemeClr>
-          </a:lnRef>
-          <a:fillRef idx="1">
-            <a:schemeClr val="accent1"/>
-          </a:fillRef>
-          <a:effectRef idx="0">
-            <a:schemeClr val="accent1"/>
-          </a:effectRef>
-          <a:fontRef idx="minor">
-            <a:schemeClr val="lt1"/>
-          </a:fontRef>
-        </p:style>
-        <p:txBody>
-          <a:bodyPr rtlCol="0" anchor="ctr"/>
-          <a:lstStyle/>
-          <a:p>
-            <a:pPr algn="ctr"/>
-            <a:r>
-              <a:rPr lang="it-IT" dirty="0" smtClean="0"/>
-              <a:t>OK</a:t>
-            </a:r>
-            <a:endParaRPr lang="it-IT" dirty="0"/>
-          </a:p>
-        </p:txBody>
-      </p:sp>
-      <p:sp>
-        <p:nvSpPr>
-          <p:cNvPr id="20" name="? 19">
-            <a:hlinkClick r:id="" action="ppaction://noaction" highlightClick="1"/>
-          </p:cNvPr>
-          <p:cNvSpPr/>
-          <p:nvPr/>
-        </p:nvSpPr>
-        <p:spPr>
-          <a:xfrm>
-            <a:off x="7010400" y="304800"/>
-            <a:ext cx="609600" cy="838200"/>
-          </a:xfrm>
-          <a:prstGeom prst="actionButtonHelp">
-            <a:avLst/>
-          </a:prstGeom>
-        </p:spPr>
-        <p:style>
-          <a:lnRef idx="2">
-            <a:schemeClr val="accent1">
-              <a:shade val="50000"/>
-            </a:schemeClr>
-          </a:lnRef>
-          <a:fillRef idx="1">
-            <a:schemeClr val="accent1"/>
-          </a:fillRef>
-          <a:effectRef idx="0">
-            <a:schemeClr val="accent1"/>
-          </a:effectRef>
-          <a:fontRef idx="minor">
-            <a:schemeClr val="lt1"/>
-          </a:fontRef>
-        </p:style>
-        <p:txBody>
-          <a:bodyPr rtlCol="0" anchor="ctr"/>
-          <a:lstStyle/>
-          <a:p>
-            <a:pPr algn="ctr"/>
-            <a:endParaRPr lang="it-IT"/>
-          </a:p>
-        </p:txBody>
-      </p:sp>
-    </p:spTree>
-  </p:cSld>
-  <p:clrMapOvr>
-    <a:masterClrMapping/>
-  </p:clrMapOvr>
-  <p:transition advClick="0"/>
-  <p:timing>
-    <p:tnLst>
-      <p:par>
-        <p:cTn id="1" dur="indefinite" restart="never" nodeType="tmRoot"/>
-      </p:par>
-    </p:tnLst>
-  </p:timing>
-</p:sld>
-</file>
-
-<file path=ppt/slides/slide2.xml><?xml version="1.0" encoding="utf-8"?>
-<p:sld xmlns:a="http://schemas.openxmlformats.org/drawingml/2006/main" xmlns:r="http://schemas.openxmlformats.org/officeDocument/2006/relationships" xmlns:p="http://schemas.openxmlformats.org/presentationml/2006/main">
-  <p:cSld>
-    <p:spTree>
-      <p:nvGrpSpPr>
-        <p:cNvPr id="1" name=""/>
-        <p:cNvGrpSpPr/>
-        <p:nvPr/>
-      </p:nvGrpSpPr>
-      <p:grpSpPr>
-        <a:xfrm>
-          <a:off x="0" y="0"/>
-          <a:ext cx="0" cy="0"/>
-          <a:chOff x="0" y="0"/>
-          <a:chExt cx="0" cy="0"/>
-        </a:xfrm>
-      </p:grpSpPr>
-      <p:sp>
-        <p:nvSpPr>
-          <p:cNvPr id="2" name="Titolo 1"/>
-          <p:cNvSpPr>
-            <a:spLocks noGrp="1"/>
-          </p:cNvSpPr>
-          <p:nvPr>
-            <p:ph type="title"/>
-          </p:nvPr>
-        </p:nvSpPr>
-        <p:spPr/>
-        <p:txBody>
-          <a:bodyPr/>
-          <a:lstStyle/>
-          <a:p>
-            <a:r>
-              <a:rPr lang="it-IT" dirty="0" smtClean="0"/>
-              <a:t>REGISTRAZIONE</a:t>
-            </a:r>
-            <a:endParaRPr lang="it-IT" dirty="0"/>
-          </a:p>
-        </p:txBody>
-      </p:sp>
-      <p:sp>
-        <p:nvSpPr>
-          <p:cNvPr id="4" name="CasellaDiTesto 3"/>
-          <p:cNvSpPr txBox="1"/>
-          <p:nvPr/>
-        </p:nvSpPr>
-        <p:spPr>
-          <a:xfrm>
-            <a:off x="685800" y="1600200"/>
-            <a:ext cx="5523948" cy="369332"/>
-          </a:xfrm>
-          <a:prstGeom prst="rect">
-            <a:avLst/>
-          </a:prstGeom>
-          <a:noFill/>
-        </p:spPr>
-        <p:txBody>
-          <a:bodyPr wrap="none" rtlCol="0">
-            <a:spAutoFit/>
-          </a:bodyPr>
-          <a:lstStyle/>
-          <a:p>
-            <a:r>
-              <a:rPr lang="it-IT" dirty="0" smtClean="0"/>
-              <a:t>INSERISCI LA USERNAME E LA PASSWORD NELLE CASELLE</a:t>
-            </a:r>
-            <a:endParaRPr lang="it-IT" dirty="0"/>
-          </a:p>
-        </p:txBody>
-      </p:sp>
-      <p:graphicFrame>
-        <p:nvGraphicFramePr>
-          <p:cNvPr id="5" name="Tabella 4"/>
-          <p:cNvGraphicFramePr>
-            <a:graphicFrameLocks noGrp="1"/>
-          </p:cNvGraphicFramePr>
-          <p:nvPr/>
-        </p:nvGraphicFramePr>
-        <p:xfrm>
-          <a:off x="2209800" y="2362200"/>
-          <a:ext cx="6096000" cy="365760"/>
-        </p:xfrm>
-        <a:graphic>
-          <a:graphicData uri="http://schemas.openxmlformats.org/drawingml/2006/table">
-            <a:tbl>
-              <a:tblPr firstRow="1" bandRow="1">
-                <a:tableStyleId>{5C22544A-7EE6-4342-B048-85BDC9FD1C3A}</a:tableStyleId>
-              </a:tblPr>
-              <a:tblGrid>
-                <a:gridCol w="6096000"/>
-              </a:tblGrid>
-              <a:tr h="294640">
-                <a:tc>
-                  <a:txBody>
-                    <a:bodyPr/>
-                    <a:lstStyle/>
-                    <a:p>
-                      <a:endParaRPr lang="it-IT" dirty="0"/>
-                    </a:p>
-                  </a:txBody>
-                  <a:tcPr/>
-                </a:tc>
-              </a:tr>
-            </a:tbl>
-          </a:graphicData>
-        </a:graphic>
-      </p:graphicFrame>
-      <p:graphicFrame>
-        <p:nvGraphicFramePr>
-          <p:cNvPr id="6" name="Tabella 5"/>
-          <p:cNvGraphicFramePr>
-            <a:graphicFrameLocks noGrp="1"/>
-          </p:cNvGraphicFramePr>
-          <p:nvPr/>
-        </p:nvGraphicFramePr>
-        <p:xfrm>
-          <a:off x="2209800" y="2971800"/>
-          <a:ext cx="6096000" cy="365760"/>
-        </p:xfrm>
-        <a:graphic>
-          <a:graphicData uri="http://schemas.openxmlformats.org/drawingml/2006/table">
-            <a:tbl>
-              <a:tblPr firstRow="1" bandRow="1">
-                <a:tableStyleId>{5C22544A-7EE6-4342-B048-85BDC9FD1C3A}</a:tableStyleId>
-              </a:tblPr>
-              <a:tblGrid>
-                <a:gridCol w="6096000"/>
-              </a:tblGrid>
-              <a:tr h="294640">
-                <a:tc>
-                  <a:txBody>
-                    <a:bodyPr/>
-                    <a:lstStyle/>
-                    <a:p>
-                      <a:endParaRPr lang="it-IT" dirty="0"/>
-                    </a:p>
-                  </a:txBody>
-                  <a:tcPr/>
-                </a:tc>
-              </a:tr>
-            </a:tbl>
-          </a:graphicData>
-        </a:graphic>
-      </p:graphicFrame>
-      <p:sp>
-        <p:nvSpPr>
-          <p:cNvPr id="7" name="CasellaDiTesto 6"/>
-          <p:cNvSpPr txBox="1"/>
-          <p:nvPr/>
-        </p:nvSpPr>
-        <p:spPr>
-          <a:xfrm>
-            <a:off x="609600" y="2362200"/>
-            <a:ext cx="1371600" cy="369332"/>
-          </a:xfrm>
-          <a:prstGeom prst="rect">
-            <a:avLst/>
-          </a:prstGeom>
-          <a:noFill/>
-        </p:spPr>
-        <p:txBody>
-          <a:bodyPr wrap="square" rtlCol="0">
-            <a:spAutoFit/>
-          </a:bodyPr>
-          <a:lstStyle/>
-          <a:p>
-            <a:r>
-              <a:rPr lang="it-IT" dirty="0" smtClean="0"/>
-              <a:t>USER</a:t>
-            </a:r>
-            <a:endParaRPr lang="it-IT" dirty="0"/>
-          </a:p>
-        </p:txBody>
-      </p:sp>
-      <p:sp>
-        <p:nvSpPr>
-          <p:cNvPr id="8" name="CasellaDiTesto 7"/>
-          <p:cNvSpPr txBox="1"/>
-          <p:nvPr/>
-        </p:nvSpPr>
-        <p:spPr>
-          <a:xfrm>
-            <a:off x="609600" y="2971800"/>
-            <a:ext cx="1371600" cy="369332"/>
-          </a:xfrm>
-          <a:prstGeom prst="rect">
-            <a:avLst/>
-          </a:prstGeom>
-          <a:noFill/>
-        </p:spPr>
-        <p:txBody>
-          <a:bodyPr wrap="square" rtlCol="0">
-            <a:spAutoFit/>
-          </a:bodyPr>
-          <a:lstStyle/>
-          <a:p>
-            <a:r>
-              <a:rPr lang="it-IT" dirty="0" smtClean="0"/>
-              <a:t>PASSWORD</a:t>
-            </a:r>
-            <a:endParaRPr lang="it-IT" dirty="0"/>
-          </a:p>
-        </p:txBody>
-      </p:sp>
-      <p:sp>
-        <p:nvSpPr>
-          <p:cNvPr id="9" name="Freccia a sinistra 8">
-            <a:hlinkClick r:id="rId2" action="ppaction://hlinksldjump"/>
-          </p:cNvPr>
-          <p:cNvSpPr/>
-          <p:nvPr/>
-        </p:nvSpPr>
-        <p:spPr>
-          <a:xfrm>
-            <a:off x="5562600" y="4800600"/>
-            <a:ext cx="1371600" cy="685800"/>
-          </a:xfrm>
-          <a:prstGeom prst="leftArrow">
-            <a:avLst/>
-          </a:prstGeom>
-        </p:spPr>
-        <p:style>
-          <a:lnRef idx="2">
-            <a:schemeClr val="accent1">
-              <a:shade val="50000"/>
-            </a:schemeClr>
-          </a:lnRef>
-          <a:fillRef idx="1">
-            <a:schemeClr val="accent1"/>
-          </a:fillRef>
-          <a:effectRef idx="0">
-            <a:schemeClr val="accent1"/>
-          </a:effectRef>
-          <a:fontRef idx="minor">
-            <a:schemeClr val="lt1"/>
-          </a:fontRef>
-        </p:style>
-        <p:txBody>
-          <a:bodyPr rtlCol="0" anchor="ctr"/>
-          <a:lstStyle/>
-          <a:p>
-            <a:pPr algn="ctr"/>
-            <a:r>
-              <a:rPr lang="it-IT" dirty="0" smtClean="0"/>
-              <a:t>ANNULLA</a:t>
-            </a:r>
-            <a:endParaRPr lang="it-IT" dirty="0"/>
-          </a:p>
-        </p:txBody>
-      </p:sp>
-      <p:sp>
-        <p:nvSpPr>
-          <p:cNvPr id="11" name="Ovale 10">
-            <a:hlinkClick r:id="rId3" action="ppaction://hlinksldjump"/>
-          </p:cNvPr>
-          <p:cNvSpPr/>
-          <p:nvPr/>
-        </p:nvSpPr>
-        <p:spPr>
-          <a:xfrm>
-            <a:off x="1905000" y="4800600"/>
-            <a:ext cx="1905000" cy="685800"/>
-          </a:xfrm>
-          <a:prstGeom prst="ellipse">
-            <a:avLst/>
-          </a:prstGeom>
-        </p:spPr>
-        <p:style>
-          <a:lnRef idx="2">
-            <a:schemeClr val="accent1">
-              <a:shade val="50000"/>
-            </a:schemeClr>
-          </a:lnRef>
-          <a:fillRef idx="1">
-            <a:schemeClr val="accent1"/>
-          </a:fillRef>
-          <a:effectRef idx="0">
-            <a:schemeClr val="accent1"/>
-          </a:effectRef>
-          <a:fontRef idx="minor">
-            <a:schemeClr val="lt1"/>
-          </a:fontRef>
-        </p:style>
-        <p:txBody>
-          <a:bodyPr rtlCol="0" anchor="ctr"/>
-          <a:lstStyle/>
-          <a:p>
-            <a:pPr algn="ctr"/>
-            <a:r>
-              <a:rPr lang="it-IT" dirty="0" smtClean="0"/>
-              <a:t>CONFERMA</a:t>
-            </a:r>
-            <a:endParaRPr lang="it-IT" dirty="0"/>
-          </a:p>
-        </p:txBody>
-      </p:sp>
-      <p:graphicFrame>
-        <p:nvGraphicFramePr>
-          <p:cNvPr id="10" name="Tabella 9"/>
-          <p:cNvGraphicFramePr>
-            <a:graphicFrameLocks noGrp="1"/>
-          </p:cNvGraphicFramePr>
-          <p:nvPr/>
-        </p:nvGraphicFramePr>
-        <p:xfrm>
-          <a:off x="2209800" y="3581400"/>
-          <a:ext cx="6096000" cy="365760"/>
-        </p:xfrm>
-        <a:graphic>
-          <a:graphicData uri="http://schemas.openxmlformats.org/drawingml/2006/table">
-            <a:tbl>
-              <a:tblPr firstRow="1" bandRow="1">
-                <a:tableStyleId>{5C22544A-7EE6-4342-B048-85BDC9FD1C3A}</a:tableStyleId>
-              </a:tblPr>
-              <a:tblGrid>
-                <a:gridCol w="6096000"/>
-              </a:tblGrid>
-              <a:tr h="294640">
-                <a:tc>
-                  <a:txBody>
-                    <a:bodyPr/>
-                    <a:lstStyle/>
-                    <a:p>
-                      <a:endParaRPr lang="it-IT" dirty="0"/>
-                    </a:p>
-                  </a:txBody>
-                  <a:tcPr/>
-                </a:tc>
-              </a:tr>
-            </a:tbl>
-          </a:graphicData>
-        </a:graphic>
-      </p:graphicFrame>
-      <p:sp>
-        <p:nvSpPr>
-          <p:cNvPr id="12" name="CasellaDiTesto 11"/>
-          <p:cNvSpPr txBox="1"/>
-          <p:nvPr/>
-        </p:nvSpPr>
-        <p:spPr>
-          <a:xfrm>
-            <a:off x="609600" y="3429000"/>
-            <a:ext cx="1371600" cy="646331"/>
-          </a:xfrm>
-          <a:prstGeom prst="rect">
-            <a:avLst/>
-          </a:prstGeom>
-          <a:noFill/>
-        </p:spPr>
-        <p:txBody>
-          <a:bodyPr wrap="square" rtlCol="0">
-            <a:spAutoFit/>
-          </a:bodyPr>
-          <a:lstStyle/>
-          <a:p>
-            <a:r>
-              <a:rPr lang="it-IT" dirty="0" smtClean="0"/>
-              <a:t>CONFERMA PASSWORD</a:t>
-            </a:r>
-            <a:endParaRPr lang="it-IT" dirty="0"/>
-          </a:p>
-        </p:txBody>
-      </p:sp>
-    </p:spTree>
-  </p:cSld>
-  <p:clrMapOvr>
-    <a:masterClrMapping/>
-  </p:clrMapOvr>
-  <p:transition advClick="0"/>
-  <p:timing>
-    <p:tnLst>
-      <p:par>
-        <p:cTn id="1" dur="indefinite" restart="never" nodeType="tmRoot"/>
-      </p:par>
-    </p:tnLst>
-  </p:timing>
-</p:sld>
-</file>
-
-<file path=ppt/slides/slide20.xml><?xml version="1.0" encoding="utf-8"?>
-<p:sld xmlns:a="http://schemas.openxmlformats.org/drawingml/2006/main" xmlns:r="http://schemas.openxmlformats.org/officeDocument/2006/relationships" xmlns:p="http://schemas.openxmlformats.org/presentationml/2006/main">
-  <p:cSld>
-    <p:spTree>
-      <p:nvGrpSpPr>
-        <p:cNvPr id="1" name=""/>
-        <p:cNvGrpSpPr/>
-        <p:nvPr/>
-      </p:nvGrpSpPr>
-      <p:grpSpPr>
-        <a:xfrm>
-          <a:off x="0" y="0"/>
-          <a:ext cx="0" cy="0"/>
-          <a:chOff x="0" y="0"/>
-          <a:chExt cx="0" cy="0"/>
-        </a:xfrm>
-      </p:grpSpPr>
-      <p:sp>
-        <p:nvSpPr>
-          <p:cNvPr id="2" name="Titolo 1"/>
-          <p:cNvSpPr>
-            <a:spLocks noGrp="1"/>
-          </p:cNvSpPr>
-          <p:nvPr>
-            <p:ph type="title"/>
-          </p:nvPr>
-        </p:nvSpPr>
-        <p:spPr/>
-        <p:txBody>
-          <a:bodyPr/>
-          <a:lstStyle/>
-          <a:p>
-            <a:r>
-              <a:rPr lang="it-IT" dirty="0" smtClean="0"/>
-              <a:t>MODIFICA CARTELLONE</a:t>
-            </a:r>
-            <a:endParaRPr lang="it-IT" dirty="0"/>
-          </a:p>
-        </p:txBody>
-      </p:sp>
-      <p:sp>
-        <p:nvSpPr>
-          <p:cNvPr id="4" name="CasellaDiTesto 3"/>
-          <p:cNvSpPr txBox="1"/>
-          <p:nvPr/>
-        </p:nvSpPr>
-        <p:spPr>
-          <a:xfrm>
-            <a:off x="457200" y="2209800"/>
-            <a:ext cx="8001000" cy="1477328"/>
-          </a:xfrm>
-          <a:prstGeom prst="rect">
-            <a:avLst/>
-          </a:prstGeom>
-          <a:noFill/>
-        </p:spPr>
-        <p:txBody>
-          <a:bodyPr wrap="square" rtlCol="0">
-            <a:spAutoFit/>
-          </a:bodyPr>
-          <a:lstStyle/>
-          <a:p>
-            <a:pPr marL="342900" indent="-342900">
-              <a:buFont typeface="Wingdings" pitchFamily="2" charset="2"/>
-              <a:buChar char="Ø"/>
-            </a:pPr>
-            <a:r>
-              <a:rPr lang="it-IT" dirty="0" smtClean="0"/>
-              <a:t>1</a:t>
-            </a:r>
-          </a:p>
-          <a:p>
-            <a:pPr marL="342900" indent="-342900">
-              <a:buFont typeface="Wingdings" pitchFamily="2" charset="2"/>
-              <a:buChar char="Ø"/>
-            </a:pPr>
-            <a:r>
-              <a:rPr lang="it-IT" dirty="0" smtClean="0"/>
-              <a:t>2</a:t>
-            </a:r>
-          </a:p>
-          <a:p>
-            <a:pPr marL="342900" indent="-342900">
-              <a:buFont typeface="Wingdings" pitchFamily="2" charset="2"/>
-              <a:buChar char="Ø"/>
-            </a:pPr>
-            <a:r>
-              <a:rPr lang="it-IT" dirty="0" smtClean="0"/>
-              <a:t>3</a:t>
-            </a:r>
-          </a:p>
-          <a:p>
-            <a:pPr marL="342900" indent="-342900">
-              <a:buFont typeface="Wingdings" pitchFamily="2" charset="2"/>
-              <a:buChar char="Ø"/>
-            </a:pPr>
-            <a:r>
-              <a:rPr lang="it-IT" dirty="0" smtClean="0"/>
-              <a:t>4</a:t>
-            </a:r>
-          </a:p>
-          <a:p>
-            <a:pPr marL="342900" indent="-342900">
-              <a:buFont typeface="Wingdings" pitchFamily="2" charset="2"/>
-              <a:buChar char="Ø"/>
-            </a:pPr>
-            <a:r>
-              <a:rPr lang="it-IT" dirty="0" smtClean="0"/>
-              <a:t>5</a:t>
-            </a:r>
-          </a:p>
-        </p:txBody>
-      </p:sp>
-      <p:sp>
-        <p:nvSpPr>
-          <p:cNvPr id="5" name="CasellaDiTesto 4"/>
-          <p:cNvSpPr txBox="1"/>
-          <p:nvPr/>
-        </p:nvSpPr>
-        <p:spPr>
-          <a:xfrm>
-            <a:off x="609600" y="1447800"/>
-            <a:ext cx="8077200" cy="381000"/>
-          </a:xfrm>
-          <a:prstGeom prst="rect">
-            <a:avLst/>
-          </a:prstGeom>
-          <a:noFill/>
-        </p:spPr>
-        <p:txBody>
-          <a:bodyPr wrap="square" rtlCol="0">
-            <a:spAutoFit/>
-          </a:bodyPr>
-          <a:lstStyle/>
-          <a:p>
-            <a:r>
-              <a:rPr lang="it-IT" dirty="0" smtClean="0"/>
-              <a:t>SELEZIONA IL CARTELLONE DA MODIFICARE.</a:t>
-            </a:r>
-            <a:endParaRPr lang="it-IT" dirty="0"/>
-          </a:p>
-        </p:txBody>
-      </p:sp>
-      <p:sp>
-        <p:nvSpPr>
-          <p:cNvPr id="6" name="Pagina iniziale 5">
-            <a:hlinkClick r:id="rId2" action="ppaction://hlinksldjump" highlightClick="1"/>
-          </p:cNvPr>
-          <p:cNvSpPr/>
-          <p:nvPr/>
-        </p:nvSpPr>
-        <p:spPr>
-          <a:xfrm>
-            <a:off x="7696200" y="228600"/>
-            <a:ext cx="1042416" cy="1042416"/>
-          </a:xfrm>
-          <a:prstGeom prst="actionButtonHome">
-            <a:avLst/>
-          </a:prstGeom>
-        </p:spPr>
-        <p:style>
-          <a:lnRef idx="2">
-            <a:schemeClr val="accent1">
-              <a:shade val="50000"/>
-            </a:schemeClr>
-          </a:lnRef>
-          <a:fillRef idx="1">
-            <a:schemeClr val="accent1"/>
-          </a:fillRef>
-          <a:effectRef idx="0">
-            <a:schemeClr val="accent1"/>
-          </a:effectRef>
-          <a:fontRef idx="minor">
-            <a:schemeClr val="lt1"/>
-          </a:fontRef>
-        </p:style>
-        <p:txBody>
-          <a:bodyPr rtlCol="0" anchor="ctr"/>
-          <a:lstStyle/>
-          <a:p>
-            <a:pPr algn="ctr"/>
-            <a:r>
-              <a:rPr lang="it-IT" dirty="0" smtClean="0"/>
-              <a:t>HOME</a:t>
-            </a:r>
-            <a:endParaRPr lang="it-IT" dirty="0"/>
-          </a:p>
-        </p:txBody>
-      </p:sp>
-      <p:sp>
-        <p:nvSpPr>
-          <p:cNvPr id="7" name="Freccia a sinistra 6">
-            <a:hlinkClick r:id="rId3" action="ppaction://hlinksldjump"/>
-          </p:cNvPr>
-          <p:cNvSpPr/>
-          <p:nvPr/>
-        </p:nvSpPr>
-        <p:spPr>
-          <a:xfrm>
-            <a:off x="5638800" y="5638800"/>
-            <a:ext cx="1371600" cy="685800"/>
-          </a:xfrm>
-          <a:prstGeom prst="leftArrow">
-            <a:avLst/>
-          </a:prstGeom>
-        </p:spPr>
-        <p:style>
-          <a:lnRef idx="2">
-            <a:schemeClr val="accent1">
-              <a:shade val="50000"/>
-            </a:schemeClr>
-          </a:lnRef>
-          <a:fillRef idx="1">
-            <a:schemeClr val="accent1"/>
-          </a:fillRef>
-          <a:effectRef idx="0">
-            <a:schemeClr val="accent1"/>
-          </a:effectRef>
-          <a:fontRef idx="minor">
-            <a:schemeClr val="lt1"/>
-          </a:fontRef>
-        </p:style>
-        <p:txBody>
-          <a:bodyPr rtlCol="0" anchor="ctr"/>
-          <a:lstStyle/>
-          <a:p>
-            <a:pPr algn="ctr"/>
-            <a:r>
-              <a:rPr lang="it-IT" dirty="0" smtClean="0"/>
-              <a:t>INDIETRO</a:t>
-            </a:r>
-            <a:endParaRPr lang="it-IT" dirty="0"/>
-          </a:p>
-        </p:txBody>
-      </p:sp>
-      <p:sp>
-        <p:nvSpPr>
-          <p:cNvPr id="8" name="Ovale 7">
-            <a:hlinkClick r:id="rId4" action="ppaction://hlinksldjump"/>
-          </p:cNvPr>
-          <p:cNvSpPr/>
-          <p:nvPr/>
-        </p:nvSpPr>
-        <p:spPr>
-          <a:xfrm>
-            <a:off x="1981200" y="5638800"/>
-            <a:ext cx="1905000" cy="685800"/>
-          </a:xfrm>
-          <a:prstGeom prst="ellipse">
-            <a:avLst/>
-          </a:prstGeom>
-        </p:spPr>
-        <p:style>
-          <a:lnRef idx="2">
-            <a:schemeClr val="accent1">
-              <a:shade val="50000"/>
-            </a:schemeClr>
-          </a:lnRef>
-          <a:fillRef idx="1">
-            <a:schemeClr val="accent1"/>
-          </a:fillRef>
-          <a:effectRef idx="0">
-            <a:schemeClr val="accent1"/>
-          </a:effectRef>
-          <a:fontRef idx="minor">
-            <a:schemeClr val="lt1"/>
-          </a:fontRef>
-        </p:style>
-        <p:txBody>
-          <a:bodyPr rtlCol="0" anchor="ctr"/>
-          <a:lstStyle/>
-          <a:p>
-            <a:pPr algn="ctr"/>
-            <a:r>
-              <a:rPr lang="it-IT" dirty="0" smtClean="0"/>
-              <a:t>OK</a:t>
-            </a:r>
-            <a:endParaRPr lang="it-IT" dirty="0"/>
-          </a:p>
-        </p:txBody>
-      </p:sp>
-    </p:spTree>
-  </p:cSld>
-  <p:clrMapOvr>
-    <a:masterClrMapping/>
-  </p:clrMapOvr>
-  <p:transition advClick="0"/>
-  <p:timing>
-    <p:tnLst>
-      <p:par>
-        <p:cTn id="1" dur="indefinite" restart="never" nodeType="tmRoot"/>
-      </p:par>
-    </p:tnLst>
-  </p:timing>
-</p:sld>
-</file>
-
-<file path=ppt/slides/slide21.xml><?xml version="1.0" encoding="utf-8"?>
-<p:sld xmlns:a="http://schemas.openxmlformats.org/drawingml/2006/main" xmlns:r="http://schemas.openxmlformats.org/officeDocument/2006/relationships" xmlns:p="http://schemas.openxmlformats.org/presentationml/2006/main">
-  <p:cSld>
-    <p:spTree>
-      <p:nvGrpSpPr>
-        <p:cNvPr id="1" name=""/>
-        <p:cNvGrpSpPr/>
-        <p:nvPr/>
-      </p:nvGrpSpPr>
-      <p:grpSpPr>
-        <a:xfrm>
-          <a:off x="0" y="0"/>
-          <a:ext cx="0" cy="0"/>
-          <a:chOff x="0" y="0"/>
-          <a:chExt cx="0" cy="0"/>
-        </a:xfrm>
-      </p:grpSpPr>
-      <p:sp>
-        <p:nvSpPr>
-          <p:cNvPr id="2" name="Titolo 1"/>
-          <p:cNvSpPr>
-            <a:spLocks noGrp="1"/>
-          </p:cNvSpPr>
-          <p:nvPr>
-            <p:ph type="title"/>
-          </p:nvPr>
-        </p:nvSpPr>
-        <p:spPr>
-          <a:xfrm>
-            <a:off x="-609600" y="152400"/>
-            <a:ext cx="8229600" cy="1143000"/>
-          </a:xfrm>
-        </p:spPr>
-        <p:txBody>
-          <a:bodyPr/>
-          <a:lstStyle/>
-          <a:p>
-            <a:r>
-              <a:rPr lang="it-IT" dirty="0" smtClean="0"/>
-              <a:t>POSIZIONA COMPONENTI</a:t>
-            </a:r>
-            <a:endParaRPr lang="it-IT" dirty="0"/>
-          </a:p>
-        </p:txBody>
-      </p:sp>
-      <p:sp>
-        <p:nvSpPr>
-          <p:cNvPr id="5" name="Pagina iniziale 4">
-            <a:hlinkClick r:id="" action="ppaction://noaction" highlightClick="1"/>
-          </p:cNvPr>
-          <p:cNvSpPr/>
-          <p:nvPr/>
-        </p:nvSpPr>
-        <p:spPr>
-          <a:xfrm>
-            <a:off x="7696200" y="228600"/>
-            <a:ext cx="1042416" cy="1042416"/>
-          </a:xfrm>
-          <a:prstGeom prst="actionButtonHome">
-            <a:avLst/>
-          </a:prstGeom>
-        </p:spPr>
-        <p:style>
-          <a:lnRef idx="2">
-            <a:schemeClr val="accent1">
-              <a:shade val="50000"/>
-            </a:schemeClr>
-          </a:lnRef>
-          <a:fillRef idx="1">
-            <a:schemeClr val="accent1"/>
-          </a:fillRef>
-          <a:effectRef idx="0">
-            <a:schemeClr val="accent1"/>
-          </a:effectRef>
-          <a:fontRef idx="minor">
-            <a:schemeClr val="lt1"/>
-          </a:fontRef>
-        </p:style>
-        <p:txBody>
-          <a:bodyPr rtlCol="0" anchor="ctr"/>
-          <a:lstStyle/>
-          <a:p>
-            <a:pPr algn="ctr"/>
-            <a:r>
-              <a:rPr lang="it-IT" dirty="0" smtClean="0">
-                <a:hlinkClick r:id="rId2" action="ppaction://hlinksldjump"/>
-              </a:rPr>
-              <a:t>HOME</a:t>
-            </a:r>
-            <a:endParaRPr lang="it-IT" dirty="0"/>
-          </a:p>
-        </p:txBody>
-      </p:sp>
-      <p:sp>
-        <p:nvSpPr>
-          <p:cNvPr id="9" name="Freccia a sinistra 8">
-            <a:hlinkClick r:id="rId3" action="ppaction://hlinksldjump"/>
-          </p:cNvPr>
-          <p:cNvSpPr/>
-          <p:nvPr/>
-        </p:nvSpPr>
-        <p:spPr>
-          <a:xfrm>
-            <a:off x="5638800" y="6019800"/>
-            <a:ext cx="1371600" cy="685800"/>
-          </a:xfrm>
-          <a:prstGeom prst="leftArrow">
-            <a:avLst/>
-          </a:prstGeom>
-        </p:spPr>
-        <p:style>
-          <a:lnRef idx="2">
-            <a:schemeClr val="accent1">
-              <a:shade val="50000"/>
-            </a:schemeClr>
-          </a:lnRef>
-          <a:fillRef idx="1">
-            <a:schemeClr val="accent1"/>
-          </a:fillRef>
-          <a:effectRef idx="0">
-            <a:schemeClr val="accent1"/>
-          </a:effectRef>
-          <a:fontRef idx="minor">
-            <a:schemeClr val="lt1"/>
-          </a:fontRef>
-        </p:style>
-        <p:txBody>
-          <a:bodyPr rtlCol="0" anchor="ctr"/>
-          <a:lstStyle/>
-          <a:p>
-            <a:pPr algn="ctr"/>
-            <a:r>
-              <a:rPr lang="it-IT" dirty="0" smtClean="0"/>
-              <a:t>INDIETRO</a:t>
-            </a:r>
-            <a:endParaRPr lang="it-IT" dirty="0"/>
-          </a:p>
-        </p:txBody>
-      </p:sp>
-      <p:sp>
-        <p:nvSpPr>
-          <p:cNvPr id="10" name="Ovale 9">
-            <a:hlinkClick r:id="rId4" action="ppaction://hlinksldjump"/>
           </p:cNvPr>
           <p:cNvSpPr/>
           <p:nvPr/>
@@ -8100,7 +7560,7 @@
         </p:nvSpPr>
         <p:spPr>
           <a:xfrm>
-            <a:off x="304799" y="4953000"/>
+            <a:off x="381000" y="5638800"/>
             <a:ext cx="6482800" cy="369332"/>
           </a:xfrm>
           <a:prstGeom prst="rect">
@@ -8130,7 +7590,7 @@
         </p:nvSpPr>
         <p:spPr>
           <a:xfrm>
-            <a:off x="304799" y="5410200"/>
+            <a:off x="304800" y="4800600"/>
             <a:ext cx="8028352" cy="369332"/>
           </a:xfrm>
           <a:prstGeom prst="rect">
@@ -8170,7 +7630,7 @@
         </p:nvSpPr>
         <p:spPr>
           <a:xfrm>
-            <a:off x="609599" y="5867400"/>
+            <a:off x="609600" y="5257800"/>
             <a:ext cx="304800" cy="304800"/>
           </a:xfrm>
           <a:prstGeom prst="actionButtonForwardNext">
@@ -8210,7 +7670,7 @@
         </p:nvSpPr>
         <p:spPr>
           <a:xfrm>
-            <a:off x="1295399" y="5867400"/>
+            <a:off x="1295400" y="5257800"/>
             <a:ext cx="304800" cy="304800"/>
           </a:xfrm>
           <a:prstGeom prst="bevel">
@@ -8245,7 +7705,7 @@
       <p:sp>
         <p:nvSpPr>
           <p:cNvPr id="23" name="Ovale 22">
-            <a:hlinkClick r:id="rId5" action="ppaction://hlinksldjump"/>
+            <a:hlinkClick r:id="rId4" action="ppaction://hlinksldjump"/>
           </p:cNvPr>
           <p:cNvSpPr/>
           <p:nvPr/>
@@ -8346,7 +7806,7 @@
 </p:sld>
 </file>
 
-<file path=ppt/slides/slide22.xml><?xml version="1.0" encoding="utf-8"?>
+<file path=ppt/slides/slide2.xml><?xml version="1.0" encoding="utf-8"?>
 <p:sld xmlns:a="http://schemas.openxmlformats.org/drawingml/2006/main" xmlns:r="http://schemas.openxmlformats.org/officeDocument/2006/relationships" xmlns:p="http://schemas.openxmlformats.org/presentationml/2006/main">
   <p:cSld>
     <p:spTree>
@@ -8373,19 +7833,14 @@
             <p:ph type="title"/>
           </p:nvPr>
         </p:nvSpPr>
-        <p:spPr>
-          <a:xfrm>
-            <a:off x="-533400" y="152400"/>
-            <a:ext cx="8229600" cy="1143000"/>
-          </a:xfrm>
-        </p:spPr>
+        <p:spPr/>
         <p:txBody>
           <a:bodyPr/>
           <a:lstStyle/>
           <a:p>
             <a:r>
               <a:rPr lang="it-IT" dirty="0" smtClean="0"/>
-              <a:t>AGGIUNGI COMPONENTE</a:t>
+              <a:t>REGISTRAZIONE</a:t>
             </a:r>
             <a:endParaRPr lang="it-IT" dirty="0"/>
           </a:p>
@@ -8400,7 +7855,7 @@
         <p:spPr>
           <a:xfrm>
             <a:off x="685800" y="1600200"/>
-            <a:ext cx="5740354" cy="369332"/>
+            <a:ext cx="5523948" cy="369332"/>
           </a:xfrm>
           <a:prstGeom prst="rect">
             <a:avLst/>
@@ -8415,7 +7870,7 @@
           <a:p>
             <a:r>
               <a:rPr lang="it-IT" dirty="0" smtClean="0"/>
-              <a:t>INSERISCI LE CARATTERISTICHE DEL NUOVO COMPONENTE.</a:t>
+              <a:t>INSERISCI LA USERNAME E LA PASSWORD NELLE CASELLE</a:t>
             </a:r>
             <a:endParaRPr lang="it-IT" dirty="0"/>
           </a:p>
@@ -8519,7 +7974,7 @@
           <a:p>
             <a:r>
               <a:rPr lang="it-IT" dirty="0" smtClean="0"/>
-              <a:t>NOME</a:t>
+              <a:t>USER</a:t>
             </a:r>
             <a:endParaRPr lang="it-IT" dirty="0"/>
           </a:p>
@@ -8534,6 +7989,390 @@
         <p:spPr>
           <a:xfrm>
             <a:off x="609600" y="2971800"/>
+            <a:ext cx="1371600" cy="369332"/>
+          </a:xfrm>
+          <a:prstGeom prst="rect">
+            <a:avLst/>
+          </a:prstGeom>
+          <a:noFill/>
+        </p:spPr>
+        <p:txBody>
+          <a:bodyPr wrap="square" rtlCol="0">
+            <a:spAutoFit/>
+          </a:bodyPr>
+          <a:lstStyle/>
+          <a:p>
+            <a:r>
+              <a:rPr lang="it-IT" dirty="0" smtClean="0"/>
+              <a:t>PASSWORD</a:t>
+            </a:r>
+            <a:endParaRPr lang="it-IT" dirty="0"/>
+          </a:p>
+        </p:txBody>
+      </p:sp>
+      <p:sp>
+        <p:nvSpPr>
+          <p:cNvPr id="9" name="Freccia a sinistra 8">
+            <a:hlinkClick r:id="rId2" action="ppaction://hlinksldjump"/>
+          </p:cNvPr>
+          <p:cNvSpPr/>
+          <p:nvPr/>
+        </p:nvSpPr>
+        <p:spPr>
+          <a:xfrm>
+            <a:off x="5562600" y="4800600"/>
+            <a:ext cx="1371600" cy="685800"/>
+          </a:xfrm>
+          <a:prstGeom prst="leftArrow">
+            <a:avLst/>
+          </a:prstGeom>
+        </p:spPr>
+        <p:style>
+          <a:lnRef idx="2">
+            <a:schemeClr val="accent1">
+              <a:shade val="50000"/>
+            </a:schemeClr>
+          </a:lnRef>
+          <a:fillRef idx="1">
+            <a:schemeClr val="accent1"/>
+          </a:fillRef>
+          <a:effectRef idx="0">
+            <a:schemeClr val="accent1"/>
+          </a:effectRef>
+          <a:fontRef idx="minor">
+            <a:schemeClr val="lt1"/>
+          </a:fontRef>
+        </p:style>
+        <p:txBody>
+          <a:bodyPr rtlCol="0" anchor="ctr"/>
+          <a:lstStyle/>
+          <a:p>
+            <a:pPr algn="ctr"/>
+            <a:r>
+              <a:rPr lang="it-IT" dirty="0" smtClean="0"/>
+              <a:t>ANNULLA</a:t>
+            </a:r>
+            <a:endParaRPr lang="it-IT" dirty="0"/>
+          </a:p>
+        </p:txBody>
+      </p:sp>
+      <p:sp>
+        <p:nvSpPr>
+          <p:cNvPr id="11" name="Ovale 10">
+            <a:hlinkClick r:id="rId3" action="ppaction://hlinksldjump"/>
+          </p:cNvPr>
+          <p:cNvSpPr/>
+          <p:nvPr/>
+        </p:nvSpPr>
+        <p:spPr>
+          <a:xfrm>
+            <a:off x="1905000" y="4800600"/>
+            <a:ext cx="1905000" cy="685800"/>
+          </a:xfrm>
+          <a:prstGeom prst="ellipse">
+            <a:avLst/>
+          </a:prstGeom>
+        </p:spPr>
+        <p:style>
+          <a:lnRef idx="2">
+            <a:schemeClr val="accent1">
+              <a:shade val="50000"/>
+            </a:schemeClr>
+          </a:lnRef>
+          <a:fillRef idx="1">
+            <a:schemeClr val="accent1"/>
+          </a:fillRef>
+          <a:effectRef idx="0">
+            <a:schemeClr val="accent1"/>
+          </a:effectRef>
+          <a:fontRef idx="minor">
+            <a:schemeClr val="lt1"/>
+          </a:fontRef>
+        </p:style>
+        <p:txBody>
+          <a:bodyPr rtlCol="0" anchor="ctr"/>
+          <a:lstStyle/>
+          <a:p>
+            <a:pPr algn="ctr"/>
+            <a:r>
+              <a:rPr lang="it-IT" dirty="0" smtClean="0"/>
+              <a:t>CONFERMA</a:t>
+            </a:r>
+            <a:endParaRPr lang="it-IT" dirty="0"/>
+          </a:p>
+        </p:txBody>
+      </p:sp>
+      <p:graphicFrame>
+        <p:nvGraphicFramePr>
+          <p:cNvPr id="10" name="Tabella 9"/>
+          <p:cNvGraphicFramePr>
+            <a:graphicFrameLocks noGrp="1"/>
+          </p:cNvGraphicFramePr>
+          <p:nvPr/>
+        </p:nvGraphicFramePr>
+        <p:xfrm>
+          <a:off x="2209800" y="3581400"/>
+          <a:ext cx="6096000" cy="365760"/>
+        </p:xfrm>
+        <a:graphic>
+          <a:graphicData uri="http://schemas.openxmlformats.org/drawingml/2006/table">
+            <a:tbl>
+              <a:tblPr firstRow="1" bandRow="1">
+                <a:tableStyleId>{5C22544A-7EE6-4342-B048-85BDC9FD1C3A}</a:tableStyleId>
+              </a:tblPr>
+              <a:tblGrid>
+                <a:gridCol w="6096000"/>
+              </a:tblGrid>
+              <a:tr h="294640">
+                <a:tc>
+                  <a:txBody>
+                    <a:bodyPr/>
+                    <a:lstStyle/>
+                    <a:p>
+                      <a:endParaRPr lang="it-IT" dirty="0"/>
+                    </a:p>
+                  </a:txBody>
+                  <a:tcPr/>
+                </a:tc>
+              </a:tr>
+            </a:tbl>
+          </a:graphicData>
+        </a:graphic>
+      </p:graphicFrame>
+      <p:sp>
+        <p:nvSpPr>
+          <p:cNvPr id="12" name="CasellaDiTesto 11"/>
+          <p:cNvSpPr txBox="1"/>
+          <p:nvPr/>
+        </p:nvSpPr>
+        <p:spPr>
+          <a:xfrm>
+            <a:off x="609600" y="3429000"/>
+            <a:ext cx="1371600" cy="646331"/>
+          </a:xfrm>
+          <a:prstGeom prst="rect">
+            <a:avLst/>
+          </a:prstGeom>
+          <a:noFill/>
+        </p:spPr>
+        <p:txBody>
+          <a:bodyPr wrap="square" rtlCol="0">
+            <a:spAutoFit/>
+          </a:bodyPr>
+          <a:lstStyle/>
+          <a:p>
+            <a:r>
+              <a:rPr lang="it-IT" dirty="0" smtClean="0"/>
+              <a:t>CONFERMA PASSWORD</a:t>
+            </a:r>
+            <a:endParaRPr lang="it-IT" dirty="0"/>
+          </a:p>
+        </p:txBody>
+      </p:sp>
+    </p:spTree>
+  </p:cSld>
+  <p:clrMapOvr>
+    <a:masterClrMapping/>
+  </p:clrMapOvr>
+  <p:transition advClick="0"/>
+  <p:timing>
+    <p:tnLst>
+      <p:par>
+        <p:cTn id="1" dur="indefinite" restart="never" nodeType="tmRoot"/>
+      </p:par>
+    </p:tnLst>
+  </p:timing>
+</p:sld>
+</file>
+
+<file path=ppt/slides/slide20.xml><?xml version="1.0" encoding="utf-8"?>
+<p:sld xmlns:a="http://schemas.openxmlformats.org/drawingml/2006/main" xmlns:r="http://schemas.openxmlformats.org/officeDocument/2006/relationships" xmlns:p="http://schemas.openxmlformats.org/presentationml/2006/main">
+  <p:cSld>
+    <p:spTree>
+      <p:nvGrpSpPr>
+        <p:cNvPr id="1" name=""/>
+        <p:cNvGrpSpPr/>
+        <p:nvPr/>
+      </p:nvGrpSpPr>
+      <p:grpSpPr>
+        <a:xfrm>
+          <a:off x="0" y="0"/>
+          <a:ext cx="0" cy="0"/>
+          <a:chOff x="0" y="0"/>
+          <a:chExt cx="0" cy="0"/>
+        </a:xfrm>
+      </p:grpSpPr>
+      <p:sp>
+        <p:nvSpPr>
+          <p:cNvPr id="2" name="Titolo 1"/>
+          <p:cNvSpPr>
+            <a:spLocks noGrp="1"/>
+          </p:cNvSpPr>
+          <p:nvPr>
+            <p:ph type="title"/>
+          </p:nvPr>
+        </p:nvSpPr>
+        <p:spPr>
+          <a:xfrm>
+            <a:off x="-838200" y="152400"/>
+            <a:ext cx="8229600" cy="1143000"/>
+          </a:xfrm>
+        </p:spPr>
+        <p:txBody>
+          <a:bodyPr/>
+          <a:lstStyle/>
+          <a:p>
+            <a:r>
+              <a:rPr lang="it-IT" dirty="0" smtClean="0"/>
+              <a:t>AGGIUNGI COMPONENTE</a:t>
+            </a:r>
+            <a:endParaRPr lang="it-IT" dirty="0"/>
+          </a:p>
+        </p:txBody>
+      </p:sp>
+      <p:sp>
+        <p:nvSpPr>
+          <p:cNvPr id="4" name="CasellaDiTesto 3"/>
+          <p:cNvSpPr txBox="1"/>
+          <p:nvPr/>
+        </p:nvSpPr>
+        <p:spPr>
+          <a:xfrm>
+            <a:off x="304800" y="1600200"/>
+            <a:ext cx="8161721" cy="369332"/>
+          </a:xfrm>
+          <a:prstGeom prst="rect">
+            <a:avLst/>
+          </a:prstGeom>
+          <a:noFill/>
+        </p:spPr>
+        <p:txBody>
+          <a:bodyPr wrap="none" rtlCol="0">
+            <a:spAutoFit/>
+          </a:bodyPr>
+          <a:lstStyle/>
+          <a:p>
+            <a:r>
+              <a:rPr lang="it-IT" dirty="0" smtClean="0"/>
+              <a:t>DAI UN NOME AL NUOVO COMPONENTE E CERCA IL SUONO O IL VIDEO DA INSERIRE.</a:t>
+            </a:r>
+            <a:endParaRPr lang="it-IT" dirty="0"/>
+          </a:p>
+        </p:txBody>
+      </p:sp>
+      <p:graphicFrame>
+        <p:nvGraphicFramePr>
+          <p:cNvPr id="5" name="Tabella 4"/>
+          <p:cNvGraphicFramePr>
+            <a:graphicFrameLocks noGrp="1"/>
+          </p:cNvGraphicFramePr>
+          <p:nvPr/>
+        </p:nvGraphicFramePr>
+        <p:xfrm>
+          <a:off x="2209800" y="2133600"/>
+          <a:ext cx="6096000" cy="365760"/>
+        </p:xfrm>
+        <a:graphic>
+          <a:graphicData uri="http://schemas.openxmlformats.org/drawingml/2006/table">
+            <a:tbl>
+              <a:tblPr firstRow="1" bandRow="1">
+                <a:tableStyleId>{5C22544A-7EE6-4342-B048-85BDC9FD1C3A}</a:tableStyleId>
+              </a:tblPr>
+              <a:tblGrid>
+                <a:gridCol w="6096000"/>
+              </a:tblGrid>
+              <a:tr h="294640">
+                <a:tc>
+                  <a:txBody>
+                    <a:bodyPr/>
+                    <a:lstStyle/>
+                    <a:p>
+                      <a:endParaRPr lang="it-IT" dirty="0"/>
+                    </a:p>
+                  </a:txBody>
+                  <a:tcPr/>
+                </a:tc>
+              </a:tr>
+            </a:tbl>
+          </a:graphicData>
+        </a:graphic>
+      </p:graphicFrame>
+      <p:graphicFrame>
+        <p:nvGraphicFramePr>
+          <p:cNvPr id="6" name="Tabella 5"/>
+          <p:cNvGraphicFramePr>
+            <a:graphicFrameLocks noGrp="1"/>
+          </p:cNvGraphicFramePr>
+          <p:nvPr/>
+        </p:nvGraphicFramePr>
+        <p:xfrm>
+          <a:off x="2209800" y="2743200"/>
+          <a:ext cx="6096000" cy="365760"/>
+        </p:xfrm>
+        <a:graphic>
+          <a:graphicData uri="http://schemas.openxmlformats.org/drawingml/2006/table">
+            <a:tbl>
+              <a:tblPr firstRow="1" bandRow="1">
+                <a:tableStyleId>{5C22544A-7EE6-4342-B048-85BDC9FD1C3A}</a:tableStyleId>
+              </a:tblPr>
+              <a:tblGrid>
+                <a:gridCol w="6096000"/>
+              </a:tblGrid>
+              <a:tr h="294640">
+                <a:tc>
+                  <a:txBody>
+                    <a:bodyPr/>
+                    <a:lstStyle/>
+                    <a:p>
+                      <a:endParaRPr lang="it-IT" dirty="0"/>
+                    </a:p>
+                  </a:txBody>
+                  <a:tcPr/>
+                </a:tc>
+              </a:tr>
+            </a:tbl>
+          </a:graphicData>
+        </a:graphic>
+      </p:graphicFrame>
+      <p:sp>
+        <p:nvSpPr>
+          <p:cNvPr id="7" name="CasellaDiTesto 6"/>
+          <p:cNvSpPr txBox="1"/>
+          <p:nvPr/>
+        </p:nvSpPr>
+        <p:spPr>
+          <a:xfrm>
+            <a:off x="609600" y="2133600"/>
+            <a:ext cx="1371600" cy="369332"/>
+          </a:xfrm>
+          <a:prstGeom prst="rect">
+            <a:avLst/>
+          </a:prstGeom>
+          <a:noFill/>
+        </p:spPr>
+        <p:txBody>
+          <a:bodyPr wrap="square" rtlCol="0">
+            <a:spAutoFit/>
+          </a:bodyPr>
+          <a:lstStyle/>
+          <a:p>
+            <a:r>
+              <a:rPr lang="it-IT" dirty="0" smtClean="0"/>
+              <a:t>NOME</a:t>
+            </a:r>
+            <a:endParaRPr lang="it-IT" dirty="0"/>
+          </a:p>
+        </p:txBody>
+      </p:sp>
+      <p:sp>
+        <p:nvSpPr>
+          <p:cNvPr id="8" name="CasellaDiTesto 7"/>
+          <p:cNvSpPr txBox="1"/>
+          <p:nvPr/>
+        </p:nvSpPr>
+        <p:spPr>
+          <a:xfrm>
+            <a:off x="609600" y="2743200"/>
             <a:ext cx="1524000" cy="369332"/>
           </a:xfrm>
           <a:prstGeom prst="rect">
@@ -8564,7 +8403,7 @@
           <p:nvPr/>
         </p:nvGraphicFramePr>
         <p:xfrm>
-          <a:off x="2209800" y="3581400"/>
+          <a:off x="2209800" y="3352800"/>
           <a:ext cx="6096000" cy="365760"/>
         </p:xfrm>
         <a:graphic>
@@ -8601,7 +8440,7 @@
           <p:nvPr/>
         </p:nvGraphicFramePr>
         <p:xfrm>
-          <a:off x="2209800" y="4191000"/>
+          <a:off x="2209800" y="4572000"/>
           <a:ext cx="6096000" cy="365760"/>
         </p:xfrm>
         <a:graphic>
@@ -8637,7 +8476,7 @@
         </p:nvSpPr>
         <p:spPr>
           <a:xfrm>
-            <a:off x="609600" y="3581400"/>
+            <a:off x="609600" y="3352800"/>
             <a:ext cx="1371600" cy="369332"/>
           </a:xfrm>
           <a:prstGeom prst="rect">
@@ -8667,7 +8506,7 @@
         </p:nvSpPr>
         <p:spPr>
           <a:xfrm>
-            <a:off x="609600" y="4191000"/>
+            <a:off x="609600" y="4572000"/>
             <a:ext cx="1524000" cy="369332"/>
           </a:xfrm>
           <a:prstGeom prst="rect">
@@ -8698,7 +8537,7 @@
           <p:nvPr/>
         </p:nvGraphicFramePr>
         <p:xfrm>
-          <a:off x="2209800" y="4800600"/>
+          <a:off x="2209800" y="5181600"/>
           <a:ext cx="6096000" cy="365760"/>
         </p:xfrm>
         <a:graphic>
@@ -8734,7 +8573,7 @@
         </p:nvSpPr>
         <p:spPr>
           <a:xfrm>
-            <a:off x="609600" y="4800600"/>
+            <a:off x="609600" y="5181600"/>
             <a:ext cx="1524000" cy="369332"/>
           </a:xfrm>
           <a:prstGeom prst="rect">
@@ -8812,7 +8651,7 @@
         </p:nvSpPr>
         <p:spPr>
           <a:xfrm>
-            <a:off x="5638800" y="5638800"/>
+            <a:off x="5638800" y="6019800"/>
             <a:ext cx="1371600" cy="685800"/>
           </a:xfrm>
           <a:prstGeom prst="leftArrow">
@@ -8858,7 +8697,7 @@
         </p:nvSpPr>
         <p:spPr>
           <a:xfrm>
-            <a:off x="1981200" y="5638800"/>
+            <a:off x="1981200" y="6019800"/>
             <a:ext cx="1905000" cy="685800"/>
           </a:xfrm>
           <a:prstGeom prst="ellipse">
@@ -8933,6 +8772,36 @@
           <a:p>
             <a:pPr algn="ctr"/>
             <a:endParaRPr lang="it-IT"/>
+          </a:p>
+        </p:txBody>
+      </p:sp>
+      <p:sp>
+        <p:nvSpPr>
+          <p:cNvPr id="21" name="CasellaDiTesto 20"/>
+          <p:cNvSpPr txBox="1"/>
+          <p:nvPr/>
+        </p:nvSpPr>
+        <p:spPr>
+          <a:xfrm>
+            <a:off x="323124" y="3886200"/>
+            <a:ext cx="8820876" cy="369332"/>
+          </a:xfrm>
+          <a:prstGeom prst="rect">
+            <a:avLst/>
+          </a:prstGeom>
+          <a:noFill/>
+        </p:spPr>
+        <p:txBody>
+          <a:bodyPr wrap="none" rtlCol="0">
+            <a:spAutoFit/>
+          </a:bodyPr>
+          <a:lstStyle/>
+          <a:p>
+            <a:r>
+              <a:rPr lang="it-IT" dirty="0" smtClean="0"/>
+              <a:t>VUOI SELEZIONARE UNA IMMAGINE O UN TESTO DA STAMPARE PER IL TUO COMPONENTE?</a:t>
+            </a:r>
+            <a:endParaRPr lang="it-IT" dirty="0"/>
           </a:p>
         </p:txBody>
       </p:sp>
@@ -9873,7 +9742,7 @@
         </p:nvSpPr>
         <p:spPr>
           <a:xfrm>
-            <a:off x="4953000" y="4114800"/>
+            <a:off x="3352800" y="4038600"/>
             <a:ext cx="2286000" cy="1600200"/>
           </a:xfrm>
           <a:prstGeom prst="frame">
@@ -9908,68 +9777,6 @@
                 </a:solidFill>
               </a:rPr>
               <a:t>ELIMINA POSTER</a:t>
-            </a:r>
-            <a:endParaRPr lang="it-IT" dirty="0">
-              <a:solidFill>
-                <a:schemeClr val="tx1"/>
-              </a:solidFill>
-            </a:endParaRPr>
-          </a:p>
-        </p:txBody>
-      </p:sp>
-      <p:sp>
-        <p:nvSpPr>
-          <p:cNvPr id="9" name="Cornice 8">
-            <a:hlinkClick r:id="rId5" action="ppaction://hlinksldjump"/>
-          </p:cNvPr>
-          <p:cNvSpPr/>
-          <p:nvPr/>
-        </p:nvSpPr>
-        <p:spPr>
-          <a:xfrm>
-            <a:off x="1828800" y="4114800"/>
-            <a:ext cx="2209800" cy="1600200"/>
-          </a:xfrm>
-          <a:prstGeom prst="frame">
-            <a:avLst/>
-          </a:prstGeom>
-        </p:spPr>
-        <p:style>
-          <a:lnRef idx="2">
-            <a:schemeClr val="accent1">
-              <a:shade val="50000"/>
-            </a:schemeClr>
-          </a:lnRef>
-          <a:fillRef idx="1">
-            <a:schemeClr val="accent1"/>
-          </a:fillRef>
-          <a:effectRef idx="0">
-            <a:schemeClr val="accent1"/>
-          </a:effectRef>
-          <a:fontRef idx="minor">
-            <a:schemeClr val="lt1"/>
-          </a:fontRef>
-        </p:style>
-        <p:txBody>
-          <a:bodyPr rtlCol="0" anchor="ctr"/>
-          <a:lstStyle/>
-          <a:p>
-            <a:pPr algn="ctr"/>
-            <a:r>
-              <a:rPr lang="it-IT" dirty="0" smtClean="0">
-                <a:solidFill>
-                  <a:schemeClr val="tx1"/>
-                </a:solidFill>
-              </a:rPr>
-              <a:t>ELIMINA </a:t>
-            </a:r>
-            <a:r>
-              <a:rPr lang="it-IT" dirty="0" smtClean="0">
-                <a:solidFill>
-                  <a:schemeClr val="tx1"/>
-                </a:solidFill>
-              </a:rPr>
-              <a:t>GRIGLIA</a:t>
             </a:r>
             <a:endParaRPr lang="it-IT" dirty="0">
               <a:solidFill>
@@ -10256,7 +10063,11 @@
             <a:pPr algn="just"/>
             <a:r>
               <a:rPr lang="it-IT" dirty="0" smtClean="0"/>
-              <a:t>INSERISCI NEGLI SPAZI SOTTOSTANTI IL NOME, LE DIMENSIONI DELLA NUOVA GRIGLIA ED ASSEGNA UN TAG ALL’INTERA MATRICE.</a:t>
+              <a:t>INSERISCI NEGLI SPAZI SOTTOSTANTI IL NOME, LE DIMENSIONI DELLA NUOVA </a:t>
+            </a:r>
+            <a:r>
+              <a:rPr lang="it-IT" dirty="0" smtClean="0"/>
+              <a:t>GRIGLIA.</a:t>
             </a:r>
             <a:endParaRPr lang="it-IT" dirty="0"/>
           </a:p>
